--- a/Portfolio/Hausaufgaben/8_Kaufprozess/Kaufprozess_Grafik.pptx
+++ b/Portfolio/Hausaufgaben/8_Kaufprozess/Kaufprozess_Grafik.pptx
@@ -7,7 +7,7 @@
   <p:sldIdLst>
     <p:sldId id="256" r:id="rId3"/>
   </p:sldIdLst>
-  <p:sldSz cx="10080625" cy="5670550"/>
+  <p:sldSz cx="5670550" cy="10080625"/>
   <p:notesSz cx="7772400" cy="10058400"/>
 </p:presentation>
 </file>
@@ -53,7 +53,7 @@
       </p:grpSpPr>
       <p:sp>
         <p:nvSpPr>
-          <p:cNvPr id="22" name="PlaceHolder 1"/>
+          <p:cNvPr id="23" name="PlaceHolder 1"/>
           <p:cNvSpPr>
             <a:spLocks noGrp="1"/>
           </p:cNvSpPr>
@@ -63,80 +63,94 @@
         </p:nvSpPr>
         <p:spPr>
           <a:xfrm>
-            <a:off x="504000" y="226080"/>
-            <a:ext cx="9071280" cy="946080"/>
-          </a:xfrm>
-          <a:prstGeom prst="rect">
-            <a:avLst/>
-          </a:prstGeom>
+            <a:off x="283320" y="134280"/>
+            <a:ext cx="5101920" cy="2216520"/>
+          </a:xfrm>
+          <a:prstGeom prst="rect">
+            <a:avLst/>
+          </a:prstGeom>
+          <a:noFill/>
+          <a:ln w="0">
+            <a:noFill/>
+          </a:ln>
         </p:spPr>
         <p:txBody>
           <a:bodyPr lIns="0" rIns="0" tIns="0" bIns="0" anchor="ctr">
             <a:noAutofit/>
           </a:bodyPr>
           <a:p>
-            <a:pPr algn="ctr"/>
-            <a:endParaRPr b="0" lang="de-DE" sz="4400" spc="-1" strike="noStrike">
-              <a:latin typeface="Arial"/>
-            </a:endParaRPr>
-          </a:p>
-        </p:txBody>
-      </p:sp>
-      <p:sp>
-        <p:nvSpPr>
-          <p:cNvPr id="23" name="PlaceHolder 2"/>
-          <p:cNvSpPr>
-            <a:spLocks noGrp="1"/>
-          </p:cNvSpPr>
-          <p:nvPr>
-            <p:ph type="body"/>
-          </p:nvPr>
-        </p:nvSpPr>
-        <p:spPr>
-          <a:xfrm>
-            <a:off x="504000" y="1326600"/>
-            <a:ext cx="9072000" cy="1568520"/>
-          </a:xfrm>
-          <a:prstGeom prst="rect">
-            <a:avLst/>
-          </a:prstGeom>
-        </p:spPr>
-        <p:txBody>
-          <a:bodyPr lIns="0" rIns="0" tIns="0" bIns="0">
+            <a:pPr algn="ctr">
+              <a:buNone/>
+            </a:pPr>
+            <a:endParaRPr b="0" lang="de-DE" sz="7819" spc="-1" strike="noStrike">
+              <a:latin typeface="Arial"/>
+            </a:endParaRPr>
+          </a:p>
+        </p:txBody>
+      </p:sp>
+      <p:sp>
+        <p:nvSpPr>
+          <p:cNvPr id="24" name="PlaceHolder 2"/>
+          <p:cNvSpPr>
+            <a:spLocks noGrp="1"/>
+          </p:cNvSpPr>
+          <p:nvPr>
+            <p:ph/>
+          </p:nvPr>
+        </p:nvSpPr>
+        <p:spPr>
+          <a:xfrm>
+            <a:off x="283320" y="2358000"/>
+            <a:ext cx="5102280" cy="2787840"/>
+          </a:xfrm>
+          <a:prstGeom prst="rect">
+            <a:avLst/>
+          </a:prstGeom>
+          <a:noFill/>
+          <a:ln w="0">
+            <a:noFill/>
+          </a:ln>
+        </p:spPr>
+        <p:txBody>
+          <a:bodyPr lIns="0" rIns="0" tIns="0" bIns="0" anchor="t">
             <a:normAutofit/>
           </a:bodyPr>
           <a:p>
-            <a:endParaRPr b="0" lang="de-DE" sz="3200" spc="-1" strike="noStrike">
-              <a:latin typeface="Arial"/>
-            </a:endParaRPr>
-          </a:p>
-        </p:txBody>
-      </p:sp>
-      <p:sp>
-        <p:nvSpPr>
-          <p:cNvPr id="24" name="PlaceHolder 3"/>
-          <p:cNvSpPr>
-            <a:spLocks noGrp="1"/>
-          </p:cNvSpPr>
-          <p:nvPr>
-            <p:ph type="body"/>
-          </p:nvPr>
-        </p:nvSpPr>
-        <p:spPr>
-          <a:xfrm>
-            <a:off x="504000" y="3044520"/>
-            <a:ext cx="9072000" cy="1568520"/>
-          </a:xfrm>
-          <a:prstGeom prst="rect">
-            <a:avLst/>
-          </a:prstGeom>
-        </p:spPr>
-        <p:txBody>
-          <a:bodyPr lIns="0" rIns="0" tIns="0" bIns="0">
+            <a:endParaRPr b="0" lang="de-DE" sz="5690" spc="-1" strike="noStrike">
+              <a:latin typeface="Arial"/>
+            </a:endParaRPr>
+          </a:p>
+        </p:txBody>
+      </p:sp>
+      <p:sp>
+        <p:nvSpPr>
+          <p:cNvPr id="25" name="PlaceHolder 3"/>
+          <p:cNvSpPr>
+            <a:spLocks noGrp="1"/>
+          </p:cNvSpPr>
+          <p:nvPr>
+            <p:ph/>
+          </p:nvPr>
+        </p:nvSpPr>
+        <p:spPr>
+          <a:xfrm>
+            <a:off x="283320" y="5411160"/>
+            <a:ext cx="5102280" cy="2787840"/>
+          </a:xfrm>
+          <a:prstGeom prst="rect">
+            <a:avLst/>
+          </a:prstGeom>
+          <a:noFill/>
+          <a:ln w="0">
+            <a:noFill/>
+          </a:ln>
+        </p:spPr>
+        <p:txBody>
+          <a:bodyPr lIns="0" rIns="0" tIns="0" bIns="0" anchor="t">
             <a:normAutofit/>
           </a:bodyPr>
           <a:p>
-            <a:endParaRPr b="0" lang="de-DE" sz="3200" spc="-1" strike="noStrike">
+            <a:endParaRPr b="0" lang="de-DE" sz="5690" spc="-1" strike="noStrike">
               <a:latin typeface="Arial"/>
             </a:endParaRPr>
           </a:p>
@@ -166,7 +180,7 @@
       </p:grpSpPr>
       <p:sp>
         <p:nvSpPr>
-          <p:cNvPr id="25" name="PlaceHolder 1"/>
+          <p:cNvPr id="26" name="PlaceHolder 1"/>
           <p:cNvSpPr>
             <a:spLocks noGrp="1"/>
           </p:cNvSpPr>
@@ -176,140 +190,162 @@
         </p:nvSpPr>
         <p:spPr>
           <a:xfrm>
-            <a:off x="504000" y="226080"/>
-            <a:ext cx="9071280" cy="946080"/>
-          </a:xfrm>
-          <a:prstGeom prst="rect">
-            <a:avLst/>
-          </a:prstGeom>
+            <a:off x="283320" y="134280"/>
+            <a:ext cx="5101920" cy="2216520"/>
+          </a:xfrm>
+          <a:prstGeom prst="rect">
+            <a:avLst/>
+          </a:prstGeom>
+          <a:noFill/>
+          <a:ln w="0">
+            <a:noFill/>
+          </a:ln>
         </p:spPr>
         <p:txBody>
           <a:bodyPr lIns="0" rIns="0" tIns="0" bIns="0" anchor="ctr">
             <a:noAutofit/>
           </a:bodyPr>
           <a:p>
-            <a:pPr algn="ctr"/>
-            <a:endParaRPr b="0" lang="de-DE" sz="4400" spc="-1" strike="noStrike">
-              <a:latin typeface="Arial"/>
-            </a:endParaRPr>
-          </a:p>
-        </p:txBody>
-      </p:sp>
-      <p:sp>
-        <p:nvSpPr>
-          <p:cNvPr id="26" name="PlaceHolder 2"/>
-          <p:cNvSpPr>
-            <a:spLocks noGrp="1"/>
-          </p:cNvSpPr>
-          <p:nvPr>
-            <p:ph type="body"/>
-          </p:nvPr>
-        </p:nvSpPr>
-        <p:spPr>
-          <a:xfrm>
-            <a:off x="504000" y="1326600"/>
-            <a:ext cx="4426920" cy="1568520"/>
-          </a:xfrm>
-          <a:prstGeom prst="rect">
-            <a:avLst/>
-          </a:prstGeom>
-        </p:spPr>
-        <p:txBody>
-          <a:bodyPr lIns="0" rIns="0" tIns="0" bIns="0">
+            <a:pPr algn="ctr">
+              <a:buNone/>
+            </a:pPr>
+            <a:endParaRPr b="0" lang="de-DE" sz="7819" spc="-1" strike="noStrike">
+              <a:latin typeface="Arial"/>
+            </a:endParaRPr>
+          </a:p>
+        </p:txBody>
+      </p:sp>
+      <p:sp>
+        <p:nvSpPr>
+          <p:cNvPr id="27" name="PlaceHolder 2"/>
+          <p:cNvSpPr>
+            <a:spLocks noGrp="1"/>
+          </p:cNvSpPr>
+          <p:nvPr>
+            <p:ph/>
+          </p:nvPr>
+        </p:nvSpPr>
+        <p:spPr>
+          <a:xfrm>
+            <a:off x="283320" y="2358000"/>
+            <a:ext cx="2489760" cy="2787840"/>
+          </a:xfrm>
+          <a:prstGeom prst="rect">
+            <a:avLst/>
+          </a:prstGeom>
+          <a:noFill/>
+          <a:ln w="0">
+            <a:noFill/>
+          </a:ln>
+        </p:spPr>
+        <p:txBody>
+          <a:bodyPr lIns="0" rIns="0" tIns="0" bIns="0" anchor="t">
             <a:normAutofit/>
           </a:bodyPr>
           <a:p>
-            <a:endParaRPr b="0" lang="de-DE" sz="3200" spc="-1" strike="noStrike">
-              <a:latin typeface="Arial"/>
-            </a:endParaRPr>
-          </a:p>
-        </p:txBody>
-      </p:sp>
-      <p:sp>
-        <p:nvSpPr>
-          <p:cNvPr id="27" name="PlaceHolder 3"/>
-          <p:cNvSpPr>
-            <a:spLocks noGrp="1"/>
-          </p:cNvSpPr>
-          <p:nvPr>
-            <p:ph type="body"/>
-          </p:nvPr>
-        </p:nvSpPr>
-        <p:spPr>
-          <a:xfrm>
-            <a:off x="5152680" y="1326600"/>
-            <a:ext cx="4426920" cy="1568520"/>
-          </a:xfrm>
-          <a:prstGeom prst="rect">
-            <a:avLst/>
-          </a:prstGeom>
-        </p:spPr>
-        <p:txBody>
-          <a:bodyPr lIns="0" rIns="0" tIns="0" bIns="0">
+            <a:endParaRPr b="0" lang="de-DE" sz="5690" spc="-1" strike="noStrike">
+              <a:latin typeface="Arial"/>
+            </a:endParaRPr>
+          </a:p>
+        </p:txBody>
+      </p:sp>
+      <p:sp>
+        <p:nvSpPr>
+          <p:cNvPr id="28" name="PlaceHolder 3"/>
+          <p:cNvSpPr>
+            <a:spLocks noGrp="1"/>
+          </p:cNvSpPr>
+          <p:nvPr>
+            <p:ph/>
+          </p:nvPr>
+        </p:nvSpPr>
+        <p:spPr>
+          <a:xfrm>
+            <a:off x="2898000" y="2358000"/>
+            <a:ext cx="2489760" cy="2787840"/>
+          </a:xfrm>
+          <a:prstGeom prst="rect">
+            <a:avLst/>
+          </a:prstGeom>
+          <a:noFill/>
+          <a:ln w="0">
+            <a:noFill/>
+          </a:ln>
+        </p:spPr>
+        <p:txBody>
+          <a:bodyPr lIns="0" rIns="0" tIns="0" bIns="0" anchor="t">
             <a:normAutofit/>
           </a:bodyPr>
           <a:p>
-            <a:endParaRPr b="0" lang="de-DE" sz="3200" spc="-1" strike="noStrike">
-              <a:latin typeface="Arial"/>
-            </a:endParaRPr>
-          </a:p>
-        </p:txBody>
-      </p:sp>
-      <p:sp>
-        <p:nvSpPr>
-          <p:cNvPr id="28" name="PlaceHolder 4"/>
-          <p:cNvSpPr>
-            <a:spLocks noGrp="1"/>
-          </p:cNvSpPr>
-          <p:nvPr>
-            <p:ph type="body"/>
-          </p:nvPr>
-        </p:nvSpPr>
-        <p:spPr>
-          <a:xfrm>
-            <a:off x="504000" y="3044520"/>
-            <a:ext cx="4426920" cy="1568520"/>
-          </a:xfrm>
-          <a:prstGeom prst="rect">
-            <a:avLst/>
-          </a:prstGeom>
-        </p:spPr>
-        <p:txBody>
-          <a:bodyPr lIns="0" rIns="0" tIns="0" bIns="0">
+            <a:endParaRPr b="0" lang="de-DE" sz="5690" spc="-1" strike="noStrike">
+              <a:latin typeface="Arial"/>
+            </a:endParaRPr>
+          </a:p>
+        </p:txBody>
+      </p:sp>
+      <p:sp>
+        <p:nvSpPr>
+          <p:cNvPr id="29" name="PlaceHolder 4"/>
+          <p:cNvSpPr>
+            <a:spLocks noGrp="1"/>
+          </p:cNvSpPr>
+          <p:nvPr>
+            <p:ph/>
+          </p:nvPr>
+        </p:nvSpPr>
+        <p:spPr>
+          <a:xfrm>
+            <a:off x="283320" y="5411160"/>
+            <a:ext cx="2489760" cy="2787840"/>
+          </a:xfrm>
+          <a:prstGeom prst="rect">
+            <a:avLst/>
+          </a:prstGeom>
+          <a:noFill/>
+          <a:ln w="0">
+            <a:noFill/>
+          </a:ln>
+        </p:spPr>
+        <p:txBody>
+          <a:bodyPr lIns="0" rIns="0" tIns="0" bIns="0" anchor="t">
             <a:normAutofit/>
           </a:bodyPr>
           <a:p>
-            <a:endParaRPr b="0" lang="de-DE" sz="3200" spc="-1" strike="noStrike">
-              <a:latin typeface="Arial"/>
-            </a:endParaRPr>
-          </a:p>
-        </p:txBody>
-      </p:sp>
-      <p:sp>
-        <p:nvSpPr>
-          <p:cNvPr id="29" name="PlaceHolder 5"/>
-          <p:cNvSpPr>
-            <a:spLocks noGrp="1"/>
-          </p:cNvSpPr>
-          <p:nvPr>
-            <p:ph type="body"/>
-          </p:nvPr>
-        </p:nvSpPr>
-        <p:spPr>
-          <a:xfrm>
-            <a:off x="5152680" y="3044520"/>
-            <a:ext cx="4426920" cy="1568520"/>
-          </a:xfrm>
-          <a:prstGeom prst="rect">
-            <a:avLst/>
-          </a:prstGeom>
-        </p:spPr>
-        <p:txBody>
-          <a:bodyPr lIns="0" rIns="0" tIns="0" bIns="0">
+            <a:endParaRPr b="0" lang="de-DE" sz="5690" spc="-1" strike="noStrike">
+              <a:latin typeface="Arial"/>
+            </a:endParaRPr>
+          </a:p>
+        </p:txBody>
+      </p:sp>
+      <p:sp>
+        <p:nvSpPr>
+          <p:cNvPr id="30" name="PlaceHolder 5"/>
+          <p:cNvSpPr>
+            <a:spLocks noGrp="1"/>
+          </p:cNvSpPr>
+          <p:nvPr>
+            <p:ph/>
+          </p:nvPr>
+        </p:nvSpPr>
+        <p:spPr>
+          <a:xfrm>
+            <a:off x="2898000" y="5411160"/>
+            <a:ext cx="2489760" cy="2787840"/>
+          </a:xfrm>
+          <a:prstGeom prst="rect">
+            <a:avLst/>
+          </a:prstGeom>
+          <a:noFill/>
+          <a:ln w="0">
+            <a:noFill/>
+          </a:ln>
+        </p:spPr>
+        <p:txBody>
+          <a:bodyPr lIns="0" rIns="0" tIns="0" bIns="0" anchor="t">
             <a:normAutofit/>
           </a:bodyPr>
           <a:p>
-            <a:endParaRPr b="0" lang="de-DE" sz="3200" spc="-1" strike="noStrike">
+            <a:endParaRPr b="0" lang="de-DE" sz="5690" spc="-1" strike="noStrike">
               <a:latin typeface="Arial"/>
             </a:endParaRPr>
           </a:p>
@@ -339,7 +375,7 @@
       </p:grpSpPr>
       <p:sp>
         <p:nvSpPr>
-          <p:cNvPr id="30" name="PlaceHolder 1"/>
+          <p:cNvPr id="31" name="PlaceHolder 1"/>
           <p:cNvSpPr>
             <a:spLocks noGrp="1"/>
           </p:cNvSpPr>
@@ -349,200 +385,230 @@
         </p:nvSpPr>
         <p:spPr>
           <a:xfrm>
-            <a:off x="504000" y="226080"/>
-            <a:ext cx="9071280" cy="946080"/>
-          </a:xfrm>
-          <a:prstGeom prst="rect">
-            <a:avLst/>
-          </a:prstGeom>
+            <a:off x="283320" y="134280"/>
+            <a:ext cx="5101920" cy="2216520"/>
+          </a:xfrm>
+          <a:prstGeom prst="rect">
+            <a:avLst/>
+          </a:prstGeom>
+          <a:noFill/>
+          <a:ln w="0">
+            <a:noFill/>
+          </a:ln>
         </p:spPr>
         <p:txBody>
           <a:bodyPr lIns="0" rIns="0" tIns="0" bIns="0" anchor="ctr">
             <a:noAutofit/>
           </a:bodyPr>
           <a:p>
-            <a:pPr algn="ctr"/>
-            <a:endParaRPr b="0" lang="de-DE" sz="4400" spc="-1" strike="noStrike">
-              <a:latin typeface="Arial"/>
-            </a:endParaRPr>
-          </a:p>
-        </p:txBody>
-      </p:sp>
-      <p:sp>
-        <p:nvSpPr>
-          <p:cNvPr id="31" name="PlaceHolder 2"/>
-          <p:cNvSpPr>
-            <a:spLocks noGrp="1"/>
-          </p:cNvSpPr>
-          <p:nvPr>
-            <p:ph type="body"/>
-          </p:nvPr>
-        </p:nvSpPr>
-        <p:spPr>
-          <a:xfrm>
-            <a:off x="504000" y="1326600"/>
-            <a:ext cx="2921040" cy="1568520"/>
-          </a:xfrm>
-          <a:prstGeom prst="rect">
-            <a:avLst/>
-          </a:prstGeom>
-        </p:spPr>
-        <p:txBody>
-          <a:bodyPr lIns="0" rIns="0" tIns="0" bIns="0">
-            <a:normAutofit/>
-          </a:bodyPr>
-          <a:p>
-            <a:endParaRPr b="0" lang="de-DE" sz="3200" spc="-1" strike="noStrike">
-              <a:latin typeface="Arial"/>
-            </a:endParaRPr>
-          </a:p>
-        </p:txBody>
-      </p:sp>
-      <p:sp>
-        <p:nvSpPr>
-          <p:cNvPr id="32" name="PlaceHolder 3"/>
-          <p:cNvSpPr>
-            <a:spLocks noGrp="1"/>
-          </p:cNvSpPr>
-          <p:nvPr>
-            <p:ph type="body"/>
-          </p:nvPr>
-        </p:nvSpPr>
-        <p:spPr>
-          <a:xfrm>
-            <a:off x="3571560" y="1326600"/>
-            <a:ext cx="2921040" cy="1568520"/>
-          </a:xfrm>
-          <a:prstGeom prst="rect">
-            <a:avLst/>
-          </a:prstGeom>
-        </p:spPr>
-        <p:txBody>
-          <a:bodyPr lIns="0" rIns="0" tIns="0" bIns="0">
-            <a:normAutofit/>
-          </a:bodyPr>
-          <a:p>
-            <a:endParaRPr b="0" lang="de-DE" sz="3200" spc="-1" strike="noStrike">
-              <a:latin typeface="Arial"/>
-            </a:endParaRPr>
-          </a:p>
-        </p:txBody>
-      </p:sp>
-      <p:sp>
-        <p:nvSpPr>
-          <p:cNvPr id="33" name="PlaceHolder 4"/>
-          <p:cNvSpPr>
-            <a:spLocks noGrp="1"/>
-          </p:cNvSpPr>
-          <p:nvPr>
-            <p:ph type="body"/>
-          </p:nvPr>
-        </p:nvSpPr>
-        <p:spPr>
-          <a:xfrm>
-            <a:off x="6639120" y="1326600"/>
-            <a:ext cx="2921040" cy="1568520"/>
-          </a:xfrm>
-          <a:prstGeom prst="rect">
-            <a:avLst/>
-          </a:prstGeom>
-        </p:spPr>
-        <p:txBody>
-          <a:bodyPr lIns="0" rIns="0" tIns="0" bIns="0">
-            <a:normAutofit/>
-          </a:bodyPr>
-          <a:p>
-            <a:endParaRPr b="0" lang="de-DE" sz="3200" spc="-1" strike="noStrike">
-              <a:latin typeface="Arial"/>
-            </a:endParaRPr>
-          </a:p>
-        </p:txBody>
-      </p:sp>
-      <p:sp>
-        <p:nvSpPr>
-          <p:cNvPr id="34" name="PlaceHolder 5"/>
-          <p:cNvSpPr>
-            <a:spLocks noGrp="1"/>
-          </p:cNvSpPr>
-          <p:nvPr>
-            <p:ph type="body"/>
-          </p:nvPr>
-        </p:nvSpPr>
-        <p:spPr>
-          <a:xfrm>
-            <a:off x="504000" y="3044520"/>
-            <a:ext cx="2921040" cy="1568520"/>
-          </a:xfrm>
-          <a:prstGeom prst="rect">
-            <a:avLst/>
-          </a:prstGeom>
-        </p:spPr>
-        <p:txBody>
-          <a:bodyPr lIns="0" rIns="0" tIns="0" bIns="0">
-            <a:normAutofit/>
-          </a:bodyPr>
-          <a:p>
-            <a:endParaRPr b="0" lang="de-DE" sz="3200" spc="-1" strike="noStrike">
-              <a:latin typeface="Arial"/>
-            </a:endParaRPr>
-          </a:p>
-        </p:txBody>
-      </p:sp>
-      <p:sp>
-        <p:nvSpPr>
-          <p:cNvPr id="35" name="PlaceHolder 6"/>
-          <p:cNvSpPr>
-            <a:spLocks noGrp="1"/>
-          </p:cNvSpPr>
-          <p:nvPr>
-            <p:ph type="body"/>
-          </p:nvPr>
-        </p:nvSpPr>
-        <p:spPr>
-          <a:xfrm>
-            <a:off x="3571560" y="3044520"/>
-            <a:ext cx="2921040" cy="1568520"/>
-          </a:xfrm>
-          <a:prstGeom prst="rect">
-            <a:avLst/>
-          </a:prstGeom>
-        </p:spPr>
-        <p:txBody>
-          <a:bodyPr lIns="0" rIns="0" tIns="0" bIns="0">
-            <a:normAutofit/>
-          </a:bodyPr>
-          <a:p>
-            <a:endParaRPr b="0" lang="de-DE" sz="3200" spc="-1" strike="noStrike">
-              <a:latin typeface="Arial"/>
-            </a:endParaRPr>
-          </a:p>
-        </p:txBody>
-      </p:sp>
-      <p:sp>
-        <p:nvSpPr>
-          <p:cNvPr id="36" name="PlaceHolder 7"/>
-          <p:cNvSpPr>
-            <a:spLocks noGrp="1"/>
-          </p:cNvSpPr>
-          <p:nvPr>
-            <p:ph type="body"/>
-          </p:nvPr>
-        </p:nvSpPr>
-        <p:spPr>
-          <a:xfrm>
-            <a:off x="6639120" y="3044520"/>
-            <a:ext cx="2921040" cy="1568520"/>
-          </a:xfrm>
-          <a:prstGeom prst="rect">
-            <a:avLst/>
-          </a:prstGeom>
-        </p:spPr>
-        <p:txBody>
-          <a:bodyPr lIns="0" rIns="0" tIns="0" bIns="0">
-            <a:normAutofit/>
-          </a:bodyPr>
-          <a:p>
-            <a:endParaRPr b="0" lang="de-DE" sz="3200" spc="-1" strike="noStrike">
+            <a:pPr algn="ctr">
+              <a:buNone/>
+            </a:pPr>
+            <a:endParaRPr b="0" lang="de-DE" sz="7819" spc="-1" strike="noStrike">
+              <a:latin typeface="Arial"/>
+            </a:endParaRPr>
+          </a:p>
+        </p:txBody>
+      </p:sp>
+      <p:sp>
+        <p:nvSpPr>
+          <p:cNvPr id="32" name="PlaceHolder 2"/>
+          <p:cNvSpPr>
+            <a:spLocks noGrp="1"/>
+          </p:cNvSpPr>
+          <p:nvPr>
+            <p:ph/>
+          </p:nvPr>
+        </p:nvSpPr>
+        <p:spPr>
+          <a:xfrm>
+            <a:off x="283320" y="2358000"/>
+            <a:ext cx="1642680" cy="2787840"/>
+          </a:xfrm>
+          <a:prstGeom prst="rect">
+            <a:avLst/>
+          </a:prstGeom>
+          <a:noFill/>
+          <a:ln w="0">
+            <a:noFill/>
+          </a:ln>
+        </p:spPr>
+        <p:txBody>
+          <a:bodyPr lIns="0" rIns="0" tIns="0" bIns="0" anchor="t">
+            <a:normAutofit fontScale="85000"/>
+          </a:bodyPr>
+          <a:p>
+            <a:endParaRPr b="0" lang="de-DE" sz="5690" spc="-1" strike="noStrike">
+              <a:latin typeface="Arial"/>
+            </a:endParaRPr>
+          </a:p>
+        </p:txBody>
+      </p:sp>
+      <p:sp>
+        <p:nvSpPr>
+          <p:cNvPr id="33" name="PlaceHolder 3"/>
+          <p:cNvSpPr>
+            <a:spLocks noGrp="1"/>
+          </p:cNvSpPr>
+          <p:nvPr>
+            <p:ph/>
+          </p:nvPr>
+        </p:nvSpPr>
+        <p:spPr>
+          <a:xfrm>
+            <a:off x="2008440" y="2358000"/>
+            <a:ext cx="1642680" cy="2787840"/>
+          </a:xfrm>
+          <a:prstGeom prst="rect">
+            <a:avLst/>
+          </a:prstGeom>
+          <a:noFill/>
+          <a:ln w="0">
+            <a:noFill/>
+          </a:ln>
+        </p:spPr>
+        <p:txBody>
+          <a:bodyPr lIns="0" rIns="0" tIns="0" bIns="0" anchor="t">
+            <a:normAutofit fontScale="85000"/>
+          </a:bodyPr>
+          <a:p>
+            <a:endParaRPr b="0" lang="de-DE" sz="5690" spc="-1" strike="noStrike">
+              <a:latin typeface="Arial"/>
+            </a:endParaRPr>
+          </a:p>
+        </p:txBody>
+      </p:sp>
+      <p:sp>
+        <p:nvSpPr>
+          <p:cNvPr id="34" name="PlaceHolder 4"/>
+          <p:cNvSpPr>
+            <a:spLocks noGrp="1"/>
+          </p:cNvSpPr>
+          <p:nvPr>
+            <p:ph/>
+          </p:nvPr>
+        </p:nvSpPr>
+        <p:spPr>
+          <a:xfrm>
+            <a:off x="3733560" y="2358000"/>
+            <a:ext cx="1642680" cy="2787840"/>
+          </a:xfrm>
+          <a:prstGeom prst="rect">
+            <a:avLst/>
+          </a:prstGeom>
+          <a:noFill/>
+          <a:ln w="0">
+            <a:noFill/>
+          </a:ln>
+        </p:spPr>
+        <p:txBody>
+          <a:bodyPr lIns="0" rIns="0" tIns="0" bIns="0" anchor="t">
+            <a:normAutofit fontScale="85000"/>
+          </a:bodyPr>
+          <a:p>
+            <a:endParaRPr b="0" lang="de-DE" sz="5690" spc="-1" strike="noStrike">
+              <a:latin typeface="Arial"/>
+            </a:endParaRPr>
+          </a:p>
+        </p:txBody>
+      </p:sp>
+      <p:sp>
+        <p:nvSpPr>
+          <p:cNvPr id="35" name="PlaceHolder 5"/>
+          <p:cNvSpPr>
+            <a:spLocks noGrp="1"/>
+          </p:cNvSpPr>
+          <p:nvPr>
+            <p:ph/>
+          </p:nvPr>
+        </p:nvSpPr>
+        <p:spPr>
+          <a:xfrm>
+            <a:off x="283320" y="5411160"/>
+            <a:ext cx="1642680" cy="2787840"/>
+          </a:xfrm>
+          <a:prstGeom prst="rect">
+            <a:avLst/>
+          </a:prstGeom>
+          <a:noFill/>
+          <a:ln w="0">
+            <a:noFill/>
+          </a:ln>
+        </p:spPr>
+        <p:txBody>
+          <a:bodyPr lIns="0" rIns="0" tIns="0" bIns="0" anchor="t">
+            <a:normAutofit fontScale="85000"/>
+          </a:bodyPr>
+          <a:p>
+            <a:endParaRPr b="0" lang="de-DE" sz="5690" spc="-1" strike="noStrike">
+              <a:latin typeface="Arial"/>
+            </a:endParaRPr>
+          </a:p>
+        </p:txBody>
+      </p:sp>
+      <p:sp>
+        <p:nvSpPr>
+          <p:cNvPr id="36" name="PlaceHolder 6"/>
+          <p:cNvSpPr>
+            <a:spLocks noGrp="1"/>
+          </p:cNvSpPr>
+          <p:nvPr>
+            <p:ph/>
+          </p:nvPr>
+        </p:nvSpPr>
+        <p:spPr>
+          <a:xfrm>
+            <a:off x="2008440" y="5411160"/>
+            <a:ext cx="1642680" cy="2787840"/>
+          </a:xfrm>
+          <a:prstGeom prst="rect">
+            <a:avLst/>
+          </a:prstGeom>
+          <a:noFill/>
+          <a:ln w="0">
+            <a:noFill/>
+          </a:ln>
+        </p:spPr>
+        <p:txBody>
+          <a:bodyPr lIns="0" rIns="0" tIns="0" bIns="0" anchor="t">
+            <a:normAutofit fontScale="85000"/>
+          </a:bodyPr>
+          <a:p>
+            <a:endParaRPr b="0" lang="de-DE" sz="5690" spc="-1" strike="noStrike">
+              <a:latin typeface="Arial"/>
+            </a:endParaRPr>
+          </a:p>
+        </p:txBody>
+      </p:sp>
+      <p:sp>
+        <p:nvSpPr>
+          <p:cNvPr id="37" name="PlaceHolder 7"/>
+          <p:cNvSpPr>
+            <a:spLocks noGrp="1"/>
+          </p:cNvSpPr>
+          <p:nvPr>
+            <p:ph/>
+          </p:nvPr>
+        </p:nvSpPr>
+        <p:spPr>
+          <a:xfrm>
+            <a:off x="3733560" y="5411160"/>
+            <a:ext cx="1642680" cy="2787840"/>
+          </a:xfrm>
+          <a:prstGeom prst="rect">
+            <a:avLst/>
+          </a:prstGeom>
+          <a:noFill/>
+          <a:ln w="0">
+            <a:noFill/>
+          </a:ln>
+        </p:spPr>
+        <p:txBody>
+          <a:bodyPr lIns="0" rIns="0" tIns="0" bIns="0" anchor="t">
+            <a:normAutofit fontScale="85000"/>
+          </a:bodyPr>
+          <a:p>
+            <a:endParaRPr b="0" lang="de-DE" sz="5690" spc="-1" strike="noStrike">
               <a:latin typeface="Arial"/>
             </a:endParaRPr>
           </a:p>
@@ -572,7 +638,7 @@
       </p:grpSpPr>
       <p:sp>
         <p:nvSpPr>
-          <p:cNvPr id="1" name="PlaceHolder 1"/>
+          <p:cNvPr id="2" name="PlaceHolder 1"/>
           <p:cNvSpPr>
             <a:spLocks noGrp="1"/>
           </p:cNvSpPr>
@@ -582,28 +648,34 @@
         </p:nvSpPr>
         <p:spPr>
           <a:xfrm>
-            <a:off x="504000" y="226080"/>
-            <a:ext cx="9071280" cy="946080"/>
-          </a:xfrm>
-          <a:prstGeom prst="rect">
-            <a:avLst/>
-          </a:prstGeom>
+            <a:off x="283320" y="134280"/>
+            <a:ext cx="5101920" cy="2216520"/>
+          </a:xfrm>
+          <a:prstGeom prst="rect">
+            <a:avLst/>
+          </a:prstGeom>
+          <a:noFill/>
+          <a:ln w="0">
+            <a:noFill/>
+          </a:ln>
         </p:spPr>
         <p:txBody>
           <a:bodyPr lIns="0" rIns="0" tIns="0" bIns="0" anchor="ctr">
             <a:noAutofit/>
           </a:bodyPr>
           <a:p>
-            <a:pPr algn="ctr"/>
-            <a:endParaRPr b="0" lang="de-DE" sz="4400" spc="-1" strike="noStrike">
-              <a:latin typeface="Arial"/>
-            </a:endParaRPr>
-          </a:p>
-        </p:txBody>
-      </p:sp>
-      <p:sp>
-        <p:nvSpPr>
-          <p:cNvPr id="2" name="PlaceHolder 2"/>
+            <a:pPr algn="ctr">
+              <a:buNone/>
+            </a:pPr>
+            <a:endParaRPr b="0" lang="de-DE" sz="7819" spc="-1" strike="noStrike">
+              <a:latin typeface="Arial"/>
+            </a:endParaRPr>
+          </a:p>
+        </p:txBody>
+      </p:sp>
+      <p:sp>
+        <p:nvSpPr>
+          <p:cNvPr id="3" name="PlaceHolder 2"/>
           <p:cNvSpPr>
             <a:spLocks noGrp="1"/>
           </p:cNvSpPr>
@@ -613,19 +685,25 @@
         </p:nvSpPr>
         <p:spPr>
           <a:xfrm>
-            <a:off x="504000" y="1326600"/>
-            <a:ext cx="9072000" cy="3288600"/>
-          </a:xfrm>
-          <a:prstGeom prst="rect">
-            <a:avLst/>
-          </a:prstGeom>
+            <a:off x="283320" y="2358000"/>
+            <a:ext cx="5102280" cy="5844960"/>
+          </a:xfrm>
+          <a:prstGeom prst="rect">
+            <a:avLst/>
+          </a:prstGeom>
+          <a:noFill/>
+          <a:ln w="0">
+            <a:noFill/>
+          </a:ln>
         </p:spPr>
         <p:txBody>
           <a:bodyPr lIns="0" rIns="0" tIns="0" bIns="0" anchor="ctr">
             <a:noAutofit/>
           </a:bodyPr>
           <a:p>
-            <a:pPr algn="ctr"/>
+            <a:pPr algn="ctr">
+              <a:buNone/>
+            </a:pPr>
             <a:endParaRPr b="0" lang="de-DE" sz="3200" spc="-1" strike="noStrike">
               <a:latin typeface="Arial"/>
             </a:endParaRPr>
@@ -656,7 +734,7 @@
       </p:grpSpPr>
       <p:sp>
         <p:nvSpPr>
-          <p:cNvPr id="3" name="PlaceHolder 1"/>
+          <p:cNvPr id="4" name="PlaceHolder 1"/>
           <p:cNvSpPr>
             <a:spLocks noGrp="1"/>
           </p:cNvSpPr>
@@ -666,50 +744,60 @@
         </p:nvSpPr>
         <p:spPr>
           <a:xfrm>
-            <a:off x="504000" y="226080"/>
-            <a:ext cx="9071280" cy="946080"/>
-          </a:xfrm>
-          <a:prstGeom prst="rect">
-            <a:avLst/>
-          </a:prstGeom>
+            <a:off x="283320" y="134280"/>
+            <a:ext cx="5101920" cy="2216520"/>
+          </a:xfrm>
+          <a:prstGeom prst="rect">
+            <a:avLst/>
+          </a:prstGeom>
+          <a:noFill/>
+          <a:ln w="0">
+            <a:noFill/>
+          </a:ln>
         </p:spPr>
         <p:txBody>
           <a:bodyPr lIns="0" rIns="0" tIns="0" bIns="0" anchor="ctr">
             <a:noAutofit/>
           </a:bodyPr>
           <a:p>
-            <a:pPr algn="ctr"/>
-            <a:endParaRPr b="0" lang="de-DE" sz="4400" spc="-1" strike="noStrike">
-              <a:latin typeface="Arial"/>
-            </a:endParaRPr>
-          </a:p>
-        </p:txBody>
-      </p:sp>
-      <p:sp>
-        <p:nvSpPr>
-          <p:cNvPr id="4" name="PlaceHolder 2"/>
-          <p:cNvSpPr>
-            <a:spLocks noGrp="1"/>
-          </p:cNvSpPr>
-          <p:nvPr>
-            <p:ph type="body"/>
-          </p:nvPr>
-        </p:nvSpPr>
-        <p:spPr>
-          <a:xfrm>
-            <a:off x="504000" y="1326600"/>
-            <a:ext cx="9072000" cy="3288600"/>
-          </a:xfrm>
-          <a:prstGeom prst="rect">
-            <a:avLst/>
-          </a:prstGeom>
-        </p:spPr>
-        <p:txBody>
-          <a:bodyPr lIns="0" rIns="0" tIns="0" bIns="0">
+            <a:pPr algn="ctr">
+              <a:buNone/>
+            </a:pPr>
+            <a:endParaRPr b="0" lang="de-DE" sz="7819" spc="-1" strike="noStrike">
+              <a:latin typeface="Arial"/>
+            </a:endParaRPr>
+          </a:p>
+        </p:txBody>
+      </p:sp>
+      <p:sp>
+        <p:nvSpPr>
+          <p:cNvPr id="5" name="PlaceHolder 2"/>
+          <p:cNvSpPr>
+            <a:spLocks noGrp="1"/>
+          </p:cNvSpPr>
+          <p:nvPr>
+            <p:ph/>
+          </p:nvPr>
+        </p:nvSpPr>
+        <p:spPr>
+          <a:xfrm>
+            <a:off x="283320" y="2358000"/>
+            <a:ext cx="5102280" cy="5844960"/>
+          </a:xfrm>
+          <a:prstGeom prst="rect">
+            <a:avLst/>
+          </a:prstGeom>
+          <a:noFill/>
+          <a:ln w="0">
+            <a:noFill/>
+          </a:ln>
+        </p:spPr>
+        <p:txBody>
+          <a:bodyPr lIns="0" rIns="0" tIns="0" bIns="0" anchor="t">
             <a:normAutofit/>
           </a:bodyPr>
           <a:p>
-            <a:endParaRPr b="0" lang="de-DE" sz="3200" spc="-1" strike="noStrike">
+            <a:endParaRPr b="0" lang="de-DE" sz="5690" spc="-1" strike="noStrike">
               <a:latin typeface="Arial"/>
             </a:endParaRPr>
           </a:p>
@@ -739,7 +827,7 @@
       </p:grpSpPr>
       <p:sp>
         <p:nvSpPr>
-          <p:cNvPr id="5" name="PlaceHolder 1"/>
+          <p:cNvPr id="6" name="PlaceHolder 1"/>
           <p:cNvSpPr>
             <a:spLocks noGrp="1"/>
           </p:cNvSpPr>
@@ -749,80 +837,94 @@
         </p:nvSpPr>
         <p:spPr>
           <a:xfrm>
-            <a:off x="504000" y="226080"/>
-            <a:ext cx="9071280" cy="946080"/>
-          </a:xfrm>
-          <a:prstGeom prst="rect">
-            <a:avLst/>
-          </a:prstGeom>
+            <a:off x="283320" y="134280"/>
+            <a:ext cx="5101920" cy="2216520"/>
+          </a:xfrm>
+          <a:prstGeom prst="rect">
+            <a:avLst/>
+          </a:prstGeom>
+          <a:noFill/>
+          <a:ln w="0">
+            <a:noFill/>
+          </a:ln>
         </p:spPr>
         <p:txBody>
           <a:bodyPr lIns="0" rIns="0" tIns="0" bIns="0" anchor="ctr">
             <a:noAutofit/>
           </a:bodyPr>
           <a:p>
-            <a:pPr algn="ctr"/>
-            <a:endParaRPr b="0" lang="de-DE" sz="4400" spc="-1" strike="noStrike">
-              <a:latin typeface="Arial"/>
-            </a:endParaRPr>
-          </a:p>
-        </p:txBody>
-      </p:sp>
-      <p:sp>
-        <p:nvSpPr>
-          <p:cNvPr id="6" name="PlaceHolder 2"/>
-          <p:cNvSpPr>
-            <a:spLocks noGrp="1"/>
-          </p:cNvSpPr>
-          <p:nvPr>
-            <p:ph type="body"/>
-          </p:nvPr>
-        </p:nvSpPr>
-        <p:spPr>
-          <a:xfrm>
-            <a:off x="504000" y="1326600"/>
-            <a:ext cx="4426920" cy="3288600"/>
-          </a:xfrm>
-          <a:prstGeom prst="rect">
-            <a:avLst/>
-          </a:prstGeom>
-        </p:spPr>
-        <p:txBody>
-          <a:bodyPr lIns="0" rIns="0" tIns="0" bIns="0">
+            <a:pPr algn="ctr">
+              <a:buNone/>
+            </a:pPr>
+            <a:endParaRPr b="0" lang="de-DE" sz="7819" spc="-1" strike="noStrike">
+              <a:latin typeface="Arial"/>
+            </a:endParaRPr>
+          </a:p>
+        </p:txBody>
+      </p:sp>
+      <p:sp>
+        <p:nvSpPr>
+          <p:cNvPr id="7" name="PlaceHolder 2"/>
+          <p:cNvSpPr>
+            <a:spLocks noGrp="1"/>
+          </p:cNvSpPr>
+          <p:nvPr>
+            <p:ph/>
+          </p:nvPr>
+        </p:nvSpPr>
+        <p:spPr>
+          <a:xfrm>
+            <a:off x="283320" y="2358000"/>
+            <a:ext cx="2489760" cy="5844960"/>
+          </a:xfrm>
+          <a:prstGeom prst="rect">
+            <a:avLst/>
+          </a:prstGeom>
+          <a:noFill/>
+          <a:ln w="0">
+            <a:noFill/>
+          </a:ln>
+        </p:spPr>
+        <p:txBody>
+          <a:bodyPr lIns="0" rIns="0" tIns="0" bIns="0" anchor="t">
             <a:normAutofit/>
           </a:bodyPr>
           <a:p>
-            <a:endParaRPr b="0" lang="de-DE" sz="3200" spc="-1" strike="noStrike">
-              <a:latin typeface="Arial"/>
-            </a:endParaRPr>
-          </a:p>
-        </p:txBody>
-      </p:sp>
-      <p:sp>
-        <p:nvSpPr>
-          <p:cNvPr id="7" name="PlaceHolder 3"/>
-          <p:cNvSpPr>
-            <a:spLocks noGrp="1"/>
-          </p:cNvSpPr>
-          <p:nvPr>
-            <p:ph type="body"/>
-          </p:nvPr>
-        </p:nvSpPr>
-        <p:spPr>
-          <a:xfrm>
-            <a:off x="5152680" y="1326600"/>
-            <a:ext cx="4426920" cy="3288600"/>
-          </a:xfrm>
-          <a:prstGeom prst="rect">
-            <a:avLst/>
-          </a:prstGeom>
-        </p:spPr>
-        <p:txBody>
-          <a:bodyPr lIns="0" rIns="0" tIns="0" bIns="0">
+            <a:endParaRPr b="0" lang="de-DE" sz="5690" spc="-1" strike="noStrike">
+              <a:latin typeface="Arial"/>
+            </a:endParaRPr>
+          </a:p>
+        </p:txBody>
+      </p:sp>
+      <p:sp>
+        <p:nvSpPr>
+          <p:cNvPr id="8" name="PlaceHolder 3"/>
+          <p:cNvSpPr>
+            <a:spLocks noGrp="1"/>
+          </p:cNvSpPr>
+          <p:nvPr>
+            <p:ph/>
+          </p:nvPr>
+        </p:nvSpPr>
+        <p:spPr>
+          <a:xfrm>
+            <a:off x="2898000" y="2358000"/>
+            <a:ext cx="2489760" cy="5844960"/>
+          </a:xfrm>
+          <a:prstGeom prst="rect">
+            <a:avLst/>
+          </a:prstGeom>
+          <a:noFill/>
+          <a:ln w="0">
+            <a:noFill/>
+          </a:ln>
+        </p:spPr>
+        <p:txBody>
+          <a:bodyPr lIns="0" rIns="0" tIns="0" bIns="0" anchor="t">
             <a:normAutofit/>
           </a:bodyPr>
           <a:p>
-            <a:endParaRPr b="0" lang="de-DE" sz="3200" spc="-1" strike="noStrike">
+            <a:endParaRPr b="0" lang="de-DE" sz="5690" spc="-1" strike="noStrike">
               <a:latin typeface="Arial"/>
             </a:endParaRPr>
           </a:p>
@@ -852,7 +954,7 @@
       </p:grpSpPr>
       <p:sp>
         <p:nvSpPr>
-          <p:cNvPr id="8" name="PlaceHolder 1"/>
+          <p:cNvPr id="9" name="PlaceHolder 1"/>
           <p:cNvSpPr>
             <a:spLocks noGrp="1"/>
           </p:cNvSpPr>
@@ -862,20 +964,26 @@
         </p:nvSpPr>
         <p:spPr>
           <a:xfrm>
-            <a:off x="504000" y="226080"/>
-            <a:ext cx="9071280" cy="946080"/>
-          </a:xfrm>
-          <a:prstGeom prst="rect">
-            <a:avLst/>
-          </a:prstGeom>
+            <a:off x="283320" y="134280"/>
+            <a:ext cx="5101920" cy="2216520"/>
+          </a:xfrm>
+          <a:prstGeom prst="rect">
+            <a:avLst/>
+          </a:prstGeom>
+          <a:noFill/>
+          <a:ln w="0">
+            <a:noFill/>
+          </a:ln>
         </p:spPr>
         <p:txBody>
           <a:bodyPr lIns="0" rIns="0" tIns="0" bIns="0" anchor="ctr">
             <a:noAutofit/>
           </a:bodyPr>
           <a:p>
-            <a:pPr algn="ctr"/>
-            <a:endParaRPr b="0" lang="de-DE" sz="4400" spc="-1" strike="noStrike">
+            <a:pPr algn="ctr">
+              <a:buNone/>
+            </a:pPr>
+            <a:endParaRPr b="0" lang="de-DE" sz="7819" spc="-1" strike="noStrike">
               <a:latin typeface="Arial"/>
             </a:endParaRPr>
           </a:p>
@@ -905,7 +1013,7 @@
       </p:grpSpPr>
       <p:sp>
         <p:nvSpPr>
-          <p:cNvPr id="9" name="PlaceHolder 1"/>
+          <p:cNvPr id="10" name="PlaceHolder 1"/>
           <p:cNvSpPr>
             <a:spLocks noGrp="1"/>
           </p:cNvSpPr>
@@ -915,19 +1023,25 @@
         </p:nvSpPr>
         <p:spPr>
           <a:xfrm>
-            <a:off x="504000" y="226080"/>
-            <a:ext cx="9071280" cy="4386600"/>
-          </a:xfrm>
-          <a:prstGeom prst="rect">
-            <a:avLst/>
-          </a:prstGeom>
+            <a:off x="283320" y="401760"/>
+            <a:ext cx="5101920" cy="7794360"/>
+          </a:xfrm>
+          <a:prstGeom prst="rect">
+            <a:avLst/>
+          </a:prstGeom>
+          <a:noFill/>
+          <a:ln w="0">
+            <a:noFill/>
+          </a:ln>
         </p:spPr>
         <p:txBody>
           <a:bodyPr lIns="0" rIns="0" tIns="0" bIns="0" anchor="ctr">
             <a:noAutofit/>
           </a:bodyPr>
           <a:p>
-            <a:pPr algn="ctr"/>
+            <a:pPr algn="ctr">
+              <a:buNone/>
+            </a:pPr>
             <a:endParaRPr b="0" lang="de-DE" sz="3200" spc="-1" strike="noStrike">
               <a:latin typeface="Arial"/>
             </a:endParaRPr>
@@ -958,7 +1072,7 @@
       </p:grpSpPr>
       <p:sp>
         <p:nvSpPr>
-          <p:cNvPr id="10" name="PlaceHolder 1"/>
+          <p:cNvPr id="11" name="PlaceHolder 1"/>
           <p:cNvSpPr>
             <a:spLocks noGrp="1"/>
           </p:cNvSpPr>
@@ -968,110 +1082,128 @@
         </p:nvSpPr>
         <p:spPr>
           <a:xfrm>
-            <a:off x="504000" y="226080"/>
-            <a:ext cx="9071280" cy="946080"/>
-          </a:xfrm>
-          <a:prstGeom prst="rect">
-            <a:avLst/>
-          </a:prstGeom>
+            <a:off x="283320" y="134280"/>
+            <a:ext cx="5101920" cy="2216520"/>
+          </a:xfrm>
+          <a:prstGeom prst="rect">
+            <a:avLst/>
+          </a:prstGeom>
+          <a:noFill/>
+          <a:ln w="0">
+            <a:noFill/>
+          </a:ln>
         </p:spPr>
         <p:txBody>
           <a:bodyPr lIns="0" rIns="0" tIns="0" bIns="0" anchor="ctr">
             <a:noAutofit/>
           </a:bodyPr>
           <a:p>
-            <a:pPr algn="ctr"/>
-            <a:endParaRPr b="0" lang="de-DE" sz="4400" spc="-1" strike="noStrike">
-              <a:latin typeface="Arial"/>
-            </a:endParaRPr>
-          </a:p>
-        </p:txBody>
-      </p:sp>
-      <p:sp>
-        <p:nvSpPr>
-          <p:cNvPr id="11" name="PlaceHolder 2"/>
-          <p:cNvSpPr>
-            <a:spLocks noGrp="1"/>
-          </p:cNvSpPr>
-          <p:nvPr>
-            <p:ph type="body"/>
-          </p:nvPr>
-        </p:nvSpPr>
-        <p:spPr>
-          <a:xfrm>
-            <a:off x="504000" y="1326600"/>
-            <a:ext cx="4426920" cy="1568520"/>
-          </a:xfrm>
-          <a:prstGeom prst="rect">
-            <a:avLst/>
-          </a:prstGeom>
-        </p:spPr>
-        <p:txBody>
-          <a:bodyPr lIns="0" rIns="0" tIns="0" bIns="0">
+            <a:pPr algn="ctr">
+              <a:buNone/>
+            </a:pPr>
+            <a:endParaRPr b="0" lang="de-DE" sz="7819" spc="-1" strike="noStrike">
+              <a:latin typeface="Arial"/>
+            </a:endParaRPr>
+          </a:p>
+        </p:txBody>
+      </p:sp>
+      <p:sp>
+        <p:nvSpPr>
+          <p:cNvPr id="12" name="PlaceHolder 2"/>
+          <p:cNvSpPr>
+            <a:spLocks noGrp="1"/>
+          </p:cNvSpPr>
+          <p:nvPr>
+            <p:ph/>
+          </p:nvPr>
+        </p:nvSpPr>
+        <p:spPr>
+          <a:xfrm>
+            <a:off x="283320" y="2358000"/>
+            <a:ext cx="2489760" cy="2787840"/>
+          </a:xfrm>
+          <a:prstGeom prst="rect">
+            <a:avLst/>
+          </a:prstGeom>
+          <a:noFill/>
+          <a:ln w="0">
+            <a:noFill/>
+          </a:ln>
+        </p:spPr>
+        <p:txBody>
+          <a:bodyPr lIns="0" rIns="0" tIns="0" bIns="0" anchor="t">
             <a:normAutofit/>
           </a:bodyPr>
           <a:p>
-            <a:endParaRPr b="0" lang="de-DE" sz="3200" spc="-1" strike="noStrike">
-              <a:latin typeface="Arial"/>
-            </a:endParaRPr>
-          </a:p>
-        </p:txBody>
-      </p:sp>
-      <p:sp>
-        <p:nvSpPr>
-          <p:cNvPr id="12" name="PlaceHolder 3"/>
-          <p:cNvSpPr>
-            <a:spLocks noGrp="1"/>
-          </p:cNvSpPr>
-          <p:nvPr>
-            <p:ph type="body"/>
-          </p:nvPr>
-        </p:nvSpPr>
-        <p:spPr>
-          <a:xfrm>
-            <a:off x="5152680" y="1326600"/>
-            <a:ext cx="4426920" cy="3288600"/>
-          </a:xfrm>
-          <a:prstGeom prst="rect">
-            <a:avLst/>
-          </a:prstGeom>
-        </p:spPr>
-        <p:txBody>
-          <a:bodyPr lIns="0" rIns="0" tIns="0" bIns="0">
+            <a:endParaRPr b="0" lang="de-DE" sz="5690" spc="-1" strike="noStrike">
+              <a:latin typeface="Arial"/>
+            </a:endParaRPr>
+          </a:p>
+        </p:txBody>
+      </p:sp>
+      <p:sp>
+        <p:nvSpPr>
+          <p:cNvPr id="13" name="PlaceHolder 3"/>
+          <p:cNvSpPr>
+            <a:spLocks noGrp="1"/>
+          </p:cNvSpPr>
+          <p:nvPr>
+            <p:ph/>
+          </p:nvPr>
+        </p:nvSpPr>
+        <p:spPr>
+          <a:xfrm>
+            <a:off x="2898000" y="2358000"/>
+            <a:ext cx="2489760" cy="5844960"/>
+          </a:xfrm>
+          <a:prstGeom prst="rect">
+            <a:avLst/>
+          </a:prstGeom>
+          <a:noFill/>
+          <a:ln w="0">
+            <a:noFill/>
+          </a:ln>
+        </p:spPr>
+        <p:txBody>
+          <a:bodyPr lIns="0" rIns="0" tIns="0" bIns="0" anchor="t">
             <a:normAutofit/>
           </a:bodyPr>
           <a:p>
-            <a:endParaRPr b="0" lang="de-DE" sz="3200" spc="-1" strike="noStrike">
-              <a:latin typeface="Arial"/>
-            </a:endParaRPr>
-          </a:p>
-        </p:txBody>
-      </p:sp>
-      <p:sp>
-        <p:nvSpPr>
-          <p:cNvPr id="13" name="PlaceHolder 4"/>
-          <p:cNvSpPr>
-            <a:spLocks noGrp="1"/>
-          </p:cNvSpPr>
-          <p:nvPr>
-            <p:ph type="body"/>
-          </p:nvPr>
-        </p:nvSpPr>
-        <p:spPr>
-          <a:xfrm>
-            <a:off x="504000" y="3044520"/>
-            <a:ext cx="4426920" cy="1568520"/>
-          </a:xfrm>
-          <a:prstGeom prst="rect">
-            <a:avLst/>
-          </a:prstGeom>
-        </p:spPr>
-        <p:txBody>
-          <a:bodyPr lIns="0" rIns="0" tIns="0" bIns="0">
+            <a:endParaRPr b="0" lang="de-DE" sz="5690" spc="-1" strike="noStrike">
+              <a:latin typeface="Arial"/>
+            </a:endParaRPr>
+          </a:p>
+        </p:txBody>
+      </p:sp>
+      <p:sp>
+        <p:nvSpPr>
+          <p:cNvPr id="14" name="PlaceHolder 4"/>
+          <p:cNvSpPr>
+            <a:spLocks noGrp="1"/>
+          </p:cNvSpPr>
+          <p:nvPr>
+            <p:ph/>
+          </p:nvPr>
+        </p:nvSpPr>
+        <p:spPr>
+          <a:xfrm>
+            <a:off x="283320" y="5411160"/>
+            <a:ext cx="2489760" cy="2787840"/>
+          </a:xfrm>
+          <a:prstGeom prst="rect">
+            <a:avLst/>
+          </a:prstGeom>
+          <a:noFill/>
+          <a:ln w="0">
+            <a:noFill/>
+          </a:ln>
+        </p:spPr>
+        <p:txBody>
+          <a:bodyPr lIns="0" rIns="0" tIns="0" bIns="0" anchor="t">
             <a:normAutofit/>
           </a:bodyPr>
           <a:p>
-            <a:endParaRPr b="0" lang="de-DE" sz="3200" spc="-1" strike="noStrike">
+            <a:endParaRPr b="0" lang="de-DE" sz="5690" spc="-1" strike="noStrike">
               <a:latin typeface="Arial"/>
             </a:endParaRPr>
           </a:p>
@@ -1101,7 +1233,7 @@
       </p:grpSpPr>
       <p:sp>
         <p:nvSpPr>
-          <p:cNvPr id="14" name="PlaceHolder 1"/>
+          <p:cNvPr id="15" name="PlaceHolder 1"/>
           <p:cNvSpPr>
             <a:spLocks noGrp="1"/>
           </p:cNvSpPr>
@@ -1111,110 +1243,128 @@
         </p:nvSpPr>
         <p:spPr>
           <a:xfrm>
-            <a:off x="504000" y="226080"/>
-            <a:ext cx="9071280" cy="946080"/>
-          </a:xfrm>
-          <a:prstGeom prst="rect">
-            <a:avLst/>
-          </a:prstGeom>
+            <a:off x="283320" y="134280"/>
+            <a:ext cx="5101920" cy="2216520"/>
+          </a:xfrm>
+          <a:prstGeom prst="rect">
+            <a:avLst/>
+          </a:prstGeom>
+          <a:noFill/>
+          <a:ln w="0">
+            <a:noFill/>
+          </a:ln>
         </p:spPr>
         <p:txBody>
           <a:bodyPr lIns="0" rIns="0" tIns="0" bIns="0" anchor="ctr">
             <a:noAutofit/>
           </a:bodyPr>
           <a:p>
-            <a:pPr algn="ctr"/>
-            <a:endParaRPr b="0" lang="de-DE" sz="4400" spc="-1" strike="noStrike">
-              <a:latin typeface="Arial"/>
-            </a:endParaRPr>
-          </a:p>
-        </p:txBody>
-      </p:sp>
-      <p:sp>
-        <p:nvSpPr>
-          <p:cNvPr id="15" name="PlaceHolder 2"/>
-          <p:cNvSpPr>
-            <a:spLocks noGrp="1"/>
-          </p:cNvSpPr>
-          <p:nvPr>
-            <p:ph type="body"/>
-          </p:nvPr>
-        </p:nvSpPr>
-        <p:spPr>
-          <a:xfrm>
-            <a:off x="504000" y="1326600"/>
-            <a:ext cx="4426920" cy="3288600"/>
-          </a:xfrm>
-          <a:prstGeom prst="rect">
-            <a:avLst/>
-          </a:prstGeom>
-        </p:spPr>
-        <p:txBody>
-          <a:bodyPr lIns="0" rIns="0" tIns="0" bIns="0">
+            <a:pPr algn="ctr">
+              <a:buNone/>
+            </a:pPr>
+            <a:endParaRPr b="0" lang="de-DE" sz="7819" spc="-1" strike="noStrike">
+              <a:latin typeface="Arial"/>
+            </a:endParaRPr>
+          </a:p>
+        </p:txBody>
+      </p:sp>
+      <p:sp>
+        <p:nvSpPr>
+          <p:cNvPr id="16" name="PlaceHolder 2"/>
+          <p:cNvSpPr>
+            <a:spLocks noGrp="1"/>
+          </p:cNvSpPr>
+          <p:nvPr>
+            <p:ph/>
+          </p:nvPr>
+        </p:nvSpPr>
+        <p:spPr>
+          <a:xfrm>
+            <a:off x="283320" y="2358000"/>
+            <a:ext cx="2489760" cy="5844960"/>
+          </a:xfrm>
+          <a:prstGeom prst="rect">
+            <a:avLst/>
+          </a:prstGeom>
+          <a:noFill/>
+          <a:ln w="0">
+            <a:noFill/>
+          </a:ln>
+        </p:spPr>
+        <p:txBody>
+          <a:bodyPr lIns="0" rIns="0" tIns="0" bIns="0" anchor="t">
             <a:normAutofit/>
           </a:bodyPr>
           <a:p>
-            <a:endParaRPr b="0" lang="de-DE" sz="3200" spc="-1" strike="noStrike">
-              <a:latin typeface="Arial"/>
-            </a:endParaRPr>
-          </a:p>
-        </p:txBody>
-      </p:sp>
-      <p:sp>
-        <p:nvSpPr>
-          <p:cNvPr id="16" name="PlaceHolder 3"/>
-          <p:cNvSpPr>
-            <a:spLocks noGrp="1"/>
-          </p:cNvSpPr>
-          <p:nvPr>
-            <p:ph type="body"/>
-          </p:nvPr>
-        </p:nvSpPr>
-        <p:spPr>
-          <a:xfrm>
-            <a:off x="5152680" y="1326600"/>
-            <a:ext cx="4426920" cy="1568520"/>
-          </a:xfrm>
-          <a:prstGeom prst="rect">
-            <a:avLst/>
-          </a:prstGeom>
-        </p:spPr>
-        <p:txBody>
-          <a:bodyPr lIns="0" rIns="0" tIns="0" bIns="0">
+            <a:endParaRPr b="0" lang="de-DE" sz="5690" spc="-1" strike="noStrike">
+              <a:latin typeface="Arial"/>
+            </a:endParaRPr>
+          </a:p>
+        </p:txBody>
+      </p:sp>
+      <p:sp>
+        <p:nvSpPr>
+          <p:cNvPr id="17" name="PlaceHolder 3"/>
+          <p:cNvSpPr>
+            <a:spLocks noGrp="1"/>
+          </p:cNvSpPr>
+          <p:nvPr>
+            <p:ph/>
+          </p:nvPr>
+        </p:nvSpPr>
+        <p:spPr>
+          <a:xfrm>
+            <a:off x="2898000" y="2358000"/>
+            <a:ext cx="2489760" cy="2787840"/>
+          </a:xfrm>
+          <a:prstGeom prst="rect">
+            <a:avLst/>
+          </a:prstGeom>
+          <a:noFill/>
+          <a:ln w="0">
+            <a:noFill/>
+          </a:ln>
+        </p:spPr>
+        <p:txBody>
+          <a:bodyPr lIns="0" rIns="0" tIns="0" bIns="0" anchor="t">
             <a:normAutofit/>
           </a:bodyPr>
           <a:p>
-            <a:endParaRPr b="0" lang="de-DE" sz="3200" spc="-1" strike="noStrike">
-              <a:latin typeface="Arial"/>
-            </a:endParaRPr>
-          </a:p>
-        </p:txBody>
-      </p:sp>
-      <p:sp>
-        <p:nvSpPr>
-          <p:cNvPr id="17" name="PlaceHolder 4"/>
-          <p:cNvSpPr>
-            <a:spLocks noGrp="1"/>
-          </p:cNvSpPr>
-          <p:nvPr>
-            <p:ph type="body"/>
-          </p:nvPr>
-        </p:nvSpPr>
-        <p:spPr>
-          <a:xfrm>
-            <a:off x="5152680" y="3044520"/>
-            <a:ext cx="4426920" cy="1568520"/>
-          </a:xfrm>
-          <a:prstGeom prst="rect">
-            <a:avLst/>
-          </a:prstGeom>
-        </p:spPr>
-        <p:txBody>
-          <a:bodyPr lIns="0" rIns="0" tIns="0" bIns="0">
+            <a:endParaRPr b="0" lang="de-DE" sz="5690" spc="-1" strike="noStrike">
+              <a:latin typeface="Arial"/>
+            </a:endParaRPr>
+          </a:p>
+        </p:txBody>
+      </p:sp>
+      <p:sp>
+        <p:nvSpPr>
+          <p:cNvPr id="18" name="PlaceHolder 4"/>
+          <p:cNvSpPr>
+            <a:spLocks noGrp="1"/>
+          </p:cNvSpPr>
+          <p:nvPr>
+            <p:ph/>
+          </p:nvPr>
+        </p:nvSpPr>
+        <p:spPr>
+          <a:xfrm>
+            <a:off x="2898000" y="5411160"/>
+            <a:ext cx="2489760" cy="2787840"/>
+          </a:xfrm>
+          <a:prstGeom prst="rect">
+            <a:avLst/>
+          </a:prstGeom>
+          <a:noFill/>
+          <a:ln w="0">
+            <a:noFill/>
+          </a:ln>
+        </p:spPr>
+        <p:txBody>
+          <a:bodyPr lIns="0" rIns="0" tIns="0" bIns="0" anchor="t">
             <a:normAutofit/>
           </a:bodyPr>
           <a:p>
-            <a:endParaRPr b="0" lang="de-DE" sz="3200" spc="-1" strike="noStrike">
+            <a:endParaRPr b="0" lang="de-DE" sz="5690" spc="-1" strike="noStrike">
               <a:latin typeface="Arial"/>
             </a:endParaRPr>
           </a:p>
@@ -1244,7 +1394,7 @@
       </p:grpSpPr>
       <p:sp>
         <p:nvSpPr>
-          <p:cNvPr id="18" name="PlaceHolder 1"/>
+          <p:cNvPr id="19" name="PlaceHolder 1"/>
           <p:cNvSpPr>
             <a:spLocks noGrp="1"/>
           </p:cNvSpPr>
@@ -1254,110 +1404,128 @@
         </p:nvSpPr>
         <p:spPr>
           <a:xfrm>
-            <a:off x="504000" y="226080"/>
-            <a:ext cx="9071280" cy="946080"/>
-          </a:xfrm>
-          <a:prstGeom prst="rect">
-            <a:avLst/>
-          </a:prstGeom>
+            <a:off x="283320" y="134280"/>
+            <a:ext cx="5101920" cy="2216520"/>
+          </a:xfrm>
+          <a:prstGeom prst="rect">
+            <a:avLst/>
+          </a:prstGeom>
+          <a:noFill/>
+          <a:ln w="0">
+            <a:noFill/>
+          </a:ln>
         </p:spPr>
         <p:txBody>
           <a:bodyPr lIns="0" rIns="0" tIns="0" bIns="0" anchor="ctr">
             <a:noAutofit/>
           </a:bodyPr>
           <a:p>
-            <a:pPr algn="ctr"/>
-            <a:endParaRPr b="0" lang="de-DE" sz="4400" spc="-1" strike="noStrike">
-              <a:latin typeface="Arial"/>
-            </a:endParaRPr>
-          </a:p>
-        </p:txBody>
-      </p:sp>
-      <p:sp>
-        <p:nvSpPr>
-          <p:cNvPr id="19" name="PlaceHolder 2"/>
-          <p:cNvSpPr>
-            <a:spLocks noGrp="1"/>
-          </p:cNvSpPr>
-          <p:nvPr>
-            <p:ph type="body"/>
-          </p:nvPr>
-        </p:nvSpPr>
-        <p:spPr>
-          <a:xfrm>
-            <a:off x="504000" y="1326600"/>
-            <a:ext cx="4426920" cy="1568520"/>
-          </a:xfrm>
-          <a:prstGeom prst="rect">
-            <a:avLst/>
-          </a:prstGeom>
-        </p:spPr>
-        <p:txBody>
-          <a:bodyPr lIns="0" rIns="0" tIns="0" bIns="0">
+            <a:pPr algn="ctr">
+              <a:buNone/>
+            </a:pPr>
+            <a:endParaRPr b="0" lang="de-DE" sz="7819" spc="-1" strike="noStrike">
+              <a:latin typeface="Arial"/>
+            </a:endParaRPr>
+          </a:p>
+        </p:txBody>
+      </p:sp>
+      <p:sp>
+        <p:nvSpPr>
+          <p:cNvPr id="20" name="PlaceHolder 2"/>
+          <p:cNvSpPr>
+            <a:spLocks noGrp="1"/>
+          </p:cNvSpPr>
+          <p:nvPr>
+            <p:ph/>
+          </p:nvPr>
+        </p:nvSpPr>
+        <p:spPr>
+          <a:xfrm>
+            <a:off x="283320" y="2358000"/>
+            <a:ext cx="2489760" cy="2787840"/>
+          </a:xfrm>
+          <a:prstGeom prst="rect">
+            <a:avLst/>
+          </a:prstGeom>
+          <a:noFill/>
+          <a:ln w="0">
+            <a:noFill/>
+          </a:ln>
+        </p:spPr>
+        <p:txBody>
+          <a:bodyPr lIns="0" rIns="0" tIns="0" bIns="0" anchor="t">
             <a:normAutofit/>
           </a:bodyPr>
           <a:p>
-            <a:endParaRPr b="0" lang="de-DE" sz="3200" spc="-1" strike="noStrike">
-              <a:latin typeface="Arial"/>
-            </a:endParaRPr>
-          </a:p>
-        </p:txBody>
-      </p:sp>
-      <p:sp>
-        <p:nvSpPr>
-          <p:cNvPr id="20" name="PlaceHolder 3"/>
-          <p:cNvSpPr>
-            <a:spLocks noGrp="1"/>
-          </p:cNvSpPr>
-          <p:nvPr>
-            <p:ph type="body"/>
-          </p:nvPr>
-        </p:nvSpPr>
-        <p:spPr>
-          <a:xfrm>
-            <a:off x="5152680" y="1326600"/>
-            <a:ext cx="4426920" cy="1568520"/>
-          </a:xfrm>
-          <a:prstGeom prst="rect">
-            <a:avLst/>
-          </a:prstGeom>
-        </p:spPr>
-        <p:txBody>
-          <a:bodyPr lIns="0" rIns="0" tIns="0" bIns="0">
+            <a:endParaRPr b="0" lang="de-DE" sz="5690" spc="-1" strike="noStrike">
+              <a:latin typeface="Arial"/>
+            </a:endParaRPr>
+          </a:p>
+        </p:txBody>
+      </p:sp>
+      <p:sp>
+        <p:nvSpPr>
+          <p:cNvPr id="21" name="PlaceHolder 3"/>
+          <p:cNvSpPr>
+            <a:spLocks noGrp="1"/>
+          </p:cNvSpPr>
+          <p:nvPr>
+            <p:ph/>
+          </p:nvPr>
+        </p:nvSpPr>
+        <p:spPr>
+          <a:xfrm>
+            <a:off x="2898000" y="2358000"/>
+            <a:ext cx="2489760" cy="2787840"/>
+          </a:xfrm>
+          <a:prstGeom prst="rect">
+            <a:avLst/>
+          </a:prstGeom>
+          <a:noFill/>
+          <a:ln w="0">
+            <a:noFill/>
+          </a:ln>
+        </p:spPr>
+        <p:txBody>
+          <a:bodyPr lIns="0" rIns="0" tIns="0" bIns="0" anchor="t">
             <a:normAutofit/>
           </a:bodyPr>
           <a:p>
-            <a:endParaRPr b="0" lang="de-DE" sz="3200" spc="-1" strike="noStrike">
-              <a:latin typeface="Arial"/>
-            </a:endParaRPr>
-          </a:p>
-        </p:txBody>
-      </p:sp>
-      <p:sp>
-        <p:nvSpPr>
-          <p:cNvPr id="21" name="PlaceHolder 4"/>
-          <p:cNvSpPr>
-            <a:spLocks noGrp="1"/>
-          </p:cNvSpPr>
-          <p:nvPr>
-            <p:ph type="body"/>
-          </p:nvPr>
-        </p:nvSpPr>
-        <p:spPr>
-          <a:xfrm>
-            <a:off x="504000" y="3044520"/>
-            <a:ext cx="9072000" cy="1568520"/>
-          </a:xfrm>
-          <a:prstGeom prst="rect">
-            <a:avLst/>
-          </a:prstGeom>
-        </p:spPr>
-        <p:txBody>
-          <a:bodyPr lIns="0" rIns="0" tIns="0" bIns="0">
+            <a:endParaRPr b="0" lang="de-DE" sz="5690" spc="-1" strike="noStrike">
+              <a:latin typeface="Arial"/>
+            </a:endParaRPr>
+          </a:p>
+        </p:txBody>
+      </p:sp>
+      <p:sp>
+        <p:nvSpPr>
+          <p:cNvPr id="22" name="PlaceHolder 4"/>
+          <p:cNvSpPr>
+            <a:spLocks noGrp="1"/>
+          </p:cNvSpPr>
+          <p:nvPr>
+            <p:ph/>
+          </p:nvPr>
+        </p:nvSpPr>
+        <p:spPr>
+          <a:xfrm>
+            <a:off x="283320" y="5411160"/>
+            <a:ext cx="5102280" cy="2787840"/>
+          </a:xfrm>
+          <a:prstGeom prst="rect">
+            <a:avLst/>
+          </a:prstGeom>
+          <a:noFill/>
+          <a:ln w="0">
+            <a:noFill/>
+          </a:ln>
+        </p:spPr>
+        <p:txBody>
+          <a:bodyPr lIns="0" rIns="0" tIns="0" bIns="0" anchor="t">
             <a:normAutofit/>
           </a:bodyPr>
           <a:p>
-            <a:endParaRPr b="0" lang="de-DE" sz="3200" spc="-1" strike="noStrike">
+            <a:endParaRPr b="0" lang="de-DE" sz="5690" spc="-1" strike="noStrike">
               <a:latin typeface="Arial"/>
             </a:endParaRPr>
           </a:p>
@@ -1397,12 +1565,16 @@
         </p:nvSpPr>
         <p:spPr>
           <a:xfrm>
-            <a:off x="504000" y="226080"/>
-            <a:ext cx="9071280" cy="946080"/>
-          </a:xfrm>
-          <a:prstGeom prst="rect">
-            <a:avLst/>
-          </a:prstGeom>
+            <a:off x="283320" y="401760"/>
+            <a:ext cx="5101920" cy="1681200"/>
+          </a:xfrm>
+          <a:prstGeom prst="rect">
+            <a:avLst/>
+          </a:prstGeom>
+          <a:noFill/>
+          <a:ln w="0">
+            <a:noFill/>
+          </a:ln>
         </p:spPr>
         <p:txBody>
           <a:bodyPr lIns="0" rIns="0" tIns="0" bIns="0" anchor="ctr">
@@ -1414,6 +1586,189 @@
                 <a:latin typeface="Arial"/>
               </a:rPr>
               <a:t>Click to edit the title text format</a:t>
+            </a:r>
+            <a:endParaRPr b="0" lang="de-DE" sz="1800" spc="-1" strike="noStrike">
+              <a:latin typeface="Arial"/>
+            </a:endParaRPr>
+          </a:p>
+        </p:txBody>
+      </p:sp>
+      <p:sp>
+        <p:nvSpPr>
+          <p:cNvPr id="1" name="PlaceHolder 2"/>
+          <p:cNvSpPr>
+            <a:spLocks noGrp="1"/>
+          </p:cNvSpPr>
+          <p:nvPr>
+            <p:ph type="body"/>
+          </p:nvPr>
+        </p:nvSpPr>
+        <p:spPr>
+          <a:xfrm>
+            <a:off x="283320" y="2358000"/>
+            <a:ext cx="5102280" cy="5844960"/>
+          </a:xfrm>
+          <a:prstGeom prst="rect">
+            <a:avLst/>
+          </a:prstGeom>
+          <a:noFill/>
+          <a:ln w="0">
+            <a:noFill/>
+          </a:ln>
+        </p:spPr>
+        <p:txBody>
+          <a:bodyPr lIns="0" rIns="0" tIns="0" bIns="0" anchor="t">
+            <a:normAutofit/>
+          </a:bodyPr>
+          <a:p>
+            <a:pPr marL="432000" indent="-324000">
+              <a:spcBef>
+                <a:spcPts val="2517"/>
+              </a:spcBef>
+              <a:buClr>
+                <a:srgbClr val="000000"/>
+              </a:buClr>
+              <a:buSzPct val="45000"/>
+              <a:buFont typeface="Wingdings" charset="2"/>
+              <a:buChar char=""/>
+            </a:pPr>
+            <a:r>
+              <a:rPr b="0" lang="de-DE" sz="1800" spc="-1" strike="noStrike">
+                <a:latin typeface="Arial"/>
+              </a:rPr>
+              <a:t>Click to edit the outline text format</a:t>
+            </a:r>
+            <a:endParaRPr b="0" lang="de-DE" sz="1800" spc="-1" strike="noStrike">
+              <a:latin typeface="Arial"/>
+            </a:endParaRPr>
+          </a:p>
+          <a:p>
+            <a:pPr lvl="1" marL="864000" indent="-324000">
+              <a:spcBef>
+                <a:spcPts val="2013"/>
+              </a:spcBef>
+              <a:buClr>
+                <a:srgbClr val="000000"/>
+              </a:buClr>
+              <a:buSzPct val="75000"/>
+              <a:buFont typeface="Symbol" charset="2"/>
+              <a:buChar char=""/>
+            </a:pPr>
+            <a:r>
+              <a:rPr b="0" lang="de-DE" sz="1800" spc="-1" strike="noStrike">
+                <a:latin typeface="Arial"/>
+              </a:rPr>
+              <a:t>Second Outline Level</a:t>
+            </a:r>
+            <a:endParaRPr b="0" lang="de-DE" sz="1800" spc="-1" strike="noStrike">
+              <a:latin typeface="Arial"/>
+            </a:endParaRPr>
+          </a:p>
+          <a:p>
+            <a:pPr lvl="2" marL="1296000" indent="-288000">
+              <a:spcBef>
+                <a:spcPts val="1511"/>
+              </a:spcBef>
+              <a:buClr>
+                <a:srgbClr val="000000"/>
+              </a:buClr>
+              <a:buSzPct val="45000"/>
+              <a:buFont typeface="Wingdings" charset="2"/>
+              <a:buChar char=""/>
+            </a:pPr>
+            <a:r>
+              <a:rPr b="0" lang="de-DE" sz="1800" spc="-1" strike="noStrike">
+                <a:latin typeface="Arial"/>
+              </a:rPr>
+              <a:t>Third Outline Level</a:t>
+            </a:r>
+            <a:endParaRPr b="0" lang="de-DE" sz="1800" spc="-1" strike="noStrike">
+              <a:latin typeface="Arial"/>
+            </a:endParaRPr>
+          </a:p>
+          <a:p>
+            <a:pPr lvl="3" marL="1728000" indent="-216000">
+              <a:spcBef>
+                <a:spcPts val="1006"/>
+              </a:spcBef>
+              <a:buClr>
+                <a:srgbClr val="000000"/>
+              </a:buClr>
+              <a:buSzPct val="75000"/>
+              <a:buFont typeface="Symbol" charset="2"/>
+              <a:buChar char=""/>
+            </a:pPr>
+            <a:r>
+              <a:rPr b="0" lang="de-DE" sz="1800" spc="-1" strike="noStrike">
+                <a:latin typeface="Arial"/>
+              </a:rPr>
+              <a:t>Fourth Outline Level</a:t>
+            </a:r>
+            <a:endParaRPr b="0" lang="de-DE" sz="1800" spc="-1" strike="noStrike">
+              <a:latin typeface="Arial"/>
+            </a:endParaRPr>
+          </a:p>
+          <a:p>
+            <a:pPr lvl="4" marL="2160000" indent="-216000">
+              <a:spcBef>
+                <a:spcPts val="502"/>
+              </a:spcBef>
+              <a:buClr>
+                <a:srgbClr val="000000"/>
+              </a:buClr>
+              <a:buSzPct val="45000"/>
+              <a:buFont typeface="Wingdings" charset="2"/>
+              <a:buChar char=""/>
+            </a:pPr>
+            <a:r>
+              <a:rPr b="0" lang="de-DE" sz="1800" spc="-1" strike="noStrike">
+                <a:latin typeface="Arial"/>
+              </a:rPr>
+              <a:t>Fifth Outline Level</a:t>
+            </a:r>
+            <a:endParaRPr b="0" lang="de-DE" sz="1800" spc="-1" strike="noStrike">
+              <a:latin typeface="Arial"/>
+            </a:endParaRPr>
+          </a:p>
+          <a:p>
+            <a:pPr lvl="5" marL="2592000" indent="-216000">
+              <a:spcBef>
+                <a:spcPts val="502"/>
+              </a:spcBef>
+              <a:buClr>
+                <a:srgbClr val="000000"/>
+              </a:buClr>
+              <a:buSzPct val="45000"/>
+              <a:buFont typeface="Wingdings" charset="2"/>
+              <a:buChar char=""/>
+            </a:pPr>
+            <a:r>
+              <a:rPr b="0" lang="de-DE" sz="1800" spc="-1" strike="noStrike">
+                <a:latin typeface="Arial"/>
+              </a:rPr>
+              <a:t>Sixth Outline Level</a:t>
+            </a:r>
+            <a:endParaRPr b="0" lang="de-DE" sz="1800" spc="-1" strike="noStrike">
+              <a:latin typeface="Arial"/>
+            </a:endParaRPr>
+          </a:p>
+          <a:p>
+            <a:pPr lvl="6" marL="3024000" indent="-216000">
+              <a:spcBef>
+                <a:spcPts val="502"/>
+              </a:spcBef>
+              <a:buClr>
+                <a:srgbClr val="000000"/>
+              </a:buClr>
+              <a:buSzPct val="45000"/>
+              <a:buFont typeface="Wingdings" charset="2"/>
+              <a:buChar char=""/>
+            </a:pPr>
+            <a:r>
+              <a:rPr b="0" lang="de-DE" sz="1800" spc="-1" strike="noStrike">
+                <a:latin typeface="Arial"/>
+              </a:rPr>
+              <a:t>Seventh Outline Level</a:t>
             </a:r>
             <a:endParaRPr b="0" lang="de-DE" sz="1800" spc="-1" strike="noStrike">
               <a:latin typeface="Arial"/>
@@ -1460,14 +1815,14 @@
       </p:grpSpPr>
       <p:sp>
         <p:nvSpPr>
-          <p:cNvPr id="37" name=""/>
+          <p:cNvPr id="38" name=""/>
           <p:cNvSpPr/>
           <p:nvPr/>
         </p:nvSpPr>
         <p:spPr>
           <a:xfrm>
-            <a:off x="4860000" y="231120"/>
-            <a:ext cx="4715280" cy="1249920"/>
+            <a:off x="2700000" y="-241200"/>
+            <a:ext cx="2651760" cy="2221200"/>
           </a:xfrm>
           <a:prstGeom prst="rect">
             <a:avLst/>
@@ -1492,29 +1847,34 @@
               <a:lnSpc>
                 <a:spcPct val="100000"/>
               </a:lnSpc>
+              <a:buNone/>
             </a:pPr>
             <a:r>
-              <a:rPr b="0" lang="de-DE" sz="4400" spc="-1" strike="noStrike">
+              <a:rPr b="0" lang="de-DE" sz="3200" spc="-1" strike="noStrike">
+                <a:solidFill>
+                  <a:srgbClr val="000000"/>
+                </a:solidFill>
                 <a:latin typeface="Arial"/>
+                <a:ea typeface="DejaVu Sans"/>
               </a:rPr>
               <a:t>Kaufprozess von Elektronik</a:t>
             </a:r>
-            <a:endParaRPr b="0" lang="de-DE" sz="4400" spc="-1" strike="noStrike">
-              <a:latin typeface="Arial"/>
-            </a:endParaRPr>
-          </a:p>
-        </p:txBody>
-      </p:sp>
-      <p:sp>
-        <p:nvSpPr>
-          <p:cNvPr id="38" name=""/>
+            <a:endParaRPr b="0" lang="de-DE" sz="3200" spc="-1" strike="noStrike">
+              <a:latin typeface="Arial"/>
+            </a:endParaRPr>
+          </a:p>
+        </p:txBody>
+      </p:sp>
+      <p:sp>
+        <p:nvSpPr>
+          <p:cNvPr id="39" name=""/>
           <p:cNvSpPr/>
           <p:nvPr/>
         </p:nvSpPr>
         <p:spPr>
           <a:xfrm>
-            <a:off x="504000" y="426600"/>
-            <a:ext cx="1655640" cy="653040"/>
+            <a:off x="283320" y="1620000"/>
+            <a:ext cx="1876680" cy="900000"/>
           </a:xfrm>
           <a:prstGeom prst="rect">
             <a:avLst/>
@@ -1541,12 +1901,17 @@
               <a:lnSpc>
                 <a:spcPct val="100000"/>
               </a:lnSpc>
+              <a:buNone/>
             </a:pPr>
             <a:r>
               <a:rPr b="0" lang="de-DE" sz="1400" spc="-1" strike="noStrike">
+                <a:solidFill>
+                  <a:srgbClr val="000000"/>
+                </a:solidFill>
                 <a:latin typeface="Arial"/>
+                <a:ea typeface="DejaVu Sans"/>
               </a:rPr>
-              <a:t>Kenntnis über die neue Technik</a:t>
+              <a:t>Kenntnis über die neue Elektronik</a:t>
             </a:r>
             <a:endParaRPr b="0" lang="de-DE" sz="1400" spc="-1" strike="noStrike">
               <a:latin typeface="Arial"/>
@@ -1556,14 +1921,14 @@
       </p:sp>
       <p:sp>
         <p:nvSpPr>
-          <p:cNvPr id="39" name=""/>
+          <p:cNvPr id="40" name=""/>
           <p:cNvSpPr/>
           <p:nvPr/>
         </p:nvSpPr>
         <p:spPr>
           <a:xfrm>
-            <a:off x="504360" y="3240000"/>
-            <a:ext cx="1655640" cy="653040"/>
+            <a:off x="283680" y="6801120"/>
+            <a:ext cx="930960" cy="1159920"/>
           </a:xfrm>
           <a:prstGeom prst="rect">
             <a:avLst/>
@@ -1590,10 +1955,15 @@
               <a:lnSpc>
                 <a:spcPct val="100000"/>
               </a:lnSpc>
+              <a:buNone/>
             </a:pPr>
             <a:r>
               <a:rPr b="0" lang="de-DE" sz="1400" spc="-1" strike="noStrike">
+                <a:solidFill>
+                  <a:srgbClr val="000000"/>
+                </a:solidFill>
                 <a:latin typeface="Arial"/>
+                <a:ea typeface="DejaVu Sans"/>
               </a:rPr>
               <a:t>Kann ich das gebrauchen?</a:t>
             </a:r>
@@ -1605,14 +1975,14 @@
       </p:sp>
       <p:sp>
         <p:nvSpPr>
-          <p:cNvPr id="40" name=""/>
+          <p:cNvPr id="41" name=""/>
           <p:cNvSpPr/>
           <p:nvPr/>
         </p:nvSpPr>
         <p:spPr>
           <a:xfrm>
-            <a:off x="2700000" y="2340000"/>
-            <a:ext cx="1655640" cy="653040"/>
+            <a:off x="1518480" y="5201280"/>
+            <a:ext cx="930960" cy="1159920"/>
           </a:xfrm>
           <a:prstGeom prst="rect">
             <a:avLst/>
@@ -1639,10 +2009,15 @@
               <a:lnSpc>
                 <a:spcPct val="100000"/>
               </a:lnSpc>
+              <a:buNone/>
             </a:pPr>
             <a:r>
               <a:rPr b="0" lang="de-DE" sz="1400" spc="-1" strike="noStrike">
+                <a:solidFill>
+                  <a:srgbClr val="000000"/>
+                </a:solidFill>
                 <a:latin typeface="Arial"/>
+                <a:ea typeface="DejaVu Sans"/>
               </a:rPr>
               <a:t>Erleichtert es mir den Alltag</a:t>
             </a:r>
@@ -1654,14 +2029,14 @@
       </p:sp>
       <p:sp>
         <p:nvSpPr>
-          <p:cNvPr id="41" name=""/>
+          <p:cNvPr id="42" name=""/>
           <p:cNvSpPr/>
           <p:nvPr/>
         </p:nvSpPr>
         <p:spPr>
           <a:xfrm>
-            <a:off x="540000" y="4386600"/>
-            <a:ext cx="1655640" cy="653040"/>
+            <a:off x="303840" y="8839080"/>
+            <a:ext cx="930960" cy="1159920"/>
           </a:xfrm>
           <a:prstGeom prst="rect">
             <a:avLst/>
@@ -1688,10 +2063,15 @@
               <a:lnSpc>
                 <a:spcPct val="100000"/>
               </a:lnSpc>
+              <a:buNone/>
             </a:pPr>
             <a:r>
               <a:rPr b="0" lang="de-DE" sz="1400" spc="-1" strike="noStrike">
+                <a:solidFill>
+                  <a:srgbClr val="000000"/>
+                </a:solidFill>
                 <a:latin typeface="Arial"/>
+                <a:ea typeface="DejaVu Sans"/>
               </a:rPr>
               <a:t>Kein Kauf</a:t>
             </a:r>
@@ -1703,14 +2083,14 @@
       </p:sp>
       <p:sp>
         <p:nvSpPr>
-          <p:cNvPr id="42" name=""/>
+          <p:cNvPr id="43" name=""/>
           <p:cNvSpPr/>
           <p:nvPr/>
         </p:nvSpPr>
         <p:spPr>
           <a:xfrm>
-            <a:off x="4860000" y="2340000"/>
-            <a:ext cx="1655640" cy="653040"/>
+            <a:off x="2733480" y="5201280"/>
+            <a:ext cx="930960" cy="1159920"/>
           </a:xfrm>
           <a:prstGeom prst="rect">
             <a:avLst/>
@@ -1737,10 +2117,15 @@
               <a:lnSpc>
                 <a:spcPct val="100000"/>
               </a:lnSpc>
+              <a:buNone/>
             </a:pPr>
             <a:r>
               <a:rPr b="0" lang="de-DE" sz="1400" spc="-1" strike="noStrike">
+                <a:solidFill>
+                  <a:srgbClr val="000000"/>
+                </a:solidFill>
                 <a:latin typeface="Arial"/>
+                <a:ea typeface="DejaVu Sans"/>
               </a:rPr>
               <a:t>Kann ich es gebraucht kaufen?</a:t>
             </a:r>
@@ -1752,14 +2137,14 @@
       </p:sp>
       <p:sp>
         <p:nvSpPr>
-          <p:cNvPr id="43" name=""/>
+          <p:cNvPr id="44" name=""/>
           <p:cNvSpPr/>
           <p:nvPr/>
         </p:nvSpPr>
         <p:spPr>
           <a:xfrm>
-            <a:off x="4860000" y="3600000"/>
-            <a:ext cx="1655640" cy="653040"/>
+            <a:off x="2733480" y="7440840"/>
+            <a:ext cx="930960" cy="1159920"/>
           </a:xfrm>
           <a:prstGeom prst="rect">
             <a:avLst/>
@@ -1786,10 +2171,15 @@
               <a:lnSpc>
                 <a:spcPct val="100000"/>
               </a:lnSpc>
+              <a:buNone/>
             </a:pPr>
             <a:r>
               <a:rPr b="0" lang="de-DE" sz="1400" spc="-1" strike="noStrike">
+                <a:solidFill>
+                  <a:srgbClr val="000000"/>
+                </a:solidFill>
                 <a:latin typeface="Arial"/>
+                <a:ea typeface="DejaVu Sans"/>
               </a:rPr>
               <a:t>Wie viele Resourcen werden bei Neukauf verbraucht?</a:t>
             </a:r>
@@ -1801,14 +2191,14 @@
       </p:sp>
       <p:sp>
         <p:nvSpPr>
-          <p:cNvPr id="44" name=""/>
+          <p:cNvPr id="45" name=""/>
           <p:cNvSpPr/>
           <p:nvPr/>
         </p:nvSpPr>
         <p:spPr>
           <a:xfrm>
-            <a:off x="7020000" y="2340000"/>
-            <a:ext cx="1655640" cy="653040"/>
+            <a:off x="3948480" y="5201280"/>
+            <a:ext cx="930960" cy="1159920"/>
           </a:xfrm>
           <a:prstGeom prst="rect">
             <a:avLst/>
@@ -1835,10 +2225,15 @@
               <a:lnSpc>
                 <a:spcPct val="100000"/>
               </a:lnSpc>
+              <a:buNone/>
             </a:pPr>
             <a:r>
               <a:rPr b="0" lang="de-DE" sz="1400" spc="-1" strike="noStrike">
+                <a:solidFill>
+                  <a:srgbClr val="000000"/>
+                </a:solidFill>
                 <a:latin typeface="Arial"/>
+                <a:ea typeface="DejaVu Sans"/>
               </a:rPr>
               <a:t>Abwarten ob ich es nach 4 Wochen noch misse.</a:t>
             </a:r>
@@ -1850,14 +2245,14 @@
       </p:sp>
       <p:sp>
         <p:nvSpPr>
-          <p:cNvPr id="45" name=""/>
+          <p:cNvPr id="46" name=""/>
           <p:cNvSpPr/>
           <p:nvPr/>
         </p:nvSpPr>
         <p:spPr>
           <a:xfrm>
-            <a:off x="7164000" y="3600000"/>
-            <a:ext cx="1655640" cy="653040"/>
+            <a:off x="4029480" y="7440840"/>
+            <a:ext cx="930960" cy="1159920"/>
           </a:xfrm>
           <a:prstGeom prst="rect">
             <a:avLst/>
@@ -1884,10 +2279,15 @@
               <a:lnSpc>
                 <a:spcPct val="100000"/>
               </a:lnSpc>
+              <a:buNone/>
             </a:pPr>
             <a:r>
               <a:rPr b="0" lang="de-DE" sz="1400" spc="-1" strike="noStrike">
+                <a:solidFill>
+                  <a:srgbClr val="000000"/>
+                </a:solidFill>
                 <a:latin typeface="Arial"/>
+                <a:ea typeface="DejaVu Sans"/>
               </a:rPr>
               <a:t>Vermisse ich es immer noch?</a:t>
             </a:r>
@@ -1899,14 +2299,14 @@
       </p:sp>
       <p:sp>
         <p:nvSpPr>
-          <p:cNvPr id="46" name=""/>
+          <p:cNvPr id="47" name=""/>
           <p:cNvSpPr/>
           <p:nvPr/>
         </p:nvSpPr>
         <p:spPr>
           <a:xfrm>
-            <a:off x="7704000" y="4566600"/>
-            <a:ext cx="1655640" cy="653040"/>
+            <a:off x="4333320" y="9159120"/>
+            <a:ext cx="930960" cy="1159920"/>
           </a:xfrm>
           <a:prstGeom prst="rect">
             <a:avLst/>
@@ -1933,10 +2333,15 @@
               <a:lnSpc>
                 <a:spcPct val="100000"/>
               </a:lnSpc>
+              <a:buNone/>
             </a:pPr>
             <a:r>
               <a:rPr b="0" lang="de-DE" sz="1400" spc="-1" strike="noStrike">
+                <a:solidFill>
+                  <a:srgbClr val="000000"/>
+                </a:solidFill>
                 <a:latin typeface="Arial"/>
+                <a:ea typeface="DejaVu Sans"/>
               </a:rPr>
               <a:t>Kauf</a:t>
             </a:r>
@@ -1948,14 +2353,14 @@
       </p:sp>
       <p:sp>
         <p:nvSpPr>
-          <p:cNvPr id="47" name=""/>
+          <p:cNvPr id="48" name=""/>
           <p:cNvSpPr/>
           <p:nvPr/>
         </p:nvSpPr>
         <p:spPr>
           <a:xfrm>
-            <a:off x="540000" y="1326600"/>
-            <a:ext cx="1655640" cy="653040"/>
+            <a:off x="303840" y="3399840"/>
+            <a:ext cx="930960" cy="1159920"/>
           </a:xfrm>
           <a:prstGeom prst="rect">
             <a:avLst/>
@@ -1982,10 +2387,15 @@
               <a:lnSpc>
                 <a:spcPct val="100000"/>
               </a:lnSpc>
+              <a:buNone/>
             </a:pPr>
             <a:r>
               <a:rPr b="0" lang="de-DE" sz="1400" spc="-1" strike="noStrike">
+                <a:solidFill>
+                  <a:srgbClr val="000000"/>
+                </a:solidFill>
                 <a:latin typeface="Arial"/>
+                <a:ea typeface="DejaVu Sans"/>
               </a:rPr>
               <a:t>Recherche über die neue Technik.</a:t>
             </a:r>
@@ -1997,14 +2407,14 @@
       </p:sp>
       <p:sp>
         <p:nvSpPr>
-          <p:cNvPr id="48" name=""/>
+          <p:cNvPr id="49" name=""/>
           <p:cNvSpPr/>
           <p:nvPr/>
         </p:nvSpPr>
         <p:spPr>
           <a:xfrm>
-            <a:off x="1260000" y="1080000"/>
-            <a:ext cx="360" cy="246600"/>
+            <a:off x="708480" y="2961360"/>
+            <a:ext cx="360" cy="438120"/>
           </a:xfrm>
           <a:prstGeom prst="line">
             <a:avLst/>
@@ -2025,14 +2435,14 @@
       </p:sp>
       <p:sp>
         <p:nvSpPr>
-          <p:cNvPr id="49" name=""/>
+          <p:cNvPr id="50" name=""/>
           <p:cNvSpPr/>
           <p:nvPr/>
         </p:nvSpPr>
         <p:spPr>
           <a:xfrm>
-            <a:off x="1260000" y="1980000"/>
-            <a:ext cx="360" cy="360000"/>
+            <a:off x="708480" y="4561200"/>
+            <a:ext cx="360" cy="639720"/>
           </a:xfrm>
           <a:prstGeom prst="line">
             <a:avLst/>
@@ -2053,14 +2463,14 @@
       </p:sp>
       <p:sp>
         <p:nvSpPr>
-          <p:cNvPr id="50" name=""/>
+          <p:cNvPr id="51" name=""/>
           <p:cNvSpPr/>
           <p:nvPr/>
         </p:nvSpPr>
         <p:spPr>
           <a:xfrm>
-            <a:off x="1440360" y="3960000"/>
-            <a:ext cx="0" cy="426600"/>
+            <a:off x="810000" y="8080920"/>
+            <a:ext cx="360" cy="758160"/>
           </a:xfrm>
           <a:prstGeom prst="line">
             <a:avLst/>
@@ -2081,14 +2491,14 @@
       </p:sp>
       <p:sp>
         <p:nvSpPr>
-          <p:cNvPr id="51" name=""/>
+          <p:cNvPr id="52" name=""/>
           <p:cNvSpPr/>
           <p:nvPr/>
         </p:nvSpPr>
         <p:spPr>
           <a:xfrm flipV="1">
-            <a:off x="2196000" y="2700360"/>
-            <a:ext cx="504000" cy="719640"/>
+            <a:off x="1235160" y="5841720"/>
+            <a:ext cx="283320" cy="1279080"/>
           </a:xfrm>
           <a:prstGeom prst="line">
             <a:avLst/>
@@ -2109,14 +2519,14 @@
       </p:sp>
       <p:sp>
         <p:nvSpPr>
-          <p:cNvPr id="52" name=""/>
+          <p:cNvPr id="53" name=""/>
           <p:cNvSpPr/>
           <p:nvPr/>
         </p:nvSpPr>
         <p:spPr>
           <a:xfrm>
-            <a:off x="4356000" y="2520000"/>
-            <a:ext cx="504000" cy="360"/>
+            <a:off x="2450160" y="5521320"/>
+            <a:ext cx="283320" cy="360"/>
           </a:xfrm>
           <a:prstGeom prst="line">
             <a:avLst/>
@@ -2137,14 +2547,14 @@
       </p:sp>
       <p:sp>
         <p:nvSpPr>
-          <p:cNvPr id="53" name=""/>
+          <p:cNvPr id="54" name=""/>
           <p:cNvSpPr/>
           <p:nvPr/>
         </p:nvSpPr>
         <p:spPr>
           <a:xfrm>
-            <a:off x="6120000" y="2993400"/>
-            <a:ext cx="360" cy="606600"/>
+            <a:off x="3441960" y="6362640"/>
+            <a:ext cx="360" cy="1078200"/>
           </a:xfrm>
           <a:prstGeom prst="line">
             <a:avLst/>
@@ -2165,14 +2575,14 @@
       </p:sp>
       <p:sp>
         <p:nvSpPr>
-          <p:cNvPr id="54" name=""/>
+          <p:cNvPr id="55" name=""/>
           <p:cNvSpPr/>
           <p:nvPr/>
         </p:nvSpPr>
         <p:spPr>
           <a:xfrm flipH="1">
-            <a:off x="2196000" y="2993400"/>
-            <a:ext cx="1404000" cy="1506600"/>
+            <a:off x="1235160" y="6362640"/>
+            <a:ext cx="789840" cy="2678040"/>
           </a:xfrm>
           <a:prstGeom prst="line">
             <a:avLst/>
@@ -2193,14 +2603,14 @@
       </p:sp>
       <p:sp>
         <p:nvSpPr>
-          <p:cNvPr id="55" name=""/>
+          <p:cNvPr id="56" name=""/>
           <p:cNvSpPr/>
           <p:nvPr/>
         </p:nvSpPr>
         <p:spPr>
           <a:xfrm flipH="1">
-            <a:off x="2196000" y="3960000"/>
-            <a:ext cx="2664000" cy="720000"/>
+            <a:off x="1235160" y="8080920"/>
+            <a:ext cx="1498320" cy="1279800"/>
           </a:xfrm>
           <a:prstGeom prst="line">
             <a:avLst/>
@@ -2221,14 +2631,14 @@
       </p:sp>
       <p:sp>
         <p:nvSpPr>
-          <p:cNvPr id="56" name=""/>
+          <p:cNvPr id="57" name=""/>
           <p:cNvSpPr/>
           <p:nvPr/>
         </p:nvSpPr>
         <p:spPr>
           <a:xfrm flipH="1">
-            <a:off x="2196000" y="4253400"/>
-            <a:ext cx="5184000" cy="606600"/>
+            <a:off x="1235160" y="8602560"/>
+            <a:ext cx="2915640" cy="1078200"/>
           </a:xfrm>
           <a:prstGeom prst="line">
             <a:avLst/>
@@ -2249,14 +2659,14 @@
       </p:sp>
       <p:sp>
         <p:nvSpPr>
-          <p:cNvPr id="57" name=""/>
+          <p:cNvPr id="58" name=""/>
           <p:cNvSpPr/>
           <p:nvPr/>
         </p:nvSpPr>
         <p:spPr>
           <a:xfrm>
-            <a:off x="6516000" y="2520000"/>
-            <a:ext cx="504000" cy="360"/>
+            <a:off x="3664800" y="5521320"/>
+            <a:ext cx="283320" cy="360"/>
           </a:xfrm>
           <a:prstGeom prst="line">
             <a:avLst/>
@@ -2277,14 +2687,14 @@
       </p:sp>
       <p:sp>
         <p:nvSpPr>
-          <p:cNvPr id="58" name=""/>
+          <p:cNvPr id="59" name=""/>
           <p:cNvSpPr/>
           <p:nvPr/>
         </p:nvSpPr>
         <p:spPr>
           <a:xfrm>
-            <a:off x="8280000" y="2993400"/>
-            <a:ext cx="360" cy="606600"/>
+            <a:off x="4656960" y="6362640"/>
+            <a:ext cx="360" cy="1078200"/>
           </a:xfrm>
           <a:prstGeom prst="line">
             <a:avLst/>
@@ -2305,14 +2715,14 @@
       </p:sp>
       <p:sp>
         <p:nvSpPr>
-          <p:cNvPr id="59" name=""/>
+          <p:cNvPr id="60" name=""/>
           <p:cNvSpPr/>
           <p:nvPr/>
         </p:nvSpPr>
         <p:spPr>
           <a:xfrm>
-            <a:off x="8460000" y="4253400"/>
-            <a:ext cx="360" cy="313200"/>
+            <a:off x="4758120" y="8602560"/>
+            <a:ext cx="360" cy="556560"/>
           </a:xfrm>
           <a:prstGeom prst="line">
             <a:avLst/>
@@ -2333,14 +2743,14 @@
       </p:sp>
       <p:sp>
         <p:nvSpPr>
-          <p:cNvPr id="60" name=""/>
+          <p:cNvPr id="61" name=""/>
           <p:cNvSpPr/>
           <p:nvPr/>
         </p:nvSpPr>
         <p:spPr>
           <a:xfrm>
-            <a:off x="504360" y="2340360"/>
-            <a:ext cx="1655640" cy="653040"/>
+            <a:off x="283680" y="5202000"/>
+            <a:ext cx="930960" cy="1159920"/>
           </a:xfrm>
           <a:prstGeom prst="rect">
             <a:avLst/>
@@ -2367,10 +2777,15 @@
               <a:lnSpc>
                 <a:spcPct val="100000"/>
               </a:lnSpc>
+              <a:buNone/>
             </a:pPr>
             <a:r>
               <a:rPr b="0" lang="de-DE" sz="1400" spc="-1" strike="noStrike">
+                <a:solidFill>
+                  <a:srgbClr val="000000"/>
+                </a:solidFill>
                 <a:latin typeface="Arial"/>
+                <a:ea typeface="DejaVu Sans"/>
               </a:rPr>
               <a:t>Sind die Kundenrezensionen gut?</a:t>
             </a:r>
@@ -2382,14 +2797,14 @@
       </p:sp>
       <p:sp>
         <p:nvSpPr>
-          <p:cNvPr id="61" name=""/>
+          <p:cNvPr id="62" name=""/>
           <p:cNvSpPr/>
           <p:nvPr/>
         </p:nvSpPr>
         <p:spPr>
           <a:xfrm>
-            <a:off x="1260000" y="2993400"/>
-            <a:ext cx="0" cy="246600"/>
+            <a:off x="708480" y="6362640"/>
+            <a:ext cx="360" cy="438120"/>
           </a:xfrm>
           <a:prstGeom prst="line">
             <a:avLst/>
@@ -2410,14 +2825,14 @@
       </p:sp>
       <p:sp>
         <p:nvSpPr>
-          <p:cNvPr id="62" name=""/>
+          <p:cNvPr id="63" name=""/>
           <p:cNvSpPr/>
           <p:nvPr/>
         </p:nvSpPr>
         <p:spPr>
           <a:xfrm>
-            <a:off x="504360" y="2700000"/>
-            <a:ext cx="215640" cy="1686600"/>
+            <a:off x="283680" y="5841000"/>
+            <a:ext cx="120960" cy="2998080"/>
           </a:xfrm>
           <a:prstGeom prst="line">
             <a:avLst/>
@@ -2435,6 +2850,60 @@
           <a:effectRef idx="0"/>
           <a:fontRef idx="minor"/>
         </p:style>
+      </p:sp>
+      <p:sp>
+        <p:nvSpPr>
+          <p:cNvPr id="64" name=""/>
+          <p:cNvSpPr/>
+          <p:nvPr/>
+        </p:nvSpPr>
+        <p:spPr>
+          <a:xfrm>
+            <a:off x="329040" y="460080"/>
+            <a:ext cx="1830960" cy="799920"/>
+          </a:xfrm>
+          <a:prstGeom prst="rect">
+            <a:avLst/>
+          </a:prstGeom>
+          <a:noFill/>
+          <a:ln w="0">
+            <a:solidFill>
+              <a:srgbClr val="3465a4"/>
+            </a:solidFill>
+          </a:ln>
+        </p:spPr>
+        <p:style>
+          <a:lnRef idx="0"/>
+          <a:fillRef idx="0"/>
+          <a:effectRef idx="0"/>
+          <a:fontRef idx="minor"/>
+        </p:style>
+        <p:txBody>
+          <a:bodyPr lIns="0" rIns="0" tIns="0" bIns="0" anchor="ctr">
+            <a:noAutofit/>
+          </a:bodyPr>
+          <a:p>
+            <a:pPr algn="ctr">
+              <a:lnSpc>
+                <a:spcPct val="100000"/>
+              </a:lnSpc>
+              <a:buNone/>
+            </a:pPr>
+            <a:r>
+              <a:rPr b="0" lang="de-DE" sz="1400" spc="-1" strike="noStrike">
+                <a:solidFill>
+                  <a:srgbClr val="000000"/>
+                </a:solidFill>
+                <a:latin typeface="Arial"/>
+                <a:ea typeface="DejaVu Sans"/>
+              </a:rPr>
+              <a:t>Situation in der neue Elektronik benötigt wird</a:t>
+            </a:r>
+            <a:endParaRPr b="0" lang="de-DE" sz="1400" spc="-1" strike="noStrike">
+              <a:latin typeface="Arial"/>
+            </a:endParaRPr>
+          </a:p>
+        </p:txBody>
       </p:sp>
     </p:spTree>
   </p:cSld>

--- a/Portfolio/Hausaufgaben/8_Kaufprozess/Kaufprozess_Grafik.pptx
+++ b/Portfolio/Hausaufgaben/8_Kaufprozess/Kaufprozess_Grafik.pptx
@@ -53,7 +53,7 @@
       </p:grpSpPr>
       <p:sp>
         <p:nvSpPr>
-          <p:cNvPr id="23" name="PlaceHolder 1"/>
+          <p:cNvPr id="21" name="PlaceHolder 1"/>
           <p:cNvSpPr>
             <a:spLocks noGrp="1"/>
           </p:cNvSpPr>
@@ -63,8 +63,8 @@
         </p:nvSpPr>
         <p:spPr>
           <a:xfrm>
-            <a:off x="283320" y="134280"/>
-            <a:ext cx="5101920" cy="2216520"/>
+            <a:off x="283320" y="402120"/>
+            <a:ext cx="5103000" cy="1683000"/>
           </a:xfrm>
           <a:prstGeom prst="rect">
             <a:avLst/>
@@ -82,15 +82,15 @@
             <a:pPr algn="ctr">
               <a:buNone/>
             </a:pPr>
-            <a:endParaRPr b="0" lang="de-DE" sz="7819" spc="-1" strike="noStrike">
-              <a:latin typeface="Arial"/>
-            </a:endParaRPr>
-          </a:p>
-        </p:txBody>
-      </p:sp>
-      <p:sp>
-        <p:nvSpPr>
-          <p:cNvPr id="24" name="PlaceHolder 2"/>
+            <a:endParaRPr b="0" lang="de-DE" sz="4400" spc="-1" strike="noStrike">
+              <a:latin typeface="Arial"/>
+            </a:endParaRPr>
+          </a:p>
+        </p:txBody>
+      </p:sp>
+      <p:sp>
+        <p:nvSpPr>
+          <p:cNvPr id="22" name="PlaceHolder 2"/>
           <p:cNvSpPr>
             <a:spLocks noGrp="1"/>
           </p:cNvSpPr>
@@ -100,8 +100,8 @@
         </p:nvSpPr>
         <p:spPr>
           <a:xfrm>
-            <a:off x="283320" y="2358000"/>
-            <a:ext cx="5102280" cy="2787840"/>
+            <a:off x="283320" y="2358720"/>
+            <a:ext cx="5103000" cy="2788560"/>
           </a:xfrm>
           <a:prstGeom prst="rect">
             <a:avLst/>
@@ -116,15 +116,15 @@
             <a:normAutofit/>
           </a:bodyPr>
           <a:p>
-            <a:endParaRPr b="0" lang="de-DE" sz="5690" spc="-1" strike="noStrike">
-              <a:latin typeface="Arial"/>
-            </a:endParaRPr>
-          </a:p>
-        </p:txBody>
-      </p:sp>
-      <p:sp>
-        <p:nvSpPr>
-          <p:cNvPr id="25" name="PlaceHolder 3"/>
+            <a:endParaRPr b="0" lang="de-DE" sz="3200" spc="-1" strike="noStrike">
+              <a:latin typeface="Arial"/>
+            </a:endParaRPr>
+          </a:p>
+        </p:txBody>
+      </p:sp>
+      <p:sp>
+        <p:nvSpPr>
+          <p:cNvPr id="23" name="PlaceHolder 3"/>
           <p:cNvSpPr>
             <a:spLocks noGrp="1"/>
           </p:cNvSpPr>
@@ -134,8 +134,8 @@
         </p:nvSpPr>
         <p:spPr>
           <a:xfrm>
-            <a:off x="283320" y="5411160"/>
-            <a:ext cx="5102280" cy="2787840"/>
+            <a:off x="283320" y="5412600"/>
+            <a:ext cx="5103000" cy="2788560"/>
           </a:xfrm>
           <a:prstGeom prst="rect">
             <a:avLst/>
@@ -150,7 +150,7 @@
             <a:normAutofit/>
           </a:bodyPr>
           <a:p>
-            <a:endParaRPr b="0" lang="de-DE" sz="5690" spc="-1" strike="noStrike">
+            <a:endParaRPr b="0" lang="de-DE" sz="3200" spc="-1" strike="noStrike">
               <a:latin typeface="Arial"/>
             </a:endParaRPr>
           </a:p>
@@ -180,7 +180,7 @@
       </p:grpSpPr>
       <p:sp>
         <p:nvSpPr>
-          <p:cNvPr id="26" name="PlaceHolder 1"/>
+          <p:cNvPr id="24" name="PlaceHolder 1"/>
           <p:cNvSpPr>
             <a:spLocks noGrp="1"/>
           </p:cNvSpPr>
@@ -190,8 +190,8 @@
         </p:nvSpPr>
         <p:spPr>
           <a:xfrm>
-            <a:off x="283320" y="134280"/>
-            <a:ext cx="5101920" cy="2216520"/>
+            <a:off x="283320" y="402120"/>
+            <a:ext cx="5103000" cy="1683000"/>
           </a:xfrm>
           <a:prstGeom prst="rect">
             <a:avLst/>
@@ -209,15 +209,15 @@
             <a:pPr algn="ctr">
               <a:buNone/>
             </a:pPr>
-            <a:endParaRPr b="0" lang="de-DE" sz="7819" spc="-1" strike="noStrike">
-              <a:latin typeface="Arial"/>
-            </a:endParaRPr>
-          </a:p>
-        </p:txBody>
-      </p:sp>
-      <p:sp>
-        <p:nvSpPr>
-          <p:cNvPr id="27" name="PlaceHolder 2"/>
+            <a:endParaRPr b="0" lang="de-DE" sz="4400" spc="-1" strike="noStrike">
+              <a:latin typeface="Arial"/>
+            </a:endParaRPr>
+          </a:p>
+        </p:txBody>
+      </p:sp>
+      <p:sp>
+        <p:nvSpPr>
+          <p:cNvPr id="25" name="PlaceHolder 2"/>
           <p:cNvSpPr>
             <a:spLocks noGrp="1"/>
           </p:cNvSpPr>
@@ -227,8 +227,8 @@
         </p:nvSpPr>
         <p:spPr>
           <a:xfrm>
-            <a:off x="283320" y="2358000"/>
-            <a:ext cx="2489760" cy="2787840"/>
+            <a:off x="283320" y="2358720"/>
+            <a:ext cx="2490120" cy="2788560"/>
           </a:xfrm>
           <a:prstGeom prst="rect">
             <a:avLst/>
@@ -243,15 +243,15 @@
             <a:normAutofit/>
           </a:bodyPr>
           <a:p>
-            <a:endParaRPr b="0" lang="de-DE" sz="5690" spc="-1" strike="noStrike">
-              <a:latin typeface="Arial"/>
-            </a:endParaRPr>
-          </a:p>
-        </p:txBody>
-      </p:sp>
-      <p:sp>
-        <p:nvSpPr>
-          <p:cNvPr id="28" name="PlaceHolder 3"/>
+            <a:endParaRPr b="0" lang="de-DE" sz="3200" spc="-1" strike="noStrike">
+              <a:latin typeface="Arial"/>
+            </a:endParaRPr>
+          </a:p>
+        </p:txBody>
+      </p:sp>
+      <p:sp>
+        <p:nvSpPr>
+          <p:cNvPr id="26" name="PlaceHolder 3"/>
           <p:cNvSpPr>
             <a:spLocks noGrp="1"/>
           </p:cNvSpPr>
@@ -261,8 +261,8 @@
         </p:nvSpPr>
         <p:spPr>
           <a:xfrm>
-            <a:off x="2898000" y="2358000"/>
-            <a:ext cx="2489760" cy="2787840"/>
+            <a:off x="2898360" y="2358720"/>
+            <a:ext cx="2490120" cy="2788560"/>
           </a:xfrm>
           <a:prstGeom prst="rect">
             <a:avLst/>
@@ -277,15 +277,15 @@
             <a:normAutofit/>
           </a:bodyPr>
           <a:p>
-            <a:endParaRPr b="0" lang="de-DE" sz="5690" spc="-1" strike="noStrike">
-              <a:latin typeface="Arial"/>
-            </a:endParaRPr>
-          </a:p>
-        </p:txBody>
-      </p:sp>
-      <p:sp>
-        <p:nvSpPr>
-          <p:cNvPr id="29" name="PlaceHolder 4"/>
+            <a:endParaRPr b="0" lang="de-DE" sz="3200" spc="-1" strike="noStrike">
+              <a:latin typeface="Arial"/>
+            </a:endParaRPr>
+          </a:p>
+        </p:txBody>
+      </p:sp>
+      <p:sp>
+        <p:nvSpPr>
+          <p:cNvPr id="27" name="PlaceHolder 4"/>
           <p:cNvSpPr>
             <a:spLocks noGrp="1"/>
           </p:cNvSpPr>
@@ -295,8 +295,8 @@
         </p:nvSpPr>
         <p:spPr>
           <a:xfrm>
-            <a:off x="283320" y="5411160"/>
-            <a:ext cx="2489760" cy="2787840"/>
+            <a:off x="283320" y="5412600"/>
+            <a:ext cx="2490120" cy="2788560"/>
           </a:xfrm>
           <a:prstGeom prst="rect">
             <a:avLst/>
@@ -311,15 +311,15 @@
             <a:normAutofit/>
           </a:bodyPr>
           <a:p>
-            <a:endParaRPr b="0" lang="de-DE" sz="5690" spc="-1" strike="noStrike">
-              <a:latin typeface="Arial"/>
-            </a:endParaRPr>
-          </a:p>
-        </p:txBody>
-      </p:sp>
-      <p:sp>
-        <p:nvSpPr>
-          <p:cNvPr id="30" name="PlaceHolder 5"/>
+            <a:endParaRPr b="0" lang="de-DE" sz="3200" spc="-1" strike="noStrike">
+              <a:latin typeface="Arial"/>
+            </a:endParaRPr>
+          </a:p>
+        </p:txBody>
+      </p:sp>
+      <p:sp>
+        <p:nvSpPr>
+          <p:cNvPr id="28" name="PlaceHolder 5"/>
           <p:cNvSpPr>
             <a:spLocks noGrp="1"/>
           </p:cNvSpPr>
@@ -329,8 +329,8 @@
         </p:nvSpPr>
         <p:spPr>
           <a:xfrm>
-            <a:off x="2898000" y="5411160"/>
-            <a:ext cx="2489760" cy="2787840"/>
+            <a:off x="2898360" y="5412600"/>
+            <a:ext cx="2490120" cy="2788560"/>
           </a:xfrm>
           <a:prstGeom prst="rect">
             <a:avLst/>
@@ -345,7 +345,7 @@
             <a:normAutofit/>
           </a:bodyPr>
           <a:p>
-            <a:endParaRPr b="0" lang="de-DE" sz="5690" spc="-1" strike="noStrike">
+            <a:endParaRPr b="0" lang="de-DE" sz="3200" spc="-1" strike="noStrike">
               <a:latin typeface="Arial"/>
             </a:endParaRPr>
           </a:p>
@@ -375,7 +375,7 @@
       </p:grpSpPr>
       <p:sp>
         <p:nvSpPr>
-          <p:cNvPr id="31" name="PlaceHolder 1"/>
+          <p:cNvPr id="29" name="PlaceHolder 1"/>
           <p:cNvSpPr>
             <a:spLocks noGrp="1"/>
           </p:cNvSpPr>
@@ -385,8 +385,8 @@
         </p:nvSpPr>
         <p:spPr>
           <a:xfrm>
-            <a:off x="283320" y="134280"/>
-            <a:ext cx="5101920" cy="2216520"/>
+            <a:off x="283320" y="402120"/>
+            <a:ext cx="5103000" cy="1683000"/>
           </a:xfrm>
           <a:prstGeom prst="rect">
             <a:avLst/>
@@ -404,15 +404,15 @@
             <a:pPr algn="ctr">
               <a:buNone/>
             </a:pPr>
-            <a:endParaRPr b="0" lang="de-DE" sz="7819" spc="-1" strike="noStrike">
-              <a:latin typeface="Arial"/>
-            </a:endParaRPr>
-          </a:p>
-        </p:txBody>
-      </p:sp>
-      <p:sp>
-        <p:nvSpPr>
-          <p:cNvPr id="32" name="PlaceHolder 2"/>
+            <a:endParaRPr b="0" lang="de-DE" sz="4400" spc="-1" strike="noStrike">
+              <a:latin typeface="Arial"/>
+            </a:endParaRPr>
+          </a:p>
+        </p:txBody>
+      </p:sp>
+      <p:sp>
+        <p:nvSpPr>
+          <p:cNvPr id="30" name="PlaceHolder 2"/>
           <p:cNvSpPr>
             <a:spLocks noGrp="1"/>
           </p:cNvSpPr>
@@ -422,8 +422,8 @@
         </p:nvSpPr>
         <p:spPr>
           <a:xfrm>
-            <a:off x="283320" y="2358000"/>
-            <a:ext cx="1642680" cy="2787840"/>
+            <a:off x="283320" y="2358720"/>
+            <a:ext cx="1643040" cy="2788560"/>
           </a:xfrm>
           <a:prstGeom prst="rect">
             <a:avLst/>
@@ -435,18 +435,18 @@
         </p:spPr>
         <p:txBody>
           <a:bodyPr lIns="0" rIns="0" tIns="0" bIns="0" anchor="t">
-            <a:normAutofit fontScale="85000"/>
-          </a:bodyPr>
-          <a:p>
-            <a:endParaRPr b="0" lang="de-DE" sz="5690" spc="-1" strike="noStrike">
-              <a:latin typeface="Arial"/>
-            </a:endParaRPr>
-          </a:p>
-        </p:txBody>
-      </p:sp>
-      <p:sp>
-        <p:nvSpPr>
-          <p:cNvPr id="33" name="PlaceHolder 3"/>
+            <a:normAutofit/>
+          </a:bodyPr>
+          <a:p>
+            <a:endParaRPr b="0" lang="de-DE" sz="3200" spc="-1" strike="noStrike">
+              <a:latin typeface="Arial"/>
+            </a:endParaRPr>
+          </a:p>
+        </p:txBody>
+      </p:sp>
+      <p:sp>
+        <p:nvSpPr>
+          <p:cNvPr id="31" name="PlaceHolder 3"/>
           <p:cNvSpPr>
             <a:spLocks noGrp="1"/>
           </p:cNvSpPr>
@@ -456,8 +456,8 @@
         </p:nvSpPr>
         <p:spPr>
           <a:xfrm>
-            <a:off x="2008440" y="2358000"/>
-            <a:ext cx="1642680" cy="2787840"/>
+            <a:off x="2008800" y="2358720"/>
+            <a:ext cx="1643040" cy="2788560"/>
           </a:xfrm>
           <a:prstGeom prst="rect">
             <a:avLst/>
@@ -469,18 +469,18 @@
         </p:spPr>
         <p:txBody>
           <a:bodyPr lIns="0" rIns="0" tIns="0" bIns="0" anchor="t">
-            <a:normAutofit fontScale="85000"/>
-          </a:bodyPr>
-          <a:p>
-            <a:endParaRPr b="0" lang="de-DE" sz="5690" spc="-1" strike="noStrike">
-              <a:latin typeface="Arial"/>
-            </a:endParaRPr>
-          </a:p>
-        </p:txBody>
-      </p:sp>
-      <p:sp>
-        <p:nvSpPr>
-          <p:cNvPr id="34" name="PlaceHolder 4"/>
+            <a:normAutofit/>
+          </a:bodyPr>
+          <a:p>
+            <a:endParaRPr b="0" lang="de-DE" sz="3200" spc="-1" strike="noStrike">
+              <a:latin typeface="Arial"/>
+            </a:endParaRPr>
+          </a:p>
+        </p:txBody>
+      </p:sp>
+      <p:sp>
+        <p:nvSpPr>
+          <p:cNvPr id="32" name="PlaceHolder 4"/>
           <p:cNvSpPr>
             <a:spLocks noGrp="1"/>
           </p:cNvSpPr>
@@ -490,8 +490,8 @@
         </p:nvSpPr>
         <p:spPr>
           <a:xfrm>
-            <a:off x="3733560" y="2358000"/>
-            <a:ext cx="1642680" cy="2787840"/>
+            <a:off x="3734640" y="2358720"/>
+            <a:ext cx="1643040" cy="2788560"/>
           </a:xfrm>
           <a:prstGeom prst="rect">
             <a:avLst/>
@@ -503,18 +503,18 @@
         </p:spPr>
         <p:txBody>
           <a:bodyPr lIns="0" rIns="0" tIns="0" bIns="0" anchor="t">
-            <a:normAutofit fontScale="85000"/>
-          </a:bodyPr>
-          <a:p>
-            <a:endParaRPr b="0" lang="de-DE" sz="5690" spc="-1" strike="noStrike">
-              <a:latin typeface="Arial"/>
-            </a:endParaRPr>
-          </a:p>
-        </p:txBody>
-      </p:sp>
-      <p:sp>
-        <p:nvSpPr>
-          <p:cNvPr id="35" name="PlaceHolder 5"/>
+            <a:normAutofit/>
+          </a:bodyPr>
+          <a:p>
+            <a:endParaRPr b="0" lang="de-DE" sz="3200" spc="-1" strike="noStrike">
+              <a:latin typeface="Arial"/>
+            </a:endParaRPr>
+          </a:p>
+        </p:txBody>
+      </p:sp>
+      <p:sp>
+        <p:nvSpPr>
+          <p:cNvPr id="33" name="PlaceHolder 5"/>
           <p:cNvSpPr>
             <a:spLocks noGrp="1"/>
           </p:cNvSpPr>
@@ -524,8 +524,8 @@
         </p:nvSpPr>
         <p:spPr>
           <a:xfrm>
-            <a:off x="283320" y="5411160"/>
-            <a:ext cx="1642680" cy="2787840"/>
+            <a:off x="283320" y="5412600"/>
+            <a:ext cx="1643040" cy="2788560"/>
           </a:xfrm>
           <a:prstGeom prst="rect">
             <a:avLst/>
@@ -537,18 +537,18 @@
         </p:spPr>
         <p:txBody>
           <a:bodyPr lIns="0" rIns="0" tIns="0" bIns="0" anchor="t">
-            <a:normAutofit fontScale="85000"/>
-          </a:bodyPr>
-          <a:p>
-            <a:endParaRPr b="0" lang="de-DE" sz="5690" spc="-1" strike="noStrike">
-              <a:latin typeface="Arial"/>
-            </a:endParaRPr>
-          </a:p>
-        </p:txBody>
-      </p:sp>
-      <p:sp>
-        <p:nvSpPr>
-          <p:cNvPr id="36" name="PlaceHolder 6"/>
+            <a:normAutofit/>
+          </a:bodyPr>
+          <a:p>
+            <a:endParaRPr b="0" lang="de-DE" sz="3200" spc="-1" strike="noStrike">
+              <a:latin typeface="Arial"/>
+            </a:endParaRPr>
+          </a:p>
+        </p:txBody>
+      </p:sp>
+      <p:sp>
+        <p:nvSpPr>
+          <p:cNvPr id="34" name="PlaceHolder 6"/>
           <p:cNvSpPr>
             <a:spLocks noGrp="1"/>
           </p:cNvSpPr>
@@ -558,8 +558,8 @@
         </p:nvSpPr>
         <p:spPr>
           <a:xfrm>
-            <a:off x="2008440" y="5411160"/>
-            <a:ext cx="1642680" cy="2787840"/>
+            <a:off x="2008800" y="5412600"/>
+            <a:ext cx="1643040" cy="2788560"/>
           </a:xfrm>
           <a:prstGeom prst="rect">
             <a:avLst/>
@@ -571,18 +571,18 @@
         </p:spPr>
         <p:txBody>
           <a:bodyPr lIns="0" rIns="0" tIns="0" bIns="0" anchor="t">
-            <a:normAutofit fontScale="85000"/>
-          </a:bodyPr>
-          <a:p>
-            <a:endParaRPr b="0" lang="de-DE" sz="5690" spc="-1" strike="noStrike">
-              <a:latin typeface="Arial"/>
-            </a:endParaRPr>
-          </a:p>
-        </p:txBody>
-      </p:sp>
-      <p:sp>
-        <p:nvSpPr>
-          <p:cNvPr id="37" name="PlaceHolder 7"/>
+            <a:normAutofit/>
+          </a:bodyPr>
+          <a:p>
+            <a:endParaRPr b="0" lang="de-DE" sz="3200" spc="-1" strike="noStrike">
+              <a:latin typeface="Arial"/>
+            </a:endParaRPr>
+          </a:p>
+        </p:txBody>
+      </p:sp>
+      <p:sp>
+        <p:nvSpPr>
+          <p:cNvPr id="35" name="PlaceHolder 7"/>
           <p:cNvSpPr>
             <a:spLocks noGrp="1"/>
           </p:cNvSpPr>
@@ -592,8 +592,8 @@
         </p:nvSpPr>
         <p:spPr>
           <a:xfrm>
-            <a:off x="3733560" y="5411160"/>
-            <a:ext cx="1642680" cy="2787840"/>
+            <a:off x="3734640" y="5412600"/>
+            <a:ext cx="1643040" cy="2788560"/>
           </a:xfrm>
           <a:prstGeom prst="rect">
             <a:avLst/>
@@ -605,10 +605,10 @@
         </p:spPr>
         <p:txBody>
           <a:bodyPr lIns="0" rIns="0" tIns="0" bIns="0" anchor="t">
-            <a:normAutofit fontScale="85000"/>
-          </a:bodyPr>
-          <a:p>
-            <a:endParaRPr b="0" lang="de-DE" sz="5690" spc="-1" strike="noStrike">
+            <a:normAutofit/>
+          </a:bodyPr>
+          <a:p>
+            <a:endParaRPr b="0" lang="de-DE" sz="3200" spc="-1" strike="noStrike">
               <a:latin typeface="Arial"/>
             </a:endParaRPr>
           </a:p>
@@ -638,7 +638,7 @@
       </p:grpSpPr>
       <p:sp>
         <p:nvSpPr>
-          <p:cNvPr id="2" name="PlaceHolder 1"/>
+          <p:cNvPr id="0" name="PlaceHolder 1"/>
           <p:cNvSpPr>
             <a:spLocks noGrp="1"/>
           </p:cNvSpPr>
@@ -648,8 +648,8 @@
         </p:nvSpPr>
         <p:spPr>
           <a:xfrm>
-            <a:off x="283320" y="134280"/>
-            <a:ext cx="5101920" cy="2216520"/>
+            <a:off x="283320" y="402120"/>
+            <a:ext cx="5103000" cy="1683000"/>
           </a:xfrm>
           <a:prstGeom prst="rect">
             <a:avLst/>
@@ -667,15 +667,15 @@
             <a:pPr algn="ctr">
               <a:buNone/>
             </a:pPr>
-            <a:endParaRPr b="0" lang="de-DE" sz="7819" spc="-1" strike="noStrike">
-              <a:latin typeface="Arial"/>
-            </a:endParaRPr>
-          </a:p>
-        </p:txBody>
-      </p:sp>
-      <p:sp>
-        <p:nvSpPr>
-          <p:cNvPr id="3" name="PlaceHolder 2"/>
+            <a:endParaRPr b="0" lang="de-DE" sz="4400" spc="-1" strike="noStrike">
+              <a:latin typeface="Arial"/>
+            </a:endParaRPr>
+          </a:p>
+        </p:txBody>
+      </p:sp>
+      <p:sp>
+        <p:nvSpPr>
+          <p:cNvPr id="1" name="PlaceHolder 2"/>
           <p:cNvSpPr>
             <a:spLocks noGrp="1"/>
           </p:cNvSpPr>
@@ -685,8 +685,8 @@
         </p:nvSpPr>
         <p:spPr>
           <a:xfrm>
-            <a:off x="283320" y="2358000"/>
-            <a:ext cx="5102280" cy="5844960"/>
+            <a:off x="283320" y="2358720"/>
+            <a:ext cx="5103000" cy="5846400"/>
           </a:xfrm>
           <a:prstGeom prst="rect">
             <a:avLst/>
@@ -734,7 +734,7 @@
       </p:grpSpPr>
       <p:sp>
         <p:nvSpPr>
-          <p:cNvPr id="4" name="PlaceHolder 1"/>
+          <p:cNvPr id="2" name="PlaceHolder 1"/>
           <p:cNvSpPr>
             <a:spLocks noGrp="1"/>
           </p:cNvSpPr>
@@ -744,8 +744,8 @@
         </p:nvSpPr>
         <p:spPr>
           <a:xfrm>
-            <a:off x="283320" y="134280"/>
-            <a:ext cx="5101920" cy="2216520"/>
+            <a:off x="283320" y="402120"/>
+            <a:ext cx="5103000" cy="1683000"/>
           </a:xfrm>
           <a:prstGeom prst="rect">
             <a:avLst/>
@@ -763,15 +763,15 @@
             <a:pPr algn="ctr">
               <a:buNone/>
             </a:pPr>
-            <a:endParaRPr b="0" lang="de-DE" sz="7819" spc="-1" strike="noStrike">
-              <a:latin typeface="Arial"/>
-            </a:endParaRPr>
-          </a:p>
-        </p:txBody>
-      </p:sp>
-      <p:sp>
-        <p:nvSpPr>
-          <p:cNvPr id="5" name="PlaceHolder 2"/>
+            <a:endParaRPr b="0" lang="de-DE" sz="4400" spc="-1" strike="noStrike">
+              <a:latin typeface="Arial"/>
+            </a:endParaRPr>
+          </a:p>
+        </p:txBody>
+      </p:sp>
+      <p:sp>
+        <p:nvSpPr>
+          <p:cNvPr id="3" name="PlaceHolder 2"/>
           <p:cNvSpPr>
             <a:spLocks noGrp="1"/>
           </p:cNvSpPr>
@@ -781,8 +781,8 @@
         </p:nvSpPr>
         <p:spPr>
           <a:xfrm>
-            <a:off x="283320" y="2358000"/>
-            <a:ext cx="5102280" cy="5844960"/>
+            <a:off x="283320" y="2358720"/>
+            <a:ext cx="5103000" cy="5846400"/>
           </a:xfrm>
           <a:prstGeom prst="rect">
             <a:avLst/>
@@ -797,7 +797,7 @@
             <a:normAutofit/>
           </a:bodyPr>
           <a:p>
-            <a:endParaRPr b="0" lang="de-DE" sz="5690" spc="-1" strike="noStrike">
+            <a:endParaRPr b="0" lang="de-DE" sz="3200" spc="-1" strike="noStrike">
               <a:latin typeface="Arial"/>
             </a:endParaRPr>
           </a:p>
@@ -827,7 +827,7 @@
       </p:grpSpPr>
       <p:sp>
         <p:nvSpPr>
-          <p:cNvPr id="6" name="PlaceHolder 1"/>
+          <p:cNvPr id="4" name="PlaceHolder 1"/>
           <p:cNvSpPr>
             <a:spLocks noGrp="1"/>
           </p:cNvSpPr>
@@ -837,8 +837,8 @@
         </p:nvSpPr>
         <p:spPr>
           <a:xfrm>
-            <a:off x="283320" y="134280"/>
-            <a:ext cx="5101920" cy="2216520"/>
+            <a:off x="283320" y="402120"/>
+            <a:ext cx="5103000" cy="1683000"/>
           </a:xfrm>
           <a:prstGeom prst="rect">
             <a:avLst/>
@@ -856,15 +856,15 @@
             <a:pPr algn="ctr">
               <a:buNone/>
             </a:pPr>
-            <a:endParaRPr b="0" lang="de-DE" sz="7819" spc="-1" strike="noStrike">
-              <a:latin typeface="Arial"/>
-            </a:endParaRPr>
-          </a:p>
-        </p:txBody>
-      </p:sp>
-      <p:sp>
-        <p:nvSpPr>
-          <p:cNvPr id="7" name="PlaceHolder 2"/>
+            <a:endParaRPr b="0" lang="de-DE" sz="4400" spc="-1" strike="noStrike">
+              <a:latin typeface="Arial"/>
+            </a:endParaRPr>
+          </a:p>
+        </p:txBody>
+      </p:sp>
+      <p:sp>
+        <p:nvSpPr>
+          <p:cNvPr id="5" name="PlaceHolder 2"/>
           <p:cNvSpPr>
             <a:spLocks noGrp="1"/>
           </p:cNvSpPr>
@@ -874,8 +874,8 @@
         </p:nvSpPr>
         <p:spPr>
           <a:xfrm>
-            <a:off x="283320" y="2358000"/>
-            <a:ext cx="2489760" cy="5844960"/>
+            <a:off x="283320" y="2358720"/>
+            <a:ext cx="2490120" cy="5846400"/>
           </a:xfrm>
           <a:prstGeom prst="rect">
             <a:avLst/>
@@ -890,15 +890,15 @@
             <a:normAutofit/>
           </a:bodyPr>
           <a:p>
-            <a:endParaRPr b="0" lang="de-DE" sz="5690" spc="-1" strike="noStrike">
-              <a:latin typeface="Arial"/>
-            </a:endParaRPr>
-          </a:p>
-        </p:txBody>
-      </p:sp>
-      <p:sp>
-        <p:nvSpPr>
-          <p:cNvPr id="8" name="PlaceHolder 3"/>
+            <a:endParaRPr b="0" lang="de-DE" sz="3200" spc="-1" strike="noStrike">
+              <a:latin typeface="Arial"/>
+            </a:endParaRPr>
+          </a:p>
+        </p:txBody>
+      </p:sp>
+      <p:sp>
+        <p:nvSpPr>
+          <p:cNvPr id="6" name="PlaceHolder 3"/>
           <p:cNvSpPr>
             <a:spLocks noGrp="1"/>
           </p:cNvSpPr>
@@ -908,8 +908,8 @@
         </p:nvSpPr>
         <p:spPr>
           <a:xfrm>
-            <a:off x="2898000" y="2358000"/>
-            <a:ext cx="2489760" cy="5844960"/>
+            <a:off x="2898360" y="2358720"/>
+            <a:ext cx="2490120" cy="5846400"/>
           </a:xfrm>
           <a:prstGeom prst="rect">
             <a:avLst/>
@@ -924,7 +924,7 @@
             <a:normAutofit/>
           </a:bodyPr>
           <a:p>
-            <a:endParaRPr b="0" lang="de-DE" sz="5690" spc="-1" strike="noStrike">
+            <a:endParaRPr b="0" lang="de-DE" sz="3200" spc="-1" strike="noStrike">
               <a:latin typeface="Arial"/>
             </a:endParaRPr>
           </a:p>
@@ -954,7 +954,7 @@
       </p:grpSpPr>
       <p:sp>
         <p:nvSpPr>
-          <p:cNvPr id="9" name="PlaceHolder 1"/>
+          <p:cNvPr id="7" name="PlaceHolder 1"/>
           <p:cNvSpPr>
             <a:spLocks noGrp="1"/>
           </p:cNvSpPr>
@@ -964,8 +964,8 @@
         </p:nvSpPr>
         <p:spPr>
           <a:xfrm>
-            <a:off x="283320" y="134280"/>
-            <a:ext cx="5101920" cy="2216520"/>
+            <a:off x="283320" y="402120"/>
+            <a:ext cx="5103000" cy="1683000"/>
           </a:xfrm>
           <a:prstGeom prst="rect">
             <a:avLst/>
@@ -983,7 +983,7 @@
             <a:pPr algn="ctr">
               <a:buNone/>
             </a:pPr>
-            <a:endParaRPr b="0" lang="de-DE" sz="7819" spc="-1" strike="noStrike">
+            <a:endParaRPr b="0" lang="de-DE" sz="4400" spc="-1" strike="noStrike">
               <a:latin typeface="Arial"/>
             </a:endParaRPr>
           </a:p>
@@ -1013,7 +1013,7 @@
       </p:grpSpPr>
       <p:sp>
         <p:nvSpPr>
-          <p:cNvPr id="10" name="PlaceHolder 1"/>
+          <p:cNvPr id="8" name="PlaceHolder 1"/>
           <p:cNvSpPr>
             <a:spLocks noGrp="1"/>
           </p:cNvSpPr>
@@ -1023,8 +1023,8 @@
         </p:nvSpPr>
         <p:spPr>
           <a:xfrm>
-            <a:off x="283320" y="401760"/>
-            <a:ext cx="5101920" cy="7794360"/>
+            <a:off x="283320" y="402120"/>
+            <a:ext cx="5103000" cy="7802640"/>
           </a:xfrm>
           <a:prstGeom prst="rect">
             <a:avLst/>
@@ -1072,7 +1072,7 @@
       </p:grpSpPr>
       <p:sp>
         <p:nvSpPr>
-          <p:cNvPr id="11" name="PlaceHolder 1"/>
+          <p:cNvPr id="9" name="PlaceHolder 1"/>
           <p:cNvSpPr>
             <a:spLocks noGrp="1"/>
           </p:cNvSpPr>
@@ -1082,8 +1082,8 @@
         </p:nvSpPr>
         <p:spPr>
           <a:xfrm>
-            <a:off x="283320" y="134280"/>
-            <a:ext cx="5101920" cy="2216520"/>
+            <a:off x="283320" y="402120"/>
+            <a:ext cx="5103000" cy="1683000"/>
           </a:xfrm>
           <a:prstGeom prst="rect">
             <a:avLst/>
@@ -1101,15 +1101,15 @@
             <a:pPr algn="ctr">
               <a:buNone/>
             </a:pPr>
-            <a:endParaRPr b="0" lang="de-DE" sz="7819" spc="-1" strike="noStrike">
-              <a:latin typeface="Arial"/>
-            </a:endParaRPr>
-          </a:p>
-        </p:txBody>
-      </p:sp>
-      <p:sp>
-        <p:nvSpPr>
-          <p:cNvPr id="12" name="PlaceHolder 2"/>
+            <a:endParaRPr b="0" lang="de-DE" sz="4400" spc="-1" strike="noStrike">
+              <a:latin typeface="Arial"/>
+            </a:endParaRPr>
+          </a:p>
+        </p:txBody>
+      </p:sp>
+      <p:sp>
+        <p:nvSpPr>
+          <p:cNvPr id="10" name="PlaceHolder 2"/>
           <p:cNvSpPr>
             <a:spLocks noGrp="1"/>
           </p:cNvSpPr>
@@ -1119,8 +1119,8 @@
         </p:nvSpPr>
         <p:spPr>
           <a:xfrm>
-            <a:off x="283320" y="2358000"/>
-            <a:ext cx="2489760" cy="2787840"/>
+            <a:off x="283320" y="2358720"/>
+            <a:ext cx="2490120" cy="2788560"/>
           </a:xfrm>
           <a:prstGeom prst="rect">
             <a:avLst/>
@@ -1135,15 +1135,15 @@
             <a:normAutofit/>
           </a:bodyPr>
           <a:p>
-            <a:endParaRPr b="0" lang="de-DE" sz="5690" spc="-1" strike="noStrike">
-              <a:latin typeface="Arial"/>
-            </a:endParaRPr>
-          </a:p>
-        </p:txBody>
-      </p:sp>
-      <p:sp>
-        <p:nvSpPr>
-          <p:cNvPr id="13" name="PlaceHolder 3"/>
+            <a:endParaRPr b="0" lang="de-DE" sz="3200" spc="-1" strike="noStrike">
+              <a:latin typeface="Arial"/>
+            </a:endParaRPr>
+          </a:p>
+        </p:txBody>
+      </p:sp>
+      <p:sp>
+        <p:nvSpPr>
+          <p:cNvPr id="11" name="PlaceHolder 3"/>
           <p:cNvSpPr>
             <a:spLocks noGrp="1"/>
           </p:cNvSpPr>
@@ -1153,8 +1153,8 @@
         </p:nvSpPr>
         <p:spPr>
           <a:xfrm>
-            <a:off x="2898000" y="2358000"/>
-            <a:ext cx="2489760" cy="5844960"/>
+            <a:off x="2898360" y="2358720"/>
+            <a:ext cx="2490120" cy="5846400"/>
           </a:xfrm>
           <a:prstGeom prst="rect">
             <a:avLst/>
@@ -1169,15 +1169,15 @@
             <a:normAutofit/>
           </a:bodyPr>
           <a:p>
-            <a:endParaRPr b="0" lang="de-DE" sz="5690" spc="-1" strike="noStrike">
-              <a:latin typeface="Arial"/>
-            </a:endParaRPr>
-          </a:p>
-        </p:txBody>
-      </p:sp>
-      <p:sp>
-        <p:nvSpPr>
-          <p:cNvPr id="14" name="PlaceHolder 4"/>
+            <a:endParaRPr b="0" lang="de-DE" sz="3200" spc="-1" strike="noStrike">
+              <a:latin typeface="Arial"/>
+            </a:endParaRPr>
+          </a:p>
+        </p:txBody>
+      </p:sp>
+      <p:sp>
+        <p:nvSpPr>
+          <p:cNvPr id="12" name="PlaceHolder 4"/>
           <p:cNvSpPr>
             <a:spLocks noGrp="1"/>
           </p:cNvSpPr>
@@ -1187,8 +1187,8 @@
         </p:nvSpPr>
         <p:spPr>
           <a:xfrm>
-            <a:off x="283320" y="5411160"/>
-            <a:ext cx="2489760" cy="2787840"/>
+            <a:off x="283320" y="5412600"/>
+            <a:ext cx="2490120" cy="2788560"/>
           </a:xfrm>
           <a:prstGeom prst="rect">
             <a:avLst/>
@@ -1203,7 +1203,7 @@
             <a:normAutofit/>
           </a:bodyPr>
           <a:p>
-            <a:endParaRPr b="0" lang="de-DE" sz="5690" spc="-1" strike="noStrike">
+            <a:endParaRPr b="0" lang="de-DE" sz="3200" spc="-1" strike="noStrike">
               <a:latin typeface="Arial"/>
             </a:endParaRPr>
           </a:p>
@@ -1233,7 +1233,7 @@
       </p:grpSpPr>
       <p:sp>
         <p:nvSpPr>
-          <p:cNvPr id="15" name="PlaceHolder 1"/>
+          <p:cNvPr id="13" name="PlaceHolder 1"/>
           <p:cNvSpPr>
             <a:spLocks noGrp="1"/>
           </p:cNvSpPr>
@@ -1243,8 +1243,8 @@
         </p:nvSpPr>
         <p:spPr>
           <a:xfrm>
-            <a:off x="283320" y="134280"/>
-            <a:ext cx="5101920" cy="2216520"/>
+            <a:off x="283320" y="402120"/>
+            <a:ext cx="5103000" cy="1683000"/>
           </a:xfrm>
           <a:prstGeom prst="rect">
             <a:avLst/>
@@ -1262,15 +1262,15 @@
             <a:pPr algn="ctr">
               <a:buNone/>
             </a:pPr>
-            <a:endParaRPr b="0" lang="de-DE" sz="7819" spc="-1" strike="noStrike">
-              <a:latin typeface="Arial"/>
-            </a:endParaRPr>
-          </a:p>
-        </p:txBody>
-      </p:sp>
-      <p:sp>
-        <p:nvSpPr>
-          <p:cNvPr id="16" name="PlaceHolder 2"/>
+            <a:endParaRPr b="0" lang="de-DE" sz="4400" spc="-1" strike="noStrike">
+              <a:latin typeface="Arial"/>
+            </a:endParaRPr>
+          </a:p>
+        </p:txBody>
+      </p:sp>
+      <p:sp>
+        <p:nvSpPr>
+          <p:cNvPr id="14" name="PlaceHolder 2"/>
           <p:cNvSpPr>
             <a:spLocks noGrp="1"/>
           </p:cNvSpPr>
@@ -1280,8 +1280,8 @@
         </p:nvSpPr>
         <p:spPr>
           <a:xfrm>
-            <a:off x="283320" y="2358000"/>
-            <a:ext cx="2489760" cy="5844960"/>
+            <a:off x="283320" y="2358720"/>
+            <a:ext cx="2490120" cy="5846400"/>
           </a:xfrm>
           <a:prstGeom prst="rect">
             <a:avLst/>
@@ -1296,15 +1296,15 @@
             <a:normAutofit/>
           </a:bodyPr>
           <a:p>
-            <a:endParaRPr b="0" lang="de-DE" sz="5690" spc="-1" strike="noStrike">
-              <a:latin typeface="Arial"/>
-            </a:endParaRPr>
-          </a:p>
-        </p:txBody>
-      </p:sp>
-      <p:sp>
-        <p:nvSpPr>
-          <p:cNvPr id="17" name="PlaceHolder 3"/>
+            <a:endParaRPr b="0" lang="de-DE" sz="3200" spc="-1" strike="noStrike">
+              <a:latin typeface="Arial"/>
+            </a:endParaRPr>
+          </a:p>
+        </p:txBody>
+      </p:sp>
+      <p:sp>
+        <p:nvSpPr>
+          <p:cNvPr id="15" name="PlaceHolder 3"/>
           <p:cNvSpPr>
             <a:spLocks noGrp="1"/>
           </p:cNvSpPr>
@@ -1314,8 +1314,8 @@
         </p:nvSpPr>
         <p:spPr>
           <a:xfrm>
-            <a:off x="2898000" y="2358000"/>
-            <a:ext cx="2489760" cy="2787840"/>
+            <a:off x="2898360" y="2358720"/>
+            <a:ext cx="2490120" cy="2788560"/>
           </a:xfrm>
           <a:prstGeom prst="rect">
             <a:avLst/>
@@ -1330,15 +1330,15 @@
             <a:normAutofit/>
           </a:bodyPr>
           <a:p>
-            <a:endParaRPr b="0" lang="de-DE" sz="5690" spc="-1" strike="noStrike">
-              <a:latin typeface="Arial"/>
-            </a:endParaRPr>
-          </a:p>
-        </p:txBody>
-      </p:sp>
-      <p:sp>
-        <p:nvSpPr>
-          <p:cNvPr id="18" name="PlaceHolder 4"/>
+            <a:endParaRPr b="0" lang="de-DE" sz="3200" spc="-1" strike="noStrike">
+              <a:latin typeface="Arial"/>
+            </a:endParaRPr>
+          </a:p>
+        </p:txBody>
+      </p:sp>
+      <p:sp>
+        <p:nvSpPr>
+          <p:cNvPr id="16" name="PlaceHolder 4"/>
           <p:cNvSpPr>
             <a:spLocks noGrp="1"/>
           </p:cNvSpPr>
@@ -1348,8 +1348,8 @@
         </p:nvSpPr>
         <p:spPr>
           <a:xfrm>
-            <a:off x="2898000" y="5411160"/>
-            <a:ext cx="2489760" cy="2787840"/>
+            <a:off x="2898360" y="5412600"/>
+            <a:ext cx="2490120" cy="2788560"/>
           </a:xfrm>
           <a:prstGeom prst="rect">
             <a:avLst/>
@@ -1364,7 +1364,7 @@
             <a:normAutofit/>
           </a:bodyPr>
           <a:p>
-            <a:endParaRPr b="0" lang="de-DE" sz="5690" spc="-1" strike="noStrike">
+            <a:endParaRPr b="0" lang="de-DE" sz="3200" spc="-1" strike="noStrike">
               <a:latin typeface="Arial"/>
             </a:endParaRPr>
           </a:p>
@@ -1394,7 +1394,7 @@
       </p:grpSpPr>
       <p:sp>
         <p:nvSpPr>
-          <p:cNvPr id="19" name="PlaceHolder 1"/>
+          <p:cNvPr id="17" name="PlaceHolder 1"/>
           <p:cNvSpPr>
             <a:spLocks noGrp="1"/>
           </p:cNvSpPr>
@@ -1404,8 +1404,8 @@
         </p:nvSpPr>
         <p:spPr>
           <a:xfrm>
-            <a:off x="283320" y="134280"/>
-            <a:ext cx="5101920" cy="2216520"/>
+            <a:off x="283320" y="402120"/>
+            <a:ext cx="5103000" cy="1683000"/>
           </a:xfrm>
           <a:prstGeom prst="rect">
             <a:avLst/>
@@ -1423,15 +1423,15 @@
             <a:pPr algn="ctr">
               <a:buNone/>
             </a:pPr>
-            <a:endParaRPr b="0" lang="de-DE" sz="7819" spc="-1" strike="noStrike">
-              <a:latin typeface="Arial"/>
-            </a:endParaRPr>
-          </a:p>
-        </p:txBody>
-      </p:sp>
-      <p:sp>
-        <p:nvSpPr>
-          <p:cNvPr id="20" name="PlaceHolder 2"/>
+            <a:endParaRPr b="0" lang="de-DE" sz="4400" spc="-1" strike="noStrike">
+              <a:latin typeface="Arial"/>
+            </a:endParaRPr>
+          </a:p>
+        </p:txBody>
+      </p:sp>
+      <p:sp>
+        <p:nvSpPr>
+          <p:cNvPr id="18" name="PlaceHolder 2"/>
           <p:cNvSpPr>
             <a:spLocks noGrp="1"/>
           </p:cNvSpPr>
@@ -1441,8 +1441,8 @@
         </p:nvSpPr>
         <p:spPr>
           <a:xfrm>
-            <a:off x="283320" y="2358000"/>
-            <a:ext cx="2489760" cy="2787840"/>
+            <a:off x="283320" y="2358720"/>
+            <a:ext cx="2490120" cy="2788560"/>
           </a:xfrm>
           <a:prstGeom prst="rect">
             <a:avLst/>
@@ -1457,15 +1457,15 @@
             <a:normAutofit/>
           </a:bodyPr>
           <a:p>
-            <a:endParaRPr b="0" lang="de-DE" sz="5690" spc="-1" strike="noStrike">
-              <a:latin typeface="Arial"/>
-            </a:endParaRPr>
-          </a:p>
-        </p:txBody>
-      </p:sp>
-      <p:sp>
-        <p:nvSpPr>
-          <p:cNvPr id="21" name="PlaceHolder 3"/>
+            <a:endParaRPr b="0" lang="de-DE" sz="3200" spc="-1" strike="noStrike">
+              <a:latin typeface="Arial"/>
+            </a:endParaRPr>
+          </a:p>
+        </p:txBody>
+      </p:sp>
+      <p:sp>
+        <p:nvSpPr>
+          <p:cNvPr id="19" name="PlaceHolder 3"/>
           <p:cNvSpPr>
             <a:spLocks noGrp="1"/>
           </p:cNvSpPr>
@@ -1475,8 +1475,8 @@
         </p:nvSpPr>
         <p:spPr>
           <a:xfrm>
-            <a:off x="2898000" y="2358000"/>
-            <a:ext cx="2489760" cy="2787840"/>
+            <a:off x="2898360" y="2358720"/>
+            <a:ext cx="2490120" cy="2788560"/>
           </a:xfrm>
           <a:prstGeom prst="rect">
             <a:avLst/>
@@ -1491,15 +1491,15 @@
             <a:normAutofit/>
           </a:bodyPr>
           <a:p>
-            <a:endParaRPr b="0" lang="de-DE" sz="5690" spc="-1" strike="noStrike">
-              <a:latin typeface="Arial"/>
-            </a:endParaRPr>
-          </a:p>
-        </p:txBody>
-      </p:sp>
-      <p:sp>
-        <p:nvSpPr>
-          <p:cNvPr id="22" name="PlaceHolder 4"/>
+            <a:endParaRPr b="0" lang="de-DE" sz="3200" spc="-1" strike="noStrike">
+              <a:latin typeface="Arial"/>
+            </a:endParaRPr>
+          </a:p>
+        </p:txBody>
+      </p:sp>
+      <p:sp>
+        <p:nvSpPr>
+          <p:cNvPr id="20" name="PlaceHolder 4"/>
           <p:cNvSpPr>
             <a:spLocks noGrp="1"/>
           </p:cNvSpPr>
@@ -1509,8 +1509,8 @@
         </p:nvSpPr>
         <p:spPr>
           <a:xfrm>
-            <a:off x="283320" y="5411160"/>
-            <a:ext cx="5102280" cy="2787840"/>
+            <a:off x="283320" y="5412600"/>
+            <a:ext cx="5103000" cy="2788560"/>
           </a:xfrm>
           <a:prstGeom prst="rect">
             <a:avLst/>
@@ -1525,7 +1525,7 @@
             <a:normAutofit/>
           </a:bodyPr>
           <a:p>
-            <a:endParaRPr b="0" lang="de-DE" sz="5690" spc="-1" strike="noStrike">
+            <a:endParaRPr b="0" lang="de-DE" sz="3200" spc="-1" strike="noStrike">
               <a:latin typeface="Arial"/>
             </a:endParaRPr>
           </a:p>
@@ -1553,229 +1553,6 @@
           <a:chExt cx="0" cy="0"/>
         </a:xfrm>
       </p:grpSpPr>
-      <p:sp>
-        <p:nvSpPr>
-          <p:cNvPr id="0" name="PlaceHolder 1"/>
-          <p:cNvSpPr>
-            <a:spLocks noGrp="1"/>
-          </p:cNvSpPr>
-          <p:nvPr>
-            <p:ph type="title"/>
-          </p:nvPr>
-        </p:nvSpPr>
-        <p:spPr>
-          <a:xfrm>
-            <a:off x="283320" y="401760"/>
-            <a:ext cx="5101920" cy="1681200"/>
-          </a:xfrm>
-          <a:prstGeom prst="rect">
-            <a:avLst/>
-          </a:prstGeom>
-          <a:noFill/>
-          <a:ln w="0">
-            <a:noFill/>
-          </a:ln>
-        </p:spPr>
-        <p:txBody>
-          <a:bodyPr lIns="0" rIns="0" tIns="0" bIns="0" anchor="ctr">
-            <a:noAutofit/>
-          </a:bodyPr>
-          <a:p>
-            <a:r>
-              <a:rPr b="0" lang="de-DE" sz="1800" spc="-1" strike="noStrike">
-                <a:latin typeface="Arial"/>
-              </a:rPr>
-              <a:t>Click to edit the title text format</a:t>
-            </a:r>
-            <a:endParaRPr b="0" lang="de-DE" sz="1800" spc="-1" strike="noStrike">
-              <a:latin typeface="Arial"/>
-            </a:endParaRPr>
-          </a:p>
-        </p:txBody>
-      </p:sp>
-      <p:sp>
-        <p:nvSpPr>
-          <p:cNvPr id="1" name="PlaceHolder 2"/>
-          <p:cNvSpPr>
-            <a:spLocks noGrp="1"/>
-          </p:cNvSpPr>
-          <p:nvPr>
-            <p:ph type="body"/>
-          </p:nvPr>
-        </p:nvSpPr>
-        <p:spPr>
-          <a:xfrm>
-            <a:off x="283320" y="2358000"/>
-            <a:ext cx="5102280" cy="5844960"/>
-          </a:xfrm>
-          <a:prstGeom prst="rect">
-            <a:avLst/>
-          </a:prstGeom>
-          <a:noFill/>
-          <a:ln w="0">
-            <a:noFill/>
-          </a:ln>
-        </p:spPr>
-        <p:txBody>
-          <a:bodyPr lIns="0" rIns="0" tIns="0" bIns="0" anchor="t">
-            <a:normAutofit/>
-          </a:bodyPr>
-          <a:p>
-            <a:pPr marL="432000" indent="-324000">
-              <a:spcBef>
-                <a:spcPts val="2517"/>
-              </a:spcBef>
-              <a:buClr>
-                <a:srgbClr val="000000"/>
-              </a:buClr>
-              <a:buSzPct val="45000"/>
-              <a:buFont typeface="Wingdings" charset="2"/>
-              <a:buChar char=""/>
-            </a:pPr>
-            <a:r>
-              <a:rPr b="0" lang="de-DE" sz="1800" spc="-1" strike="noStrike">
-                <a:latin typeface="Arial"/>
-              </a:rPr>
-              <a:t>Click to edit the outline text format</a:t>
-            </a:r>
-            <a:endParaRPr b="0" lang="de-DE" sz="1800" spc="-1" strike="noStrike">
-              <a:latin typeface="Arial"/>
-            </a:endParaRPr>
-          </a:p>
-          <a:p>
-            <a:pPr lvl="1" marL="864000" indent="-324000">
-              <a:spcBef>
-                <a:spcPts val="2013"/>
-              </a:spcBef>
-              <a:buClr>
-                <a:srgbClr val="000000"/>
-              </a:buClr>
-              <a:buSzPct val="75000"/>
-              <a:buFont typeface="Symbol" charset="2"/>
-              <a:buChar char=""/>
-            </a:pPr>
-            <a:r>
-              <a:rPr b="0" lang="de-DE" sz="1800" spc="-1" strike="noStrike">
-                <a:latin typeface="Arial"/>
-              </a:rPr>
-              <a:t>Second Outline Level</a:t>
-            </a:r>
-            <a:endParaRPr b="0" lang="de-DE" sz="1800" spc="-1" strike="noStrike">
-              <a:latin typeface="Arial"/>
-            </a:endParaRPr>
-          </a:p>
-          <a:p>
-            <a:pPr lvl="2" marL="1296000" indent="-288000">
-              <a:spcBef>
-                <a:spcPts val="1511"/>
-              </a:spcBef>
-              <a:buClr>
-                <a:srgbClr val="000000"/>
-              </a:buClr>
-              <a:buSzPct val="45000"/>
-              <a:buFont typeface="Wingdings" charset="2"/>
-              <a:buChar char=""/>
-            </a:pPr>
-            <a:r>
-              <a:rPr b="0" lang="de-DE" sz="1800" spc="-1" strike="noStrike">
-                <a:latin typeface="Arial"/>
-              </a:rPr>
-              <a:t>Third Outline Level</a:t>
-            </a:r>
-            <a:endParaRPr b="0" lang="de-DE" sz="1800" spc="-1" strike="noStrike">
-              <a:latin typeface="Arial"/>
-            </a:endParaRPr>
-          </a:p>
-          <a:p>
-            <a:pPr lvl="3" marL="1728000" indent="-216000">
-              <a:spcBef>
-                <a:spcPts val="1006"/>
-              </a:spcBef>
-              <a:buClr>
-                <a:srgbClr val="000000"/>
-              </a:buClr>
-              <a:buSzPct val="75000"/>
-              <a:buFont typeface="Symbol" charset="2"/>
-              <a:buChar char=""/>
-            </a:pPr>
-            <a:r>
-              <a:rPr b="0" lang="de-DE" sz="1800" spc="-1" strike="noStrike">
-                <a:latin typeface="Arial"/>
-              </a:rPr>
-              <a:t>Fourth Outline Level</a:t>
-            </a:r>
-            <a:endParaRPr b="0" lang="de-DE" sz="1800" spc="-1" strike="noStrike">
-              <a:latin typeface="Arial"/>
-            </a:endParaRPr>
-          </a:p>
-          <a:p>
-            <a:pPr lvl="4" marL="2160000" indent="-216000">
-              <a:spcBef>
-                <a:spcPts val="502"/>
-              </a:spcBef>
-              <a:buClr>
-                <a:srgbClr val="000000"/>
-              </a:buClr>
-              <a:buSzPct val="45000"/>
-              <a:buFont typeface="Wingdings" charset="2"/>
-              <a:buChar char=""/>
-            </a:pPr>
-            <a:r>
-              <a:rPr b="0" lang="de-DE" sz="1800" spc="-1" strike="noStrike">
-                <a:latin typeface="Arial"/>
-              </a:rPr>
-              <a:t>Fifth Outline Level</a:t>
-            </a:r>
-            <a:endParaRPr b="0" lang="de-DE" sz="1800" spc="-1" strike="noStrike">
-              <a:latin typeface="Arial"/>
-            </a:endParaRPr>
-          </a:p>
-          <a:p>
-            <a:pPr lvl="5" marL="2592000" indent="-216000">
-              <a:spcBef>
-                <a:spcPts val="502"/>
-              </a:spcBef>
-              <a:buClr>
-                <a:srgbClr val="000000"/>
-              </a:buClr>
-              <a:buSzPct val="45000"/>
-              <a:buFont typeface="Wingdings" charset="2"/>
-              <a:buChar char=""/>
-            </a:pPr>
-            <a:r>
-              <a:rPr b="0" lang="de-DE" sz="1800" spc="-1" strike="noStrike">
-                <a:latin typeface="Arial"/>
-              </a:rPr>
-              <a:t>Sixth Outline Level</a:t>
-            </a:r>
-            <a:endParaRPr b="0" lang="de-DE" sz="1800" spc="-1" strike="noStrike">
-              <a:latin typeface="Arial"/>
-            </a:endParaRPr>
-          </a:p>
-          <a:p>
-            <a:pPr lvl="6" marL="3024000" indent="-216000">
-              <a:spcBef>
-                <a:spcPts val="502"/>
-              </a:spcBef>
-              <a:buClr>
-                <a:srgbClr val="000000"/>
-              </a:buClr>
-              <a:buSzPct val="45000"/>
-              <a:buFont typeface="Wingdings" charset="2"/>
-              <a:buChar char=""/>
-            </a:pPr>
-            <a:r>
-              <a:rPr b="0" lang="de-DE" sz="1800" spc="-1" strike="noStrike">
-                <a:latin typeface="Arial"/>
-              </a:rPr>
-              <a:t>Seventh Outline Level</a:t>
-            </a:r>
-            <a:endParaRPr b="0" lang="de-DE" sz="1800" spc="-1" strike="noStrike">
-              <a:latin typeface="Arial"/>
-            </a:endParaRPr>
-          </a:p>
-        </p:txBody>
-      </p:sp>
     </p:spTree>
   </p:cSld>
   <p:clrMap bg1="lt1" bg2="lt2" tx1="dk1" tx2="dk2" accent1="accent1" accent2="accent2" accent3="accent3" accent4="accent4" accent5="accent5" accent6="accent6" hlink="hlink" folHlink="folHlink"/>
@@ -1815,14 +1592,14 @@
       </p:grpSpPr>
       <p:sp>
         <p:nvSpPr>
-          <p:cNvPr id="38" name=""/>
+          <p:cNvPr id="36" name=""/>
           <p:cNvSpPr/>
           <p:nvPr/>
         </p:nvSpPr>
         <p:spPr>
           <a:xfrm>
-            <a:off x="2700000" y="-241200"/>
-            <a:ext cx="2651760" cy="2221200"/>
+            <a:off x="3047400" y="150120"/>
+            <a:ext cx="2277360" cy="1886040"/>
           </a:xfrm>
           <a:prstGeom prst="rect">
             <a:avLst/>
@@ -1867,23 +1644,24 @@
       </p:sp>
       <p:sp>
         <p:nvSpPr>
-          <p:cNvPr id="39" name=""/>
+          <p:cNvPr id="37" name=""/>
           <p:cNvSpPr/>
           <p:nvPr/>
         </p:nvSpPr>
         <p:spPr>
           <a:xfrm>
-            <a:off x="283320" y="1620000"/>
-            <a:ext cx="1876680" cy="900000"/>
-          </a:xfrm>
-          <a:prstGeom prst="rect">
-            <a:avLst/>
-          </a:prstGeom>
-          <a:noFill/>
-          <a:ln w="0">
+            <a:off x="1310760" y="703800"/>
+            <a:ext cx="0" cy="480600"/>
+          </a:xfrm>
+          <a:prstGeom prst="line">
+            <a:avLst/>
+          </a:prstGeom>
+          <a:ln w="72000">
             <a:solidFill>
               <a:srgbClr val="3465a4"/>
             </a:solidFill>
+            <a:round/>
+            <a:tailEnd len="med" type="triangle" w="med"/>
           </a:ln>
         </p:spPr>
         <p:style>
@@ -1892,8 +1670,61 @@
           <a:effectRef idx="0"/>
           <a:fontRef idx="minor"/>
         </p:style>
-        <p:txBody>
-          <a:bodyPr lIns="0" rIns="0" tIns="0" bIns="0" anchor="ctr">
+      </p:sp>
+      <p:sp>
+        <p:nvSpPr>
+          <p:cNvPr id="38" name=""/>
+          <p:cNvSpPr/>
+          <p:nvPr/>
+        </p:nvSpPr>
+        <p:spPr>
+          <a:xfrm>
+            <a:off x="93960" y="2255760"/>
+            <a:ext cx="2487240" cy="983880"/>
+          </a:xfrm>
+          <a:custGeom>
+            <a:avLst/>
+            <a:gdLst/>
+            <a:ahLst/>
+            <a:rect l="l" t="t" r="r" b="b"/>
+            <a:pathLst>
+              <a:path w="21600" h="21600">
+                <a:moveTo>
+                  <a:pt x="10800" y="0"/>
+                </a:moveTo>
+                <a:lnTo>
+                  <a:pt x="21600" y="10800"/>
+                </a:lnTo>
+                <a:lnTo>
+                  <a:pt x="10800" y="21600"/>
+                </a:lnTo>
+                <a:lnTo>
+                  <a:pt x="0" y="10800"/>
+                </a:lnTo>
+                <a:lnTo>
+                  <a:pt x="10800" y="0"/>
+                </a:lnTo>
+                <a:close/>
+              </a:path>
+            </a:pathLst>
+          </a:custGeom>
+          <a:solidFill>
+            <a:srgbClr val="729fcf"/>
+          </a:solidFill>
+          <a:ln w="0">
+            <a:solidFill>
+              <a:srgbClr val="3465a4"/>
+            </a:solidFill>
+          </a:ln>
+        </p:spPr>
+        <p:style>
+          <a:lnRef idx="0"/>
+          <a:fillRef idx="0"/>
+          <a:effectRef idx="0"/>
+          <a:fontRef idx="minor"/>
+        </p:style>
+        <p:txBody>
+          <a:bodyPr lIns="90000" rIns="90000" tIns="45000" bIns="45000" anchor="ctr">
             <a:noAutofit/>
           </a:bodyPr>
           <a:p>
@@ -1911,7 +1742,7 @@
                 <a:latin typeface="Arial"/>
                 <a:ea typeface="DejaVu Sans"/>
               </a:rPr>
-              <a:t>Kenntnis über die neue Elektronik</a:t>
+              <a:t>Kann ich das Gerät mieten oder leihen?</a:t>
             </a:r>
             <a:endParaRPr b="0" lang="de-DE" sz="1400" spc="-1" strike="noStrike">
               <a:latin typeface="Arial"/>
@@ -1921,19 +1752,21 @@
       </p:sp>
       <p:sp>
         <p:nvSpPr>
-          <p:cNvPr id="40" name=""/>
+          <p:cNvPr id="39" name=""/>
           <p:cNvSpPr/>
           <p:nvPr/>
         </p:nvSpPr>
         <p:spPr>
           <a:xfrm>
-            <a:off x="283680" y="6801120"/>
-            <a:ext cx="930960" cy="1159920"/>
-          </a:xfrm>
-          <a:prstGeom prst="rect">
-            <a:avLst/>
-          </a:prstGeom>
-          <a:noFill/>
+            <a:off x="610560" y="37080"/>
+            <a:ext cx="1461960" cy="732240"/>
+          </a:xfrm>
+          <a:prstGeom prst="rect">
+            <a:avLst/>
+          </a:prstGeom>
+          <a:solidFill>
+            <a:srgbClr val="729fcf"/>
+          </a:solidFill>
           <a:ln w="0">
             <a:solidFill>
               <a:srgbClr val="3465a4"/>
@@ -1947,7 +1780,7 @@
           <a:fontRef idx="minor"/>
         </p:style>
         <p:txBody>
-          <a:bodyPr lIns="0" rIns="0" tIns="0" bIns="0" anchor="ctr">
+          <a:bodyPr lIns="90000" rIns="90000" tIns="45000" bIns="45000" anchor="ctr">
             <a:noAutofit/>
           </a:bodyPr>
           <a:p>
@@ -1965,7 +1798,7 @@
                 <a:latin typeface="Arial"/>
                 <a:ea typeface="DejaVu Sans"/>
               </a:rPr>
-              <a:t>Kann ich das gebrauchen?</a:t>
+              <a:t>Situation in der ein Gerät benötigt wird</a:t>
             </a:r>
             <a:endParaRPr b="0" lang="de-DE" sz="1400" spc="-1" strike="noStrike">
               <a:latin typeface="Arial"/>
@@ -1975,19 +1808,21 @@
       </p:sp>
       <p:sp>
         <p:nvSpPr>
-          <p:cNvPr id="41" name=""/>
+          <p:cNvPr id="40" name=""/>
           <p:cNvSpPr/>
           <p:nvPr/>
         </p:nvSpPr>
         <p:spPr>
           <a:xfrm>
-            <a:off x="1518480" y="5201280"/>
-            <a:ext cx="930960" cy="1159920"/>
-          </a:xfrm>
-          <a:prstGeom prst="rect">
-            <a:avLst/>
-          </a:prstGeom>
-          <a:noFill/>
+            <a:off x="666000" y="1184400"/>
+            <a:ext cx="2111040" cy="776160"/>
+          </a:xfrm>
+          <a:prstGeom prst="rect">
+            <a:avLst/>
+          </a:prstGeom>
+          <a:solidFill>
+            <a:srgbClr val="729fcf"/>
+          </a:solidFill>
           <a:ln w="0">
             <a:solidFill>
               <a:srgbClr val="3465a4"/>
@@ -2001,7 +1836,7 @@
           <a:fontRef idx="minor"/>
         </p:style>
         <p:txBody>
-          <a:bodyPr lIns="0" rIns="0" tIns="0" bIns="0" anchor="ctr">
+          <a:bodyPr lIns="90000" rIns="90000" tIns="45000" bIns="45000" anchor="ctr">
             <a:noAutofit/>
           </a:bodyPr>
           <a:p>
@@ -2019,7 +1854,7 @@
                 <a:latin typeface="Arial"/>
                 <a:ea typeface="DejaVu Sans"/>
               </a:rPr>
-              <a:t>Erleichtert es mir den Alltag</a:t>
+              <a:t>Recherche über die Technik und die Erwerbsmöglichkeiten</a:t>
             </a:r>
             <a:endParaRPr b="0" lang="de-DE" sz="1400" spc="-1" strike="noStrike">
               <a:latin typeface="Arial"/>
@@ -2029,19 +1864,21 @@
       </p:sp>
       <p:sp>
         <p:nvSpPr>
-          <p:cNvPr id="42" name=""/>
+          <p:cNvPr id="41" name=""/>
           <p:cNvSpPr/>
           <p:nvPr/>
         </p:nvSpPr>
         <p:spPr>
           <a:xfrm>
-            <a:off x="303840" y="8839080"/>
-            <a:ext cx="930960" cy="1159920"/>
-          </a:xfrm>
-          <a:prstGeom prst="rect">
-            <a:avLst/>
-          </a:prstGeom>
-          <a:noFill/>
+            <a:off x="610560" y="37080"/>
+            <a:ext cx="1461960" cy="732240"/>
+          </a:xfrm>
+          <a:prstGeom prst="rect">
+            <a:avLst/>
+          </a:prstGeom>
+          <a:solidFill>
+            <a:srgbClr val="729fcf"/>
+          </a:solidFill>
           <a:ln w="0">
             <a:solidFill>
               <a:srgbClr val="3465a4"/>
@@ -2055,7 +1892,7 @@
           <a:fontRef idx="minor"/>
         </p:style>
         <p:txBody>
-          <a:bodyPr lIns="0" rIns="0" tIns="0" bIns="0" anchor="ctr">
+          <a:bodyPr lIns="90000" rIns="90000" tIns="45000" bIns="45000" anchor="ctr">
             <a:noAutofit/>
           </a:bodyPr>
           <a:p>
@@ -2073,7 +1910,7 @@
                 <a:latin typeface="Arial"/>
                 <a:ea typeface="DejaVu Sans"/>
               </a:rPr>
-              <a:t>Kein Kauf</a:t>
+              <a:t>Situation in der ein Gerät benötigt wird</a:t>
             </a:r>
             <a:endParaRPr b="0" lang="de-DE" sz="1400" spc="-1" strike="noStrike">
               <a:latin typeface="Arial"/>
@@ -2083,19 +1920,21 @@
       </p:sp>
       <p:sp>
         <p:nvSpPr>
-          <p:cNvPr id="43" name=""/>
+          <p:cNvPr id="42" name=""/>
           <p:cNvSpPr/>
           <p:nvPr/>
         </p:nvSpPr>
         <p:spPr>
           <a:xfrm>
-            <a:off x="2733480" y="5201280"/>
-            <a:ext cx="930960" cy="1159920"/>
-          </a:xfrm>
-          <a:prstGeom prst="rect">
-            <a:avLst/>
-          </a:prstGeom>
-          <a:noFill/>
+            <a:off x="610560" y="37080"/>
+            <a:ext cx="1461960" cy="732240"/>
+          </a:xfrm>
+          <a:prstGeom prst="rect">
+            <a:avLst/>
+          </a:prstGeom>
+          <a:solidFill>
+            <a:srgbClr val="729fcf"/>
+          </a:solidFill>
           <a:ln w="0">
             <a:solidFill>
               <a:srgbClr val="3465a4"/>
@@ -2109,7 +1948,7 @@
           <a:fontRef idx="minor"/>
         </p:style>
         <p:txBody>
-          <a:bodyPr lIns="0" rIns="0" tIns="0" bIns="0" anchor="ctr">
+          <a:bodyPr lIns="90000" rIns="90000" tIns="45000" bIns="45000" anchor="ctr">
             <a:noAutofit/>
           </a:bodyPr>
           <a:p>
@@ -2127,7 +1966,7 @@
                 <a:latin typeface="Arial"/>
                 <a:ea typeface="DejaVu Sans"/>
               </a:rPr>
-              <a:t>Kann ich es gebraucht kaufen?</a:t>
+              <a:t>Situation in der ein Gerät benötigt wird</a:t>
             </a:r>
             <a:endParaRPr b="0" lang="de-DE" sz="1400" spc="-1" strike="noStrike">
               <a:latin typeface="Arial"/>
@@ -2137,23 +1976,24 @@
       </p:sp>
       <p:sp>
         <p:nvSpPr>
-          <p:cNvPr id="44" name=""/>
+          <p:cNvPr id="43" name=""/>
           <p:cNvSpPr/>
           <p:nvPr/>
         </p:nvSpPr>
         <p:spPr>
           <a:xfrm>
-            <a:off x="2733480" y="7440840"/>
-            <a:ext cx="930960" cy="1159920"/>
-          </a:xfrm>
-          <a:prstGeom prst="rect">
-            <a:avLst/>
-          </a:prstGeom>
-          <a:noFill/>
-          <a:ln w="0">
+            <a:off x="1521000" y="1883880"/>
+            <a:ext cx="360" cy="371880"/>
+          </a:xfrm>
+          <a:prstGeom prst="line">
+            <a:avLst/>
+          </a:prstGeom>
+          <a:ln w="72000">
             <a:solidFill>
               <a:srgbClr val="3465a4"/>
             </a:solidFill>
+            <a:round/>
+            <a:tailEnd len="med" type="triangle" w="med"/>
           </a:ln>
         </p:spPr>
         <p:style>
@@ -2162,8 +2002,38 @@
           <a:effectRef idx="0"/>
           <a:fontRef idx="minor"/>
         </p:style>
-        <p:txBody>
-          <a:bodyPr lIns="0" rIns="0" tIns="0" bIns="0" anchor="ctr">
+      </p:sp>
+      <p:sp>
+        <p:nvSpPr>
+          <p:cNvPr id="44" name=""/>
+          <p:cNvSpPr/>
+          <p:nvPr/>
+        </p:nvSpPr>
+        <p:spPr>
+          <a:xfrm>
+            <a:off x="3264120" y="2387160"/>
+            <a:ext cx="1461960" cy="732600"/>
+          </a:xfrm>
+          <a:prstGeom prst="rect">
+            <a:avLst/>
+          </a:prstGeom>
+          <a:solidFill>
+            <a:srgbClr val="729fcf"/>
+          </a:solidFill>
+          <a:ln w="0">
+            <a:solidFill>
+              <a:srgbClr val="3465a4"/>
+            </a:solidFill>
+          </a:ln>
+        </p:spPr>
+        <p:style>
+          <a:lnRef idx="0"/>
+          <a:fillRef idx="0"/>
+          <a:effectRef idx="0"/>
+          <a:fontRef idx="minor"/>
+        </p:style>
+        <p:txBody>
+          <a:bodyPr lIns="90000" rIns="90000" tIns="45000" bIns="45000" anchor="ctr">
             <a:noAutofit/>
           </a:bodyPr>
           <a:p>
@@ -2181,7 +2051,7 @@
                 <a:latin typeface="Arial"/>
                 <a:ea typeface="DejaVu Sans"/>
               </a:rPr>
-              <a:t>Wie viele Resourcen werden bei Neukauf verbraucht?</a:t>
+              <a:t>Mieten oder Leihen</a:t>
             </a:r>
             <a:endParaRPr b="0" lang="de-DE" sz="1400" spc="-1" strike="noStrike">
               <a:latin typeface="Arial"/>
@@ -2196,18 +2066,19 @@
           <p:nvPr/>
         </p:nvSpPr>
         <p:spPr>
-          <a:xfrm>
-            <a:off x="3948480" y="5201280"/>
-            <a:ext cx="930960" cy="1159920"/>
-          </a:xfrm>
-          <a:prstGeom prst="rect">
-            <a:avLst/>
-          </a:prstGeom>
-          <a:noFill/>
-          <a:ln w="0">
+          <a:xfrm flipV="1">
+            <a:off x="2516400" y="2721240"/>
+            <a:ext cx="747720" cy="16920"/>
+          </a:xfrm>
+          <a:prstGeom prst="line">
+            <a:avLst/>
+          </a:prstGeom>
+          <a:ln w="72000">
             <a:solidFill>
               <a:srgbClr val="3465a4"/>
             </a:solidFill>
+            <a:round/>
+            <a:tailEnd len="med" type="triangle" w="med"/>
           </a:ln>
         </p:spPr>
         <p:style>
@@ -2216,8 +2087,38 @@
           <a:effectRef idx="0"/>
           <a:fontRef idx="minor"/>
         </p:style>
-        <p:txBody>
-          <a:bodyPr lIns="0" rIns="0" tIns="0" bIns="0" anchor="ctr">
+      </p:sp>
+      <p:sp>
+        <p:nvSpPr>
+          <p:cNvPr id="46" name=""/>
+          <p:cNvSpPr/>
+          <p:nvPr/>
+        </p:nvSpPr>
+        <p:spPr>
+          <a:xfrm>
+            <a:off x="771120" y="3633840"/>
+            <a:ext cx="1894680" cy="732600"/>
+          </a:xfrm>
+          <a:prstGeom prst="rect">
+            <a:avLst/>
+          </a:prstGeom>
+          <a:solidFill>
+            <a:srgbClr val="729fcf"/>
+          </a:solidFill>
+          <a:ln w="0">
+            <a:solidFill>
+              <a:srgbClr val="3465a4"/>
+            </a:solidFill>
+          </a:ln>
+        </p:spPr>
+        <p:style>
+          <a:lnRef idx="0"/>
+          <a:fillRef idx="0"/>
+          <a:effectRef idx="0"/>
+          <a:fontRef idx="minor"/>
+        </p:style>
+        <p:txBody>
+          <a:bodyPr lIns="90000" rIns="90000" tIns="45000" bIns="45000" anchor="ctr">
             <a:noAutofit/>
           </a:bodyPr>
           <a:p>
@@ -2235,7 +2136,7 @@
                 <a:latin typeface="Arial"/>
                 <a:ea typeface="DejaVu Sans"/>
               </a:rPr>
-              <a:t>Abwarten ob ich es nach 4 Wochen noch misse.</a:t>
+              <a:t>Situation, in der das Gerät abermals benötigt wird</a:t>
             </a:r>
             <a:endParaRPr b="0" lang="de-DE" sz="1400" spc="-1" strike="noStrike">
               <a:latin typeface="Arial"/>
@@ -2245,23 +2146,60 @@
       </p:sp>
       <p:sp>
         <p:nvSpPr>
-          <p:cNvPr id="46" name=""/>
+          <p:cNvPr id="47" name=""/>
+          <p:cNvSpPr txBox="1"/>
+          <p:nvPr/>
+        </p:nvSpPr>
+        <p:spPr>
+          <a:xfrm>
+            <a:off x="2716560" y="2403000"/>
+            <a:ext cx="547560" cy="346320"/>
+          </a:xfrm>
+          <a:prstGeom prst="rect">
+            <a:avLst/>
+          </a:prstGeom>
+          <a:noFill/>
+          <a:ln w="0">
+            <a:noFill/>
+          </a:ln>
+        </p:spPr>
+        <p:txBody>
+          <a:bodyPr lIns="90000" rIns="90000" tIns="45000" bIns="45000" anchor="t">
+            <a:noAutofit/>
+          </a:bodyPr>
+          <a:p>
+            <a:r>
+              <a:rPr b="1" lang="de-DE" sz="1800" spc="-1" strike="noStrike">
+                <a:latin typeface="Arial"/>
+              </a:rPr>
+              <a:t>JA</a:t>
+            </a:r>
+            <a:endParaRPr b="0" lang="de-DE" sz="1800" spc="-1" strike="noStrike">
+              <a:latin typeface="Arial"/>
+            </a:endParaRPr>
+          </a:p>
+        </p:txBody>
+      </p:sp>
+      <p:sp>
+        <p:nvSpPr>
+          <p:cNvPr id="48" name=""/>
           <p:cNvSpPr/>
           <p:nvPr/>
         </p:nvSpPr>
         <p:spPr>
           <a:xfrm>
-            <a:off x="4029480" y="7440840"/>
-            <a:ext cx="930960" cy="1159920"/>
-          </a:xfrm>
-          <a:prstGeom prst="rect">
-            <a:avLst/>
-          </a:prstGeom>
-          <a:noFill/>
-          <a:ln w="0">
+            <a:off x="1528200" y="3239640"/>
+            <a:ext cx="13680" cy="412200"/>
+          </a:xfrm>
+          <a:prstGeom prst="line">
+            <a:avLst/>
+          </a:prstGeom>
+          <a:ln w="72000">
             <a:solidFill>
               <a:srgbClr val="3465a4"/>
             </a:solidFill>
+            <a:round/>
+            <a:tailEnd len="med" type="triangle" w="med"/>
           </a:ln>
         </p:spPr>
         <p:style>
@@ -2270,8 +2208,97 @@
           <a:effectRef idx="0"/>
           <a:fontRef idx="minor"/>
         </p:style>
-        <p:txBody>
-          <a:bodyPr lIns="0" rIns="0" tIns="0" bIns="0" anchor="ctr">
+      </p:sp>
+      <p:sp>
+        <p:nvSpPr>
+          <p:cNvPr id="49" name=""/>
+          <p:cNvSpPr txBox="1"/>
+          <p:nvPr/>
+        </p:nvSpPr>
+        <p:spPr>
+          <a:xfrm>
+            <a:off x="1629000" y="3239640"/>
+            <a:ext cx="925560" cy="453600"/>
+          </a:xfrm>
+          <a:prstGeom prst="rect">
+            <a:avLst/>
+          </a:prstGeom>
+          <a:noFill/>
+          <a:ln w="0">
+            <a:noFill/>
+          </a:ln>
+        </p:spPr>
+        <p:txBody>
+          <a:bodyPr lIns="90000" rIns="90000" tIns="45000" bIns="45000" anchor="t">
+            <a:noAutofit/>
+          </a:bodyPr>
+          <a:p>
+            <a:r>
+              <a:rPr b="1" lang="de-DE" sz="1800" spc="-1" strike="noStrike">
+                <a:latin typeface="Arial"/>
+              </a:rPr>
+              <a:t>NEIN</a:t>
+            </a:r>
+            <a:endParaRPr b="0" lang="de-DE" sz="1800" spc="-1" strike="noStrike">
+              <a:latin typeface="Arial"/>
+            </a:endParaRPr>
+          </a:p>
+        </p:txBody>
+      </p:sp>
+      <p:sp>
+        <p:nvSpPr>
+          <p:cNvPr id="50" name=""/>
+          <p:cNvSpPr/>
+          <p:nvPr/>
+        </p:nvSpPr>
+        <p:spPr>
+          <a:xfrm>
+            <a:off x="-64800" y="4630320"/>
+            <a:ext cx="2983320" cy="836280"/>
+          </a:xfrm>
+          <a:custGeom>
+            <a:avLst/>
+            <a:gdLst/>
+            <a:ahLst/>
+            <a:rect l="l" t="t" r="r" b="b"/>
+            <a:pathLst>
+              <a:path w="21600" h="21600">
+                <a:moveTo>
+                  <a:pt x="10800" y="0"/>
+                </a:moveTo>
+                <a:lnTo>
+                  <a:pt x="21600" y="10800"/>
+                </a:lnTo>
+                <a:lnTo>
+                  <a:pt x="10800" y="21600"/>
+                </a:lnTo>
+                <a:lnTo>
+                  <a:pt x="0" y="10800"/>
+                </a:lnTo>
+                <a:lnTo>
+                  <a:pt x="10800" y="0"/>
+                </a:lnTo>
+                <a:close/>
+              </a:path>
+            </a:pathLst>
+          </a:custGeom>
+          <a:solidFill>
+            <a:srgbClr val="729fcf"/>
+          </a:solidFill>
+          <a:ln w="0">
+            <a:solidFill>
+              <a:srgbClr val="3465a4"/>
+            </a:solidFill>
+          </a:ln>
+        </p:spPr>
+        <p:style>
+          <a:lnRef idx="0"/>
+          <a:fillRef idx="0"/>
+          <a:effectRef idx="0"/>
+          <a:fontRef idx="minor"/>
+        </p:style>
+        <p:txBody>
+          <a:bodyPr lIns="90000" rIns="90000" tIns="45000" bIns="45000" anchor="ctr">
             <a:noAutofit/>
           </a:bodyPr>
           <a:p>
@@ -2289,7 +2316,7 @@
                 <a:latin typeface="Arial"/>
                 <a:ea typeface="DejaVu Sans"/>
               </a:rPr>
-              <a:t>Vermisse ich es immer noch?</a:t>
+              <a:t>Kann ich das Gerät gebraucht kaufen?</a:t>
             </a:r>
             <a:endParaRPr b="0" lang="de-DE" sz="1400" spc="-1" strike="noStrike">
               <a:latin typeface="Arial"/>
@@ -2299,23 +2326,24 @@
       </p:sp>
       <p:sp>
         <p:nvSpPr>
-          <p:cNvPr id="47" name=""/>
+          <p:cNvPr id="51" name=""/>
           <p:cNvSpPr/>
           <p:nvPr/>
         </p:nvSpPr>
         <p:spPr>
           <a:xfrm>
-            <a:off x="4333320" y="9159120"/>
-            <a:ext cx="930960" cy="1159920"/>
-          </a:xfrm>
-          <a:prstGeom prst="rect">
-            <a:avLst/>
-          </a:prstGeom>
-          <a:noFill/>
-          <a:ln w="0">
+            <a:off x="1597680" y="4361400"/>
+            <a:ext cx="13680" cy="268920"/>
+          </a:xfrm>
+          <a:prstGeom prst="line">
+            <a:avLst/>
+          </a:prstGeom>
+          <a:ln w="72000">
             <a:solidFill>
               <a:srgbClr val="3465a4"/>
             </a:solidFill>
+            <a:round/>
+            <a:tailEnd len="med" type="triangle" w="med"/>
           </a:ln>
         </p:spPr>
         <p:style>
@@ -2324,8 +2352,38 @@
           <a:effectRef idx="0"/>
           <a:fontRef idx="minor"/>
         </p:style>
-        <p:txBody>
-          <a:bodyPr lIns="0" rIns="0" tIns="0" bIns="0" anchor="ctr">
+      </p:sp>
+      <p:sp>
+        <p:nvSpPr>
+          <p:cNvPr id="52" name=""/>
+          <p:cNvSpPr/>
+          <p:nvPr/>
+        </p:nvSpPr>
+        <p:spPr>
+          <a:xfrm>
+            <a:off x="3489840" y="4680720"/>
+            <a:ext cx="1461960" cy="732600"/>
+          </a:xfrm>
+          <a:prstGeom prst="rect">
+            <a:avLst/>
+          </a:prstGeom>
+          <a:solidFill>
+            <a:srgbClr val="729fcf"/>
+          </a:solidFill>
+          <a:ln w="0">
+            <a:solidFill>
+              <a:srgbClr val="3465a4"/>
+            </a:solidFill>
+          </a:ln>
+        </p:spPr>
+        <p:style>
+          <a:lnRef idx="0"/>
+          <a:fillRef idx="0"/>
+          <a:effectRef idx="0"/>
+          <a:fontRef idx="minor"/>
+        </p:style>
+        <p:txBody>
+          <a:bodyPr lIns="90000" rIns="90000" tIns="45000" bIns="45000" anchor="ctr">
             <a:noAutofit/>
           </a:bodyPr>
           <a:p>
@@ -2343,7 +2401,7 @@
                 <a:latin typeface="Arial"/>
                 <a:ea typeface="DejaVu Sans"/>
               </a:rPr>
-              <a:t>Kauf</a:t>
+              <a:t>Gebrauchtkauf</a:t>
             </a:r>
             <a:endParaRPr b="0" lang="de-DE" sz="1400" spc="-1" strike="noStrike">
               <a:latin typeface="Arial"/>
@@ -2353,23 +2411,24 @@
       </p:sp>
       <p:sp>
         <p:nvSpPr>
-          <p:cNvPr id="48" name=""/>
+          <p:cNvPr id="53" name=""/>
           <p:cNvSpPr/>
           <p:nvPr/>
         </p:nvSpPr>
         <p:spPr>
-          <a:xfrm>
-            <a:off x="303840" y="3399840"/>
-            <a:ext cx="930960" cy="1159920"/>
-          </a:xfrm>
-          <a:prstGeom prst="rect">
-            <a:avLst/>
-          </a:prstGeom>
-          <a:noFill/>
-          <a:ln w="0">
+          <a:xfrm flipV="1">
+            <a:off x="2918520" y="5014440"/>
+            <a:ext cx="571320" cy="17280"/>
+          </a:xfrm>
+          <a:prstGeom prst="line">
+            <a:avLst/>
+          </a:prstGeom>
+          <a:ln w="72000">
             <a:solidFill>
               <a:srgbClr val="3465a4"/>
             </a:solidFill>
+            <a:round/>
+            <a:tailEnd len="med" type="triangle" w="med"/>
           </a:ln>
         </p:spPr>
         <p:style>
@@ -2378,8 +2437,74 @@
           <a:effectRef idx="0"/>
           <a:fontRef idx="minor"/>
         </p:style>
-        <p:txBody>
-          <a:bodyPr lIns="0" rIns="0" tIns="0" bIns="0" anchor="ctr">
+      </p:sp>
+      <p:sp>
+        <p:nvSpPr>
+          <p:cNvPr id="54" name=""/>
+          <p:cNvSpPr txBox="1"/>
+          <p:nvPr/>
+        </p:nvSpPr>
+        <p:spPr>
+          <a:xfrm>
+            <a:off x="2942280" y="4696560"/>
+            <a:ext cx="547560" cy="346320"/>
+          </a:xfrm>
+          <a:prstGeom prst="rect">
+            <a:avLst/>
+          </a:prstGeom>
+          <a:noFill/>
+          <a:ln w="0">
+            <a:noFill/>
+          </a:ln>
+        </p:spPr>
+        <p:txBody>
+          <a:bodyPr lIns="90000" rIns="90000" tIns="45000" bIns="45000" anchor="t">
+            <a:noAutofit/>
+          </a:bodyPr>
+          <a:p>
+            <a:r>
+              <a:rPr b="1" lang="de-DE" sz="1800" spc="-1" strike="noStrike">
+                <a:latin typeface="Arial"/>
+              </a:rPr>
+              <a:t>JA</a:t>
+            </a:r>
+            <a:endParaRPr b="0" lang="de-DE" sz="1800" spc="-1" strike="noStrike">
+              <a:latin typeface="Arial"/>
+            </a:endParaRPr>
+          </a:p>
+        </p:txBody>
+      </p:sp>
+      <p:sp>
+        <p:nvSpPr>
+          <p:cNvPr id="55" name=""/>
+          <p:cNvSpPr/>
+          <p:nvPr/>
+        </p:nvSpPr>
+        <p:spPr>
+          <a:xfrm>
+            <a:off x="562320" y="5861160"/>
+            <a:ext cx="2309760" cy="732240"/>
+          </a:xfrm>
+          <a:prstGeom prst="rect">
+            <a:avLst/>
+          </a:prstGeom>
+          <a:solidFill>
+            <a:srgbClr val="729fcf"/>
+          </a:solidFill>
+          <a:ln w="0">
+            <a:solidFill>
+              <a:srgbClr val="3465a4"/>
+            </a:solidFill>
+          </a:ln>
+        </p:spPr>
+        <p:style>
+          <a:lnRef idx="0"/>
+          <a:fillRef idx="0"/>
+          <a:effectRef idx="0"/>
+          <a:fontRef idx="minor"/>
+        </p:style>
+        <p:txBody>
+          <a:bodyPr lIns="90000" rIns="90000" tIns="45000" bIns="45000" anchor="ctr">
             <a:noAutofit/>
           </a:bodyPr>
           <a:p>
@@ -2397,7 +2522,7 @@
                 <a:latin typeface="Arial"/>
                 <a:ea typeface="DejaVu Sans"/>
               </a:rPr>
-              <a:t>Recherche über die neue Technik.</a:t>
+              <a:t>Vergleich aller Angebote und Beratung im Einzelhandel</a:t>
             </a:r>
             <a:endParaRPr b="0" lang="de-DE" sz="1400" spc="-1" strike="noStrike">
               <a:latin typeface="Arial"/>
@@ -2407,22 +2532,23 @@
       </p:sp>
       <p:sp>
         <p:nvSpPr>
-          <p:cNvPr id="49" name=""/>
+          <p:cNvPr id="56" name=""/>
           <p:cNvSpPr/>
           <p:nvPr/>
         </p:nvSpPr>
         <p:spPr>
           <a:xfrm>
-            <a:off x="708480" y="2961360"/>
-            <a:ext cx="360" cy="438120"/>
+            <a:off x="1605240" y="5466600"/>
+            <a:ext cx="13680" cy="412200"/>
           </a:xfrm>
           <a:prstGeom prst="line">
             <a:avLst/>
           </a:prstGeom>
-          <a:ln w="0">
+          <a:ln w="72000">
             <a:solidFill>
               <a:srgbClr val="3465a4"/>
             </a:solidFill>
+            <a:round/>
             <a:tailEnd len="med" type="triangle" w="med"/>
           </a:ln>
         </p:spPr>
@@ -2435,23 +2561,84 @@
       </p:sp>
       <p:sp>
         <p:nvSpPr>
-          <p:cNvPr id="50" name=""/>
+          <p:cNvPr id="57" name=""/>
+          <p:cNvSpPr txBox="1"/>
+          <p:nvPr/>
+        </p:nvSpPr>
+        <p:spPr>
+          <a:xfrm>
+            <a:off x="1706040" y="5466600"/>
+            <a:ext cx="896400" cy="544320"/>
+          </a:xfrm>
+          <a:prstGeom prst="rect">
+            <a:avLst/>
+          </a:prstGeom>
+          <a:noFill/>
+          <a:ln w="0">
+            <a:noFill/>
+          </a:ln>
+        </p:spPr>
+        <p:txBody>
+          <a:bodyPr lIns="90000" rIns="90000" tIns="45000" bIns="45000" anchor="t">
+            <a:noAutofit/>
+          </a:bodyPr>
+          <a:p>
+            <a:r>
+              <a:rPr b="1" lang="de-DE" sz="1800" spc="-1" strike="noStrike">
+                <a:latin typeface="Arial"/>
+              </a:rPr>
+              <a:t>NEIN</a:t>
+            </a:r>
+            <a:endParaRPr b="0" lang="de-DE" sz="1800" spc="-1" strike="noStrike">
+              <a:latin typeface="Arial"/>
+            </a:endParaRPr>
+          </a:p>
+        </p:txBody>
+      </p:sp>
+      <p:sp>
+        <p:nvSpPr>
+          <p:cNvPr id="58" name=""/>
           <p:cNvSpPr/>
           <p:nvPr/>
         </p:nvSpPr>
         <p:spPr>
           <a:xfrm>
-            <a:off x="708480" y="4561200"/>
-            <a:ext cx="360" cy="639720"/>
-          </a:xfrm>
-          <a:prstGeom prst="line">
-            <a:avLst/>
-          </a:prstGeom>
+            <a:off x="-639720" y="6892560"/>
+            <a:ext cx="4370040" cy="2000880"/>
+          </a:xfrm>
+          <a:custGeom>
+            <a:avLst/>
+            <a:gdLst/>
+            <a:ahLst/>
+            <a:rect l="l" t="t" r="r" b="b"/>
+            <a:pathLst>
+              <a:path w="21600" h="21600">
+                <a:moveTo>
+                  <a:pt x="10800" y="0"/>
+                </a:moveTo>
+                <a:lnTo>
+                  <a:pt x="21600" y="10800"/>
+                </a:lnTo>
+                <a:lnTo>
+                  <a:pt x="10800" y="21600"/>
+                </a:lnTo>
+                <a:lnTo>
+                  <a:pt x="0" y="10800"/>
+                </a:lnTo>
+                <a:lnTo>
+                  <a:pt x="10800" y="0"/>
+                </a:lnTo>
+                <a:close/>
+              </a:path>
+            </a:pathLst>
+          </a:custGeom>
+          <a:solidFill>
+            <a:srgbClr val="729fcf"/>
+          </a:solidFill>
           <a:ln w="0">
             <a:solidFill>
               <a:srgbClr val="3465a4"/>
             </a:solidFill>
-            <a:tailEnd len="med" type="triangle" w="med"/>
           </a:ln>
         </p:spPr>
         <p:style>
@@ -2460,316 +2647,8 @@
           <a:effectRef idx="0"/>
           <a:fontRef idx="minor"/>
         </p:style>
-      </p:sp>
-      <p:sp>
-        <p:nvSpPr>
-          <p:cNvPr id="51" name=""/>
-          <p:cNvSpPr/>
-          <p:nvPr/>
-        </p:nvSpPr>
-        <p:spPr>
-          <a:xfrm>
-            <a:off x="810000" y="8080920"/>
-            <a:ext cx="360" cy="758160"/>
-          </a:xfrm>
-          <a:prstGeom prst="line">
-            <a:avLst/>
-          </a:prstGeom>
-          <a:ln w="0">
-            <a:solidFill>
-              <a:srgbClr val="3465a4"/>
-            </a:solidFill>
-            <a:tailEnd len="med" type="triangle" w="med"/>
-          </a:ln>
-        </p:spPr>
-        <p:style>
-          <a:lnRef idx="0"/>
-          <a:fillRef idx="0"/>
-          <a:effectRef idx="0"/>
-          <a:fontRef idx="minor"/>
-        </p:style>
-      </p:sp>
-      <p:sp>
-        <p:nvSpPr>
-          <p:cNvPr id="52" name=""/>
-          <p:cNvSpPr/>
-          <p:nvPr/>
-        </p:nvSpPr>
-        <p:spPr>
-          <a:xfrm flipV="1">
-            <a:off x="1235160" y="5841720"/>
-            <a:ext cx="283320" cy="1279080"/>
-          </a:xfrm>
-          <a:prstGeom prst="line">
-            <a:avLst/>
-          </a:prstGeom>
-          <a:ln w="0">
-            <a:solidFill>
-              <a:srgbClr val="3465a4"/>
-            </a:solidFill>
-            <a:tailEnd len="med" type="triangle" w="med"/>
-          </a:ln>
-        </p:spPr>
-        <p:style>
-          <a:lnRef idx="0"/>
-          <a:fillRef idx="0"/>
-          <a:effectRef idx="0"/>
-          <a:fontRef idx="minor"/>
-        </p:style>
-      </p:sp>
-      <p:sp>
-        <p:nvSpPr>
-          <p:cNvPr id="53" name=""/>
-          <p:cNvSpPr/>
-          <p:nvPr/>
-        </p:nvSpPr>
-        <p:spPr>
-          <a:xfrm>
-            <a:off x="2450160" y="5521320"/>
-            <a:ext cx="283320" cy="360"/>
-          </a:xfrm>
-          <a:prstGeom prst="line">
-            <a:avLst/>
-          </a:prstGeom>
-          <a:ln w="0">
-            <a:solidFill>
-              <a:srgbClr val="3465a4"/>
-            </a:solidFill>
-            <a:tailEnd len="med" type="triangle" w="med"/>
-          </a:ln>
-        </p:spPr>
-        <p:style>
-          <a:lnRef idx="0"/>
-          <a:fillRef idx="0"/>
-          <a:effectRef idx="0"/>
-          <a:fontRef idx="minor"/>
-        </p:style>
-      </p:sp>
-      <p:sp>
-        <p:nvSpPr>
-          <p:cNvPr id="54" name=""/>
-          <p:cNvSpPr/>
-          <p:nvPr/>
-        </p:nvSpPr>
-        <p:spPr>
-          <a:xfrm>
-            <a:off x="3441960" y="6362640"/>
-            <a:ext cx="360" cy="1078200"/>
-          </a:xfrm>
-          <a:prstGeom prst="line">
-            <a:avLst/>
-          </a:prstGeom>
-          <a:ln w="0">
-            <a:solidFill>
-              <a:srgbClr val="3465a4"/>
-            </a:solidFill>
-            <a:tailEnd len="med" type="triangle" w="med"/>
-          </a:ln>
-        </p:spPr>
-        <p:style>
-          <a:lnRef idx="0"/>
-          <a:fillRef idx="0"/>
-          <a:effectRef idx="0"/>
-          <a:fontRef idx="minor"/>
-        </p:style>
-      </p:sp>
-      <p:sp>
-        <p:nvSpPr>
-          <p:cNvPr id="55" name=""/>
-          <p:cNvSpPr/>
-          <p:nvPr/>
-        </p:nvSpPr>
-        <p:spPr>
-          <a:xfrm flipH="1">
-            <a:off x="1235160" y="6362640"/>
-            <a:ext cx="789840" cy="2678040"/>
-          </a:xfrm>
-          <a:prstGeom prst="line">
-            <a:avLst/>
-          </a:prstGeom>
-          <a:ln w="0">
-            <a:solidFill>
-              <a:srgbClr val="3465a4"/>
-            </a:solidFill>
-            <a:tailEnd len="med" type="triangle" w="med"/>
-          </a:ln>
-        </p:spPr>
-        <p:style>
-          <a:lnRef idx="0"/>
-          <a:fillRef idx="0"/>
-          <a:effectRef idx="0"/>
-          <a:fontRef idx="minor"/>
-        </p:style>
-      </p:sp>
-      <p:sp>
-        <p:nvSpPr>
-          <p:cNvPr id="56" name=""/>
-          <p:cNvSpPr/>
-          <p:nvPr/>
-        </p:nvSpPr>
-        <p:spPr>
-          <a:xfrm flipH="1">
-            <a:off x="1235160" y="8080920"/>
-            <a:ext cx="1498320" cy="1279800"/>
-          </a:xfrm>
-          <a:prstGeom prst="line">
-            <a:avLst/>
-          </a:prstGeom>
-          <a:ln w="0">
-            <a:solidFill>
-              <a:srgbClr val="3465a4"/>
-            </a:solidFill>
-            <a:tailEnd len="med" type="triangle" w="med"/>
-          </a:ln>
-        </p:spPr>
-        <p:style>
-          <a:lnRef idx="0"/>
-          <a:fillRef idx="0"/>
-          <a:effectRef idx="0"/>
-          <a:fontRef idx="minor"/>
-        </p:style>
-      </p:sp>
-      <p:sp>
-        <p:nvSpPr>
-          <p:cNvPr id="57" name=""/>
-          <p:cNvSpPr/>
-          <p:nvPr/>
-        </p:nvSpPr>
-        <p:spPr>
-          <a:xfrm flipH="1">
-            <a:off x="1235160" y="8602560"/>
-            <a:ext cx="2915640" cy="1078200"/>
-          </a:xfrm>
-          <a:prstGeom prst="line">
-            <a:avLst/>
-          </a:prstGeom>
-          <a:ln w="0">
-            <a:solidFill>
-              <a:srgbClr val="3465a4"/>
-            </a:solidFill>
-            <a:tailEnd len="med" type="triangle" w="med"/>
-          </a:ln>
-        </p:spPr>
-        <p:style>
-          <a:lnRef idx="0"/>
-          <a:fillRef idx="0"/>
-          <a:effectRef idx="0"/>
-          <a:fontRef idx="minor"/>
-        </p:style>
-      </p:sp>
-      <p:sp>
-        <p:nvSpPr>
-          <p:cNvPr id="58" name=""/>
-          <p:cNvSpPr/>
-          <p:nvPr/>
-        </p:nvSpPr>
-        <p:spPr>
-          <a:xfrm>
-            <a:off x="3664800" y="5521320"/>
-            <a:ext cx="283320" cy="360"/>
-          </a:xfrm>
-          <a:prstGeom prst="line">
-            <a:avLst/>
-          </a:prstGeom>
-          <a:ln w="0">
-            <a:solidFill>
-              <a:srgbClr val="3465a4"/>
-            </a:solidFill>
-            <a:tailEnd len="med" type="triangle" w="med"/>
-          </a:ln>
-        </p:spPr>
-        <p:style>
-          <a:lnRef idx="0"/>
-          <a:fillRef idx="0"/>
-          <a:effectRef idx="0"/>
-          <a:fontRef idx="minor"/>
-        </p:style>
-      </p:sp>
-      <p:sp>
-        <p:nvSpPr>
-          <p:cNvPr id="59" name=""/>
-          <p:cNvSpPr/>
-          <p:nvPr/>
-        </p:nvSpPr>
-        <p:spPr>
-          <a:xfrm>
-            <a:off x="4656960" y="6362640"/>
-            <a:ext cx="360" cy="1078200"/>
-          </a:xfrm>
-          <a:prstGeom prst="line">
-            <a:avLst/>
-          </a:prstGeom>
-          <a:ln w="0">
-            <a:solidFill>
-              <a:srgbClr val="3465a4"/>
-            </a:solidFill>
-            <a:tailEnd len="med" type="triangle" w="med"/>
-          </a:ln>
-        </p:spPr>
-        <p:style>
-          <a:lnRef idx="0"/>
-          <a:fillRef idx="0"/>
-          <a:effectRef idx="0"/>
-          <a:fontRef idx="minor"/>
-        </p:style>
-      </p:sp>
-      <p:sp>
-        <p:nvSpPr>
-          <p:cNvPr id="60" name=""/>
-          <p:cNvSpPr/>
-          <p:nvPr/>
-        </p:nvSpPr>
-        <p:spPr>
-          <a:xfrm>
-            <a:off x="4758120" y="8602560"/>
-            <a:ext cx="360" cy="556560"/>
-          </a:xfrm>
-          <a:prstGeom prst="line">
-            <a:avLst/>
-          </a:prstGeom>
-          <a:ln w="0">
-            <a:solidFill>
-              <a:srgbClr val="3465a4"/>
-            </a:solidFill>
-            <a:tailEnd len="med" type="triangle" w="med"/>
-          </a:ln>
-        </p:spPr>
-        <p:style>
-          <a:lnRef idx="0"/>
-          <a:fillRef idx="0"/>
-          <a:effectRef idx="0"/>
-          <a:fontRef idx="minor"/>
-        </p:style>
-      </p:sp>
-      <p:sp>
-        <p:nvSpPr>
-          <p:cNvPr id="61" name=""/>
-          <p:cNvSpPr/>
-          <p:nvPr/>
-        </p:nvSpPr>
-        <p:spPr>
-          <a:xfrm>
-            <a:off x="283680" y="5202000"/>
-            <a:ext cx="930960" cy="1159920"/>
-          </a:xfrm>
-          <a:prstGeom prst="rect">
-            <a:avLst/>
-          </a:prstGeom>
-          <a:noFill/>
-          <a:ln w="0">
-            <a:solidFill>
-              <a:srgbClr val="3465a4"/>
-            </a:solidFill>
-          </a:ln>
-        </p:spPr>
-        <p:style>
-          <a:lnRef idx="0"/>
-          <a:fillRef idx="0"/>
-          <a:effectRef idx="0"/>
-          <a:fontRef idx="minor"/>
-        </p:style>
-        <p:txBody>
-          <a:bodyPr lIns="0" rIns="0" tIns="0" bIns="0" anchor="ctr">
+        <p:txBody>
+          <a:bodyPr lIns="90000" rIns="90000" tIns="45000" bIns="45000" anchor="ctr">
             <a:noAutofit/>
           </a:bodyPr>
           <a:p>
@@ -2787,7 +2666,7 @@
                 <a:latin typeface="Arial"/>
                 <a:ea typeface="DejaVu Sans"/>
               </a:rPr>
-              <a:t>Sind die Kundenrezensionen gut?</a:t>
+              <a:t>Brauche ich das wirklich? Freue ich mich auf den Besitz? Bringt mich die Benutzung des Geräts an den Punkt an dem ich gerne sein möchte?</a:t>
             </a:r>
             <a:endParaRPr b="0" lang="de-DE" sz="1400" spc="-1" strike="noStrike">
               <a:latin typeface="Arial"/>
@@ -2797,22 +2676,23 @@
       </p:sp>
       <p:sp>
         <p:nvSpPr>
-          <p:cNvPr id="62" name=""/>
+          <p:cNvPr id="59" name=""/>
           <p:cNvSpPr/>
           <p:nvPr/>
         </p:nvSpPr>
         <p:spPr>
           <a:xfrm>
-            <a:off x="708480" y="6362640"/>
-            <a:ext cx="360" cy="438120"/>
+            <a:off x="1506960" y="6573240"/>
+            <a:ext cx="31680" cy="319320"/>
           </a:xfrm>
           <a:prstGeom prst="line">
             <a:avLst/>
           </a:prstGeom>
-          <a:ln w="0">
+          <a:ln w="72000">
             <a:solidFill>
               <a:srgbClr val="3465a4"/>
             </a:solidFill>
+            <a:round/>
             <a:tailEnd len="med" type="triangle" w="med"/>
           </a:ln>
         </p:spPr>
@@ -2825,23 +2705,25 @@
       </p:sp>
       <p:sp>
         <p:nvSpPr>
-          <p:cNvPr id="63" name=""/>
+          <p:cNvPr id="60" name=""/>
           <p:cNvSpPr/>
           <p:nvPr/>
         </p:nvSpPr>
         <p:spPr>
           <a:xfrm>
-            <a:off x="283680" y="5841000"/>
-            <a:ext cx="120960" cy="2998080"/>
-          </a:xfrm>
-          <a:prstGeom prst="line">
-            <a:avLst/>
-          </a:prstGeom>
+            <a:off x="4113360" y="7543440"/>
+            <a:ext cx="1461960" cy="732600"/>
+          </a:xfrm>
+          <a:prstGeom prst="rect">
+            <a:avLst/>
+          </a:prstGeom>
+          <a:solidFill>
+            <a:srgbClr val="729fcf"/>
+          </a:solidFill>
           <a:ln w="0">
             <a:solidFill>
               <a:srgbClr val="3465a4"/>
             </a:solidFill>
-            <a:tailEnd len="med" type="triangle" w="med"/>
           </a:ln>
         </p:spPr>
         <p:style>
@@ -2850,36 +2732,8 @@
           <a:effectRef idx="0"/>
           <a:fontRef idx="minor"/>
         </p:style>
-      </p:sp>
-      <p:sp>
-        <p:nvSpPr>
-          <p:cNvPr id="64" name=""/>
-          <p:cNvSpPr/>
-          <p:nvPr/>
-        </p:nvSpPr>
-        <p:spPr>
-          <a:xfrm>
-            <a:off x="329040" y="460080"/>
-            <a:ext cx="1830960" cy="799920"/>
-          </a:xfrm>
-          <a:prstGeom prst="rect">
-            <a:avLst/>
-          </a:prstGeom>
-          <a:noFill/>
-          <a:ln w="0">
-            <a:solidFill>
-              <a:srgbClr val="3465a4"/>
-            </a:solidFill>
-          </a:ln>
-        </p:spPr>
-        <p:style>
-          <a:lnRef idx="0"/>
-          <a:fillRef idx="0"/>
-          <a:effectRef idx="0"/>
-          <a:fontRef idx="minor"/>
-        </p:style>
-        <p:txBody>
-          <a:bodyPr lIns="0" rIns="0" tIns="0" bIns="0" anchor="ctr">
+        <p:txBody>
+          <a:bodyPr lIns="90000" rIns="90000" tIns="45000" bIns="45000" anchor="ctr">
             <a:noAutofit/>
           </a:bodyPr>
           <a:p>
@@ -2897,7 +2751,193 @@
                 <a:latin typeface="Arial"/>
                 <a:ea typeface="DejaVu Sans"/>
               </a:rPr>
-              <a:t>Situation in der neue Elektronik benötigt wird</a:t>
+              <a:t>Neukauf</a:t>
+            </a:r>
+            <a:endParaRPr b="0" lang="de-DE" sz="1400" spc="-1" strike="noStrike">
+              <a:latin typeface="Arial"/>
+            </a:endParaRPr>
+          </a:p>
+        </p:txBody>
+      </p:sp>
+      <p:sp>
+        <p:nvSpPr>
+          <p:cNvPr id="61" name=""/>
+          <p:cNvSpPr/>
+          <p:nvPr/>
+        </p:nvSpPr>
+        <p:spPr>
+          <a:xfrm flipV="1">
+            <a:off x="3542400" y="7877160"/>
+            <a:ext cx="570960" cy="17280"/>
+          </a:xfrm>
+          <a:prstGeom prst="line">
+            <a:avLst/>
+          </a:prstGeom>
+          <a:ln w="72000">
+            <a:solidFill>
+              <a:srgbClr val="3465a4"/>
+            </a:solidFill>
+            <a:round/>
+            <a:tailEnd len="med" type="triangle" w="med"/>
+          </a:ln>
+        </p:spPr>
+        <p:style>
+          <a:lnRef idx="0"/>
+          <a:fillRef idx="0"/>
+          <a:effectRef idx="0"/>
+          <a:fontRef idx="minor"/>
+        </p:style>
+      </p:sp>
+      <p:sp>
+        <p:nvSpPr>
+          <p:cNvPr id="62" name=""/>
+          <p:cNvSpPr txBox="1"/>
+          <p:nvPr/>
+        </p:nvSpPr>
+        <p:spPr>
+          <a:xfrm>
+            <a:off x="3565800" y="7559280"/>
+            <a:ext cx="639720" cy="452160"/>
+          </a:xfrm>
+          <a:prstGeom prst="rect">
+            <a:avLst/>
+          </a:prstGeom>
+          <a:noFill/>
+          <a:ln w="0">
+            <a:noFill/>
+          </a:ln>
+        </p:spPr>
+        <p:txBody>
+          <a:bodyPr lIns="90000" rIns="90000" tIns="45000" bIns="45000" anchor="t">
+            <a:noAutofit/>
+          </a:bodyPr>
+          <a:p>
+            <a:r>
+              <a:rPr b="1" lang="de-DE" sz="1800" spc="-1" strike="noStrike">
+                <a:latin typeface="Arial"/>
+              </a:rPr>
+              <a:t>JA</a:t>
+            </a:r>
+            <a:endParaRPr b="0" lang="de-DE" sz="1800" spc="-1" strike="noStrike">
+              <a:latin typeface="Arial"/>
+            </a:endParaRPr>
+          </a:p>
+        </p:txBody>
+      </p:sp>
+      <p:sp>
+        <p:nvSpPr>
+          <p:cNvPr id="63" name=""/>
+          <p:cNvSpPr/>
+          <p:nvPr/>
+        </p:nvSpPr>
+        <p:spPr>
+          <a:xfrm>
+            <a:off x="1530720" y="8893440"/>
+            <a:ext cx="13320" cy="412200"/>
+          </a:xfrm>
+          <a:prstGeom prst="line">
+            <a:avLst/>
+          </a:prstGeom>
+          <a:ln w="72000">
+            <a:solidFill>
+              <a:srgbClr val="3465a4"/>
+            </a:solidFill>
+            <a:round/>
+            <a:tailEnd len="med" type="triangle" w="med"/>
+          </a:ln>
+        </p:spPr>
+        <p:style>
+          <a:lnRef idx="0"/>
+          <a:fillRef idx="0"/>
+          <a:effectRef idx="0"/>
+          <a:fontRef idx="minor"/>
+        </p:style>
+      </p:sp>
+      <p:sp>
+        <p:nvSpPr>
+          <p:cNvPr id="64" name=""/>
+          <p:cNvSpPr txBox="1"/>
+          <p:nvPr/>
+        </p:nvSpPr>
+        <p:spPr>
+          <a:xfrm>
+            <a:off x="1679040" y="8893440"/>
+            <a:ext cx="891360" cy="506880"/>
+          </a:xfrm>
+          <a:prstGeom prst="rect">
+            <a:avLst/>
+          </a:prstGeom>
+          <a:noFill/>
+          <a:ln w="0">
+            <a:noFill/>
+          </a:ln>
+        </p:spPr>
+        <p:txBody>
+          <a:bodyPr lIns="90000" rIns="90000" tIns="45000" bIns="45000" anchor="t">
+            <a:noAutofit/>
+          </a:bodyPr>
+          <a:p>
+            <a:r>
+              <a:rPr b="1" lang="de-DE" sz="1800" spc="-1" strike="noStrike">
+                <a:latin typeface="Arial"/>
+              </a:rPr>
+              <a:t>NEIN</a:t>
+            </a:r>
+            <a:endParaRPr b="0" lang="de-DE" sz="1800" spc="-1" strike="noStrike">
+              <a:latin typeface="Arial"/>
+            </a:endParaRPr>
+          </a:p>
+        </p:txBody>
+      </p:sp>
+      <p:sp>
+        <p:nvSpPr>
+          <p:cNvPr id="65" name=""/>
+          <p:cNvSpPr/>
+          <p:nvPr/>
+        </p:nvSpPr>
+        <p:spPr>
+          <a:xfrm>
+            <a:off x="854640" y="9268560"/>
+            <a:ext cx="1461960" cy="732600"/>
+          </a:xfrm>
+          <a:prstGeom prst="rect">
+            <a:avLst/>
+          </a:prstGeom>
+          <a:solidFill>
+            <a:srgbClr val="729fcf"/>
+          </a:solidFill>
+          <a:ln w="0">
+            <a:solidFill>
+              <a:srgbClr val="3465a4"/>
+            </a:solidFill>
+          </a:ln>
+        </p:spPr>
+        <p:style>
+          <a:lnRef idx="0"/>
+          <a:fillRef idx="0"/>
+          <a:effectRef idx="0"/>
+          <a:fontRef idx="minor"/>
+        </p:style>
+        <p:txBody>
+          <a:bodyPr lIns="90000" rIns="90000" tIns="45000" bIns="45000" anchor="ctr">
+            <a:noAutofit/>
+          </a:bodyPr>
+          <a:p>
+            <a:pPr algn="ctr">
+              <a:lnSpc>
+                <a:spcPct val="100000"/>
+              </a:lnSpc>
+              <a:buNone/>
+            </a:pPr>
+            <a:r>
+              <a:rPr b="0" lang="de-DE" sz="1400" spc="-1" strike="noStrike">
+                <a:solidFill>
+                  <a:srgbClr val="000000"/>
+                </a:solidFill>
+                <a:latin typeface="Arial"/>
+                <a:ea typeface="DejaVu Sans"/>
+              </a:rPr>
+              <a:t>Ohne das Gerät glücklich weiterleben</a:t>
             </a:r>
             <a:endParaRPr b="0" lang="de-DE" sz="1400" spc="-1" strike="noStrike">
               <a:latin typeface="Arial"/>
